--- a/Alluxio.pptx
+++ b/Alluxio.pptx
@@ -5,10 +5,10 @@
     <p:sldMasterId id="2147483648" r:id="rId1"/>
   </p:sldMasterIdLst>
   <p:notesMasterIdLst>
-    <p:notesMasterId r:id="rId13"/>
+    <p:notesMasterId r:id="rId25"/>
   </p:notesMasterIdLst>
   <p:handoutMasterIdLst>
-    <p:handoutMasterId r:id="rId14"/>
+    <p:handoutMasterId r:id="rId26"/>
   </p:handoutMasterIdLst>
   <p:sldIdLst>
     <p:sldId id="3902" r:id="rId2"/>
@@ -22,11 +22,23 @@
     <p:sldId id="3903" r:id="rId10"/>
     <p:sldId id="3905" r:id="rId11"/>
     <p:sldId id="3906" r:id="rId12"/>
+    <p:sldId id="3907" r:id="rId13"/>
+    <p:sldId id="3908" r:id="rId14"/>
+    <p:sldId id="3909" r:id="rId15"/>
+    <p:sldId id="3910" r:id="rId16"/>
+    <p:sldId id="3911" r:id="rId17"/>
+    <p:sldId id="3912" r:id="rId18"/>
+    <p:sldId id="3913" r:id="rId19"/>
+    <p:sldId id="3914" r:id="rId20"/>
+    <p:sldId id="3917" r:id="rId21"/>
+    <p:sldId id="3915" r:id="rId22"/>
+    <p:sldId id="3916" r:id="rId23"/>
+    <p:sldId id="3919" r:id="rId24"/>
   </p:sldIdLst>
   <p:sldSz cx="12192000" cy="6858000"/>
   <p:notesSz cx="6858000" cy="9144000"/>
   <p:custDataLst>
-    <p:tags r:id="rId15"/>
+    <p:tags r:id="rId27"/>
   </p:custDataLst>
   <p:defaultTextStyle>
     <a:defPPr>
@@ -154,6 +166,41 @@
     </a:lvl9pPr>
   </p:defaultTextStyle>
   <p:extLst>
+    <p:ext uri="{521415D9-36F7-43E2-AB2F-B90AF26B5E84}">
+      <p14:sectionLst xmlns:p14="http://schemas.microsoft.com/office/powerpoint/2010/main">
+        <p14:section name="默认节" id="{D5AED39D-5BD0-4F92-AC69-472272FD607A}">
+          <p14:sldIdLst>
+            <p14:sldId id="3902"/>
+            <p14:sldId id="3892"/>
+            <p14:sldId id="3893"/>
+            <p14:sldId id="3897"/>
+            <p14:sldId id="3895"/>
+            <p14:sldId id="3901"/>
+            <p14:sldId id="3900"/>
+            <p14:sldId id="3899"/>
+          </p14:sldIdLst>
+        </p14:section>
+        <p14:section name="Alluxio - Fuse 介绍" id="{3E6BCB94-105D-4A7F-A839-4667E0DF3C3E}">
+          <p14:sldIdLst>
+            <p14:sldId id="3903"/>
+            <p14:sldId id="3905"/>
+            <p14:sldId id="3906"/>
+            <p14:sldId id="3907"/>
+            <p14:sldId id="3908"/>
+            <p14:sldId id="3909"/>
+            <p14:sldId id="3910"/>
+            <p14:sldId id="3911"/>
+            <p14:sldId id="3912"/>
+            <p14:sldId id="3913"/>
+            <p14:sldId id="3914"/>
+            <p14:sldId id="3917"/>
+            <p14:sldId id="3915"/>
+            <p14:sldId id="3916"/>
+            <p14:sldId id="3919"/>
+          </p14:sldIdLst>
+        </p14:section>
+      </p14:sectionLst>
+    </p:ext>
     <p:ext uri="{EFAFB233-063F-42B5-8137-9DF3F51BA10A}">
       <p15:sldGuideLst xmlns:p15="http://schemas.microsoft.com/office/powerpoint/2012/main">
         <p15:guide id="1" orient="horz" pos="2359">
@@ -324,7 +371,7 @@
           <a:p>
             <a:fld id="{B75541EB-2FDD-4588-864C-D64CCD7CAF6A}" type="datetime1">
               <a:rPr lang="zh-CN" altLang="en-US" smtClean="0"/>
-              <a:t>2020/11/9</a:t>
+              <a:t>2021/1/20</a:t>
             </a:fld>
             <a:endParaRPr lang="en-US" altLang="zh-CN"/>
           </a:p>
@@ -538,7 +585,7 @@
             </a:pPr>
             <a:fld id="{4AE7CE70-13F2-478A-9881-9143FE652672}" type="datetime1">
               <a:rPr lang="zh-CN" altLang="en-US" smtClean="0"/>
-              <a:t>2020/11/9</a:t>
+              <a:t>2021/1/20</a:t>
             </a:fld>
             <a:endParaRPr lang="zh-CN" altLang="en-US"/>
           </a:p>
@@ -1050,7 +1097,7 @@
             </a:pPr>
             <a:fld id="{4AE7CE70-13F2-478A-9881-9143FE652672}" type="datetime1">
               <a:rPr lang="zh-CN" altLang="en-US" smtClean="0"/>
-              <a:t>2020/11/9</a:t>
+              <a:t>2021/1/20</a:t>
             </a:fld>
             <a:endParaRPr lang="zh-CN" altLang="en-US"/>
           </a:p>
@@ -1928,7 +1975,7 @@
           <a:p>
             <a:fld id="{36FDB987-A0FD-4443-8DB3-F067FDACDBC2}" type="datetimeFigureOut">
               <a:rPr lang="zh-CN" altLang="en-US" smtClean="0"/>
-              <a:t>2020/11/9</a:t>
+              <a:t>2021/1/20</a:t>
             </a:fld>
             <a:endParaRPr lang="zh-CN" altLang="en-US"/>
           </a:p>
@@ -6484,6 +6531,3150 @@
 </p:sld>
 </file>
 
+<file path=ppt/slides/slide12.xml><?xml version="1.0" encoding="utf-8"?>
+<p:sld xmlns:a="http://schemas.openxmlformats.org/drawingml/2006/main" xmlns:r="http://schemas.openxmlformats.org/officeDocument/2006/relationships" xmlns:p="http://schemas.openxmlformats.org/presentationml/2006/main">
+  <p:cSld>
+    <p:spTree>
+      <p:nvGrpSpPr>
+        <p:cNvPr id="1" name=""/>
+        <p:cNvGrpSpPr/>
+        <p:nvPr/>
+      </p:nvGrpSpPr>
+      <p:grpSpPr>
+        <a:xfrm>
+          <a:off x="0" y="0"/>
+          <a:ext cx="0" cy="0"/>
+          <a:chOff x="0" y="0"/>
+          <a:chExt cx="0" cy="0"/>
+        </a:xfrm>
+      </p:grpSpPr>
+      <p:sp>
+        <p:nvSpPr>
+          <p:cNvPr id="2" name="日期占位符 1"/>
+          <p:cNvSpPr>
+            <a:spLocks noGrp="1"/>
+          </p:cNvSpPr>
+          <p:nvPr>
+            <p:ph type="dt" sz="half" idx="10"/>
+          </p:nvPr>
+        </p:nvSpPr>
+        <p:spPr/>
+        <p:txBody>
+          <a:bodyPr/>
+          <a:lstStyle/>
+          <a:p>
+            <a:fld id="{78443079-7E24-4234-98E4-D63A33F54BBA}" type="datetime1">
+              <a:rPr lang="zh-CN" altLang="en-US" smtClean="0"/>
+              <a:t>2021/1/20</a:t>
+            </a:fld>
+            <a:endParaRPr lang="zh-CN" altLang="en-US"/>
+          </a:p>
+        </p:txBody>
+      </p:sp>
+      <p:sp>
+        <p:nvSpPr>
+          <p:cNvPr id="3" name="灯片编号占位符 2"/>
+          <p:cNvSpPr>
+            <a:spLocks noGrp="1"/>
+          </p:cNvSpPr>
+          <p:nvPr>
+            <p:ph type="sldNum" sz="quarter" idx="12"/>
+          </p:nvPr>
+        </p:nvSpPr>
+        <p:spPr/>
+        <p:txBody>
+          <a:bodyPr/>
+          <a:lstStyle/>
+          <a:p>
+            <a:fld id="{F3C09F5B-C591-49A2-9090-D775AF8A5EB6}" type="slidenum">
+              <a:rPr lang="zh-CN" altLang="en-US" smtClean="0"/>
+              <a:t>12</a:t>
+            </a:fld>
+            <a:endParaRPr lang="zh-CN" altLang="en-US"/>
+          </a:p>
+        </p:txBody>
+      </p:sp>
+      <p:sp>
+        <p:nvSpPr>
+          <p:cNvPr id="4" name="文本框 3"/>
+          <p:cNvSpPr txBox="1"/>
+          <p:nvPr/>
+        </p:nvSpPr>
+        <p:spPr>
+          <a:xfrm>
+            <a:off x="727030" y="204129"/>
+            <a:ext cx="8105274" cy="830997"/>
+          </a:xfrm>
+          <a:prstGeom prst="rect">
+            <a:avLst/>
+          </a:prstGeom>
+          <a:noFill/>
+        </p:spPr>
+        <p:txBody>
+          <a:bodyPr wrap="square" rtlCol="0">
+            <a:spAutoFit/>
+            <a:scene3d>
+              <a:camera prst="orthographicFront"/>
+              <a:lightRig rig="threePt" dir="t"/>
+            </a:scene3d>
+            <a:sp3d contourW="12700"/>
+          </a:bodyPr>
+          <a:lstStyle>
+            <a:defPPr>
+              <a:defRPr lang="en-US"/>
+            </a:defPPr>
+            <a:lvl1pPr algn="ctr">
+              <a:defRPr sz="2800" b="1">
+                <a:solidFill>
+                  <a:schemeClr val="tx1">
+                    <a:lumMod val="75000"/>
+                    <a:lumOff val="25000"/>
+                  </a:schemeClr>
+                </a:solidFill>
+                <a:latin typeface="Century Gothic" panose="020B0502020202020204" pitchFamily="34" charset="0"/>
+              </a:defRPr>
+            </a:lvl1pPr>
+          </a:lstStyle>
+          <a:p>
+            <a:pPr algn="l"/>
+            <a:r>
+              <a:rPr lang="zh-CN" altLang="en-US" sz="2400" dirty="0" smtClean="0">
+                <a:solidFill>
+                  <a:schemeClr val="bg1"/>
+                </a:solidFill>
+                <a:latin typeface="微软雅黑" panose="020B0503020204020204" pitchFamily="34" charset="-122"/>
+                <a:ea typeface="微软雅黑" panose="020B0503020204020204" pitchFamily="34" charset="-122"/>
+              </a:rPr>
+              <a:t>浪潮云海 </a:t>
+            </a:r>
+            <a:r>
+              <a:rPr lang="en-US" altLang="zh-CN" sz="2400" dirty="0" smtClean="0">
+                <a:solidFill>
+                  <a:schemeClr val="bg1"/>
+                </a:solidFill>
+                <a:latin typeface="微软雅黑" panose="020B0503020204020204" pitchFamily="34" charset="-122"/>
+                <a:ea typeface="微软雅黑" panose="020B0503020204020204" pitchFamily="34" charset="-122"/>
+              </a:rPr>
+              <a:t>·</a:t>
+            </a:r>
+            <a:r>
+              <a:rPr lang="en-US" altLang="zh-CN" sz="2400" dirty="0" err="1" smtClean="0">
+                <a:solidFill>
+                  <a:schemeClr val="bg1"/>
+                </a:solidFill>
+                <a:latin typeface="微软雅黑" panose="020B0503020204020204" pitchFamily="34" charset="-122"/>
+                <a:ea typeface="微软雅黑" panose="020B0503020204020204" pitchFamily="34" charset="-122"/>
+              </a:rPr>
+              <a:t>Alluxio</a:t>
+            </a:r>
+            <a:r>
+              <a:rPr lang="en-US" altLang="zh-CN" sz="2400" dirty="0" smtClean="0">
+                <a:solidFill>
+                  <a:schemeClr val="bg1"/>
+                </a:solidFill>
+                <a:latin typeface="微软雅黑" panose="020B0503020204020204" pitchFamily="34" charset="-122"/>
+                <a:ea typeface="微软雅黑" panose="020B0503020204020204" pitchFamily="34" charset="-122"/>
+              </a:rPr>
+              <a:t>-FUSE </a:t>
+            </a:r>
+            <a:r>
+              <a:rPr lang="en-US" altLang="zh-CN" sz="2400" dirty="0">
+                <a:solidFill>
+                  <a:schemeClr val="bg1"/>
+                </a:solidFill>
+                <a:latin typeface="微软雅黑" panose="020B0503020204020204" pitchFamily="34" charset="-122"/>
+                <a:ea typeface="微软雅黑" panose="020B0503020204020204" pitchFamily="34" charset="-122"/>
+              </a:rPr>
+              <a:t>CACHE_THROUGH </a:t>
+            </a:r>
+            <a:r>
+              <a:rPr lang="zh-CN" altLang="en-US" sz="2400" dirty="0">
+                <a:solidFill>
+                  <a:schemeClr val="bg1"/>
+                </a:solidFill>
+                <a:latin typeface="微软雅黑" panose="020B0503020204020204" pitchFamily="34" charset="-122"/>
+                <a:ea typeface="微软雅黑" panose="020B0503020204020204" pitchFamily="34" charset="-122"/>
+              </a:rPr>
+              <a:t>模式</a:t>
+            </a:r>
+            <a:endParaRPr lang="en-US" altLang="zh-CN" sz="2400" dirty="0">
+              <a:solidFill>
+                <a:schemeClr val="bg1"/>
+              </a:solidFill>
+              <a:latin typeface="微软雅黑" panose="020B0503020204020204" pitchFamily="34" charset="-122"/>
+              <a:ea typeface="微软雅黑" panose="020B0503020204020204" pitchFamily="34" charset="-122"/>
+            </a:endParaRPr>
+          </a:p>
+          <a:p>
+            <a:pPr algn="l"/>
+            <a:endParaRPr lang="zh-CN" altLang="en-US" sz="2400" dirty="0">
+              <a:solidFill>
+                <a:schemeClr val="bg1"/>
+              </a:solidFill>
+              <a:latin typeface="微软雅黑" panose="020B0503020204020204" pitchFamily="34" charset="-122"/>
+              <a:ea typeface="微软雅黑" panose="020B0503020204020204" pitchFamily="34" charset="-122"/>
+            </a:endParaRPr>
+          </a:p>
+        </p:txBody>
+      </p:sp>
+      <p:sp>
+        <p:nvSpPr>
+          <p:cNvPr id="5" name="任意多边形 38"/>
+          <p:cNvSpPr/>
+          <p:nvPr/>
+        </p:nvSpPr>
+        <p:spPr>
+          <a:xfrm>
+            <a:off x="565095" y="129684"/>
+            <a:ext cx="384759" cy="742802"/>
+          </a:xfrm>
+          <a:custGeom>
+            <a:avLst/>
+            <a:gdLst>
+              <a:gd name="connsiteX0" fmla="*/ 0 w 384775"/>
+              <a:gd name="connsiteY0" fmla="*/ 0 h 1014413"/>
+              <a:gd name="connsiteX1" fmla="*/ 384775 w 384775"/>
+              <a:gd name="connsiteY1" fmla="*/ 0 h 1014413"/>
+              <a:gd name="connsiteX2" fmla="*/ 384775 w 384775"/>
+              <a:gd name="connsiteY2" fmla="*/ 168608 h 1014413"/>
+              <a:gd name="connsiteX3" fmla="*/ 336678 w 384775"/>
+              <a:gd name="connsiteY3" fmla="*/ 168608 h 1014413"/>
+              <a:gd name="connsiteX4" fmla="*/ 336678 w 384775"/>
+              <a:gd name="connsiteY4" fmla="*/ 48097 h 1014413"/>
+              <a:gd name="connsiteX5" fmla="*/ 48097 w 384775"/>
+              <a:gd name="connsiteY5" fmla="*/ 48097 h 1014413"/>
+              <a:gd name="connsiteX6" fmla="*/ 48097 w 384775"/>
+              <a:gd name="connsiteY6" fmla="*/ 966316 h 1014413"/>
+              <a:gd name="connsiteX7" fmla="*/ 336678 w 384775"/>
+              <a:gd name="connsiteY7" fmla="*/ 966316 h 1014413"/>
+              <a:gd name="connsiteX8" fmla="*/ 336678 w 384775"/>
+              <a:gd name="connsiteY8" fmla="*/ 845804 h 1014413"/>
+              <a:gd name="connsiteX9" fmla="*/ 384775 w 384775"/>
+              <a:gd name="connsiteY9" fmla="*/ 845804 h 1014413"/>
+              <a:gd name="connsiteX10" fmla="*/ 384775 w 384775"/>
+              <a:gd name="connsiteY10" fmla="*/ 1014413 h 1014413"/>
+              <a:gd name="connsiteX11" fmla="*/ 0 w 384775"/>
+              <a:gd name="connsiteY11" fmla="*/ 1014413 h 1014413"/>
+            </a:gdLst>
+            <a:ahLst/>
+            <a:cxnLst>
+              <a:cxn ang="0">
+                <a:pos x="connsiteX0" y="connsiteY0"/>
+              </a:cxn>
+              <a:cxn ang="0">
+                <a:pos x="connsiteX1" y="connsiteY1"/>
+              </a:cxn>
+              <a:cxn ang="0">
+                <a:pos x="connsiteX2" y="connsiteY2"/>
+              </a:cxn>
+              <a:cxn ang="0">
+                <a:pos x="connsiteX3" y="connsiteY3"/>
+              </a:cxn>
+              <a:cxn ang="0">
+                <a:pos x="connsiteX4" y="connsiteY4"/>
+              </a:cxn>
+              <a:cxn ang="0">
+                <a:pos x="connsiteX5" y="connsiteY5"/>
+              </a:cxn>
+              <a:cxn ang="0">
+                <a:pos x="connsiteX6" y="connsiteY6"/>
+              </a:cxn>
+              <a:cxn ang="0">
+                <a:pos x="connsiteX7" y="connsiteY7"/>
+              </a:cxn>
+              <a:cxn ang="0">
+                <a:pos x="connsiteX8" y="connsiteY8"/>
+              </a:cxn>
+              <a:cxn ang="0">
+                <a:pos x="connsiteX9" y="connsiteY9"/>
+              </a:cxn>
+              <a:cxn ang="0">
+                <a:pos x="connsiteX10" y="connsiteY10"/>
+              </a:cxn>
+              <a:cxn ang="0">
+                <a:pos x="connsiteX11" y="connsiteY11"/>
+              </a:cxn>
+            </a:cxnLst>
+            <a:rect l="l" t="t" r="r" b="b"/>
+            <a:pathLst>
+              <a:path w="384775" h="1014413">
+                <a:moveTo>
+                  <a:pt x="0" y="0"/>
+                </a:moveTo>
+                <a:lnTo>
+                  <a:pt x="384775" y="0"/>
+                </a:lnTo>
+                <a:lnTo>
+                  <a:pt x="384775" y="168608"/>
+                </a:lnTo>
+                <a:lnTo>
+                  <a:pt x="336678" y="168608"/>
+                </a:lnTo>
+                <a:lnTo>
+                  <a:pt x="336678" y="48097"/>
+                </a:lnTo>
+                <a:lnTo>
+                  <a:pt x="48097" y="48097"/>
+                </a:lnTo>
+                <a:lnTo>
+                  <a:pt x="48097" y="966316"/>
+                </a:lnTo>
+                <a:lnTo>
+                  <a:pt x="336678" y="966316"/>
+                </a:lnTo>
+                <a:lnTo>
+                  <a:pt x="336678" y="845804"/>
+                </a:lnTo>
+                <a:lnTo>
+                  <a:pt x="384775" y="845804"/>
+                </a:lnTo>
+                <a:lnTo>
+                  <a:pt x="384775" y="1014413"/>
+                </a:lnTo>
+                <a:lnTo>
+                  <a:pt x="0" y="1014413"/>
+                </a:lnTo>
+                <a:close/>
+              </a:path>
+            </a:pathLst>
+          </a:custGeom>
+          <a:solidFill>
+            <a:srgbClr val="0070C0"/>
+          </a:solidFill>
+          <a:ln>
+            <a:noFill/>
+          </a:ln>
+        </p:spPr>
+        <p:style>
+          <a:lnRef idx="2">
+            <a:schemeClr val="accent1">
+              <a:shade val="50000"/>
+            </a:schemeClr>
+          </a:lnRef>
+          <a:fillRef idx="1">
+            <a:schemeClr val="accent1"/>
+          </a:fillRef>
+          <a:effectRef idx="0">
+            <a:schemeClr val="accent1"/>
+          </a:effectRef>
+          <a:fontRef idx="minor">
+            <a:schemeClr val="lt1"/>
+          </a:fontRef>
+        </p:style>
+        <p:txBody>
+          <a:bodyPr rtlCol="0" anchor="ctr"/>
+          <a:lstStyle/>
+          <a:p>
+            <a:pPr algn="ctr"/>
+            <a:endParaRPr lang="zh-CN" altLang="en-US" sz="6376" dirty="0">
+              <a:solidFill>
+                <a:schemeClr val="tx1"/>
+              </a:solidFill>
+              <a:ea typeface="微软雅黑" panose="020B0503020204020204" pitchFamily="34" charset="-122"/>
+            </a:endParaRPr>
+          </a:p>
+        </p:txBody>
+      </p:sp>
+      <p:pic>
+        <p:nvPicPr>
+          <p:cNvPr id="6" name="图片 5"/>
+          <p:cNvPicPr>
+            <a:picLocks noChangeAspect="1"/>
+          </p:cNvPicPr>
+          <p:nvPr/>
+        </p:nvPicPr>
+        <p:blipFill>
+          <a:blip r:embed="rId2"/>
+          <a:stretch>
+            <a:fillRect/>
+          </a:stretch>
+        </p:blipFill>
+        <p:spPr>
+          <a:xfrm>
+            <a:off x="589000" y="1171126"/>
+            <a:ext cx="10498650" cy="5185308"/>
+          </a:xfrm>
+          <a:prstGeom prst="rect">
+            <a:avLst/>
+          </a:prstGeom>
+        </p:spPr>
+      </p:pic>
+    </p:spTree>
+    <p:extLst>
+      <p:ext uri="{BB962C8B-B14F-4D97-AF65-F5344CB8AC3E}">
+        <p14:creationId xmlns:p14="http://schemas.microsoft.com/office/powerpoint/2010/main" val="2042648216"/>
+      </p:ext>
+    </p:extLst>
+  </p:cSld>
+  <p:clrMapOvr>
+    <a:masterClrMapping/>
+  </p:clrMapOvr>
+  <p:timing>
+    <p:tnLst>
+      <p:par>
+        <p:cTn id="1" dur="indefinite" restart="never" nodeType="tmRoot"/>
+      </p:par>
+    </p:tnLst>
+  </p:timing>
+</p:sld>
+</file>
+
+<file path=ppt/slides/slide13.xml><?xml version="1.0" encoding="utf-8"?>
+<p:sld xmlns:a="http://schemas.openxmlformats.org/drawingml/2006/main" xmlns:r="http://schemas.openxmlformats.org/officeDocument/2006/relationships" xmlns:p="http://schemas.openxmlformats.org/presentationml/2006/main">
+  <p:cSld>
+    <p:spTree>
+      <p:nvGrpSpPr>
+        <p:cNvPr id="1" name=""/>
+        <p:cNvGrpSpPr/>
+        <p:nvPr/>
+      </p:nvGrpSpPr>
+      <p:grpSpPr>
+        <a:xfrm>
+          <a:off x="0" y="0"/>
+          <a:ext cx="0" cy="0"/>
+          <a:chOff x="0" y="0"/>
+          <a:chExt cx="0" cy="0"/>
+        </a:xfrm>
+      </p:grpSpPr>
+      <p:sp>
+        <p:nvSpPr>
+          <p:cNvPr id="2" name="日期占位符 1"/>
+          <p:cNvSpPr>
+            <a:spLocks noGrp="1"/>
+          </p:cNvSpPr>
+          <p:nvPr>
+            <p:ph type="dt" sz="half" idx="10"/>
+          </p:nvPr>
+        </p:nvSpPr>
+        <p:spPr/>
+        <p:txBody>
+          <a:bodyPr/>
+          <a:lstStyle/>
+          <a:p>
+            <a:fld id="{7E689459-9401-4FDA-8646-6F28ECDCE263}" type="datetime1">
+              <a:rPr lang="zh-CN" altLang="en-US" smtClean="0"/>
+              <a:t>2021/1/20</a:t>
+            </a:fld>
+            <a:endParaRPr lang="zh-CN" altLang="en-US"/>
+          </a:p>
+        </p:txBody>
+      </p:sp>
+      <p:sp>
+        <p:nvSpPr>
+          <p:cNvPr id="3" name="灯片编号占位符 2"/>
+          <p:cNvSpPr>
+            <a:spLocks noGrp="1"/>
+          </p:cNvSpPr>
+          <p:nvPr>
+            <p:ph type="sldNum" sz="quarter" idx="12"/>
+          </p:nvPr>
+        </p:nvSpPr>
+        <p:spPr/>
+        <p:txBody>
+          <a:bodyPr/>
+          <a:lstStyle/>
+          <a:p>
+            <a:fld id="{F3C09F5B-C591-49A2-9090-D775AF8A5EB6}" type="slidenum">
+              <a:rPr lang="zh-CN" altLang="en-US" smtClean="0"/>
+              <a:t>13</a:t>
+            </a:fld>
+            <a:endParaRPr lang="zh-CN" altLang="en-US"/>
+          </a:p>
+        </p:txBody>
+      </p:sp>
+      <p:pic>
+        <p:nvPicPr>
+          <p:cNvPr id="4" name="图片 3"/>
+          <p:cNvPicPr>
+            <a:picLocks noChangeAspect="1"/>
+          </p:cNvPicPr>
+          <p:nvPr/>
+        </p:nvPicPr>
+        <p:blipFill>
+          <a:blip r:embed="rId2"/>
+          <a:stretch>
+            <a:fillRect/>
+          </a:stretch>
+        </p:blipFill>
+        <p:spPr>
+          <a:xfrm>
+            <a:off x="564204" y="1134624"/>
+            <a:ext cx="10140308" cy="5023196"/>
+          </a:xfrm>
+          <a:prstGeom prst="rect">
+            <a:avLst/>
+          </a:prstGeom>
+        </p:spPr>
+      </p:pic>
+      <p:sp>
+        <p:nvSpPr>
+          <p:cNvPr id="6" name="文本框 5"/>
+          <p:cNvSpPr txBox="1"/>
+          <p:nvPr/>
+        </p:nvSpPr>
+        <p:spPr>
+          <a:xfrm>
+            <a:off x="727030" y="204129"/>
+            <a:ext cx="8105274" cy="830997"/>
+          </a:xfrm>
+          <a:prstGeom prst="rect">
+            <a:avLst/>
+          </a:prstGeom>
+          <a:noFill/>
+        </p:spPr>
+        <p:txBody>
+          <a:bodyPr wrap="square" rtlCol="0">
+            <a:spAutoFit/>
+            <a:scene3d>
+              <a:camera prst="orthographicFront"/>
+              <a:lightRig rig="threePt" dir="t"/>
+            </a:scene3d>
+            <a:sp3d contourW="12700"/>
+          </a:bodyPr>
+          <a:lstStyle>
+            <a:defPPr>
+              <a:defRPr lang="en-US"/>
+            </a:defPPr>
+            <a:lvl1pPr algn="ctr">
+              <a:defRPr sz="2800" b="1">
+                <a:solidFill>
+                  <a:schemeClr val="tx1">
+                    <a:lumMod val="75000"/>
+                    <a:lumOff val="25000"/>
+                  </a:schemeClr>
+                </a:solidFill>
+                <a:latin typeface="Century Gothic" panose="020B0502020202020204" pitchFamily="34" charset="0"/>
+              </a:defRPr>
+            </a:lvl1pPr>
+          </a:lstStyle>
+          <a:p>
+            <a:pPr algn="l"/>
+            <a:r>
+              <a:rPr lang="zh-CN" altLang="en-US" sz="2400" dirty="0" smtClean="0">
+                <a:solidFill>
+                  <a:schemeClr val="bg1"/>
+                </a:solidFill>
+                <a:latin typeface="微软雅黑" panose="020B0503020204020204" pitchFamily="34" charset="-122"/>
+                <a:ea typeface="微软雅黑" panose="020B0503020204020204" pitchFamily="34" charset="-122"/>
+              </a:rPr>
+              <a:t>浪潮</a:t>
+            </a:r>
+            <a:r>
+              <a:rPr lang="zh-CN" altLang="en-US" sz="2400" dirty="0" smtClean="0">
+                <a:solidFill>
+                  <a:schemeClr val="bg1"/>
+                </a:solidFill>
+                <a:latin typeface="微软雅黑" panose="020B0503020204020204" pitchFamily="34" charset="-122"/>
+                <a:ea typeface="微软雅黑" panose="020B0503020204020204" pitchFamily="34" charset="-122"/>
+              </a:rPr>
+              <a:t>云海</a:t>
+            </a:r>
+            <a:r>
+              <a:rPr lang="en-US" altLang="zh-CN" sz="2400" dirty="0" smtClean="0">
+                <a:solidFill>
+                  <a:schemeClr val="bg1"/>
+                </a:solidFill>
+                <a:latin typeface="微软雅黑" panose="020B0503020204020204" pitchFamily="34" charset="-122"/>
+                <a:ea typeface="微软雅黑" panose="020B0503020204020204" pitchFamily="34" charset="-122"/>
+              </a:rPr>
+              <a:t>·</a:t>
+            </a:r>
+            <a:r>
+              <a:rPr lang="en-US" altLang="zh-CN" sz="2400" dirty="0" err="1" smtClean="0">
+                <a:solidFill>
+                  <a:schemeClr val="bg1"/>
+                </a:solidFill>
+                <a:latin typeface="微软雅黑" panose="020B0503020204020204" pitchFamily="34" charset="-122"/>
+                <a:ea typeface="微软雅黑" panose="020B0503020204020204" pitchFamily="34" charset="-122"/>
+              </a:rPr>
+              <a:t>Alluxio</a:t>
+            </a:r>
+            <a:r>
+              <a:rPr lang="en-US" altLang="zh-CN" sz="2400" dirty="0" smtClean="0">
+                <a:solidFill>
+                  <a:schemeClr val="bg1"/>
+                </a:solidFill>
+                <a:latin typeface="微软雅黑" panose="020B0503020204020204" pitchFamily="34" charset="-122"/>
+                <a:ea typeface="微软雅黑" panose="020B0503020204020204" pitchFamily="34" charset="-122"/>
+              </a:rPr>
+              <a:t>-FUSE </a:t>
+            </a:r>
+            <a:r>
+              <a:rPr lang="en-US" altLang="zh-CN" sz="2400" dirty="0" err="1" smtClean="0">
+                <a:solidFill>
+                  <a:schemeClr val="bg1"/>
+                </a:solidFill>
+                <a:latin typeface="微软雅黑" panose="020B0503020204020204" pitchFamily="34" charset="-122"/>
+                <a:ea typeface="微软雅黑" panose="020B0503020204020204" pitchFamily="34" charset="-122"/>
+              </a:rPr>
+              <a:t>distributedLoad</a:t>
+            </a:r>
+            <a:r>
+              <a:rPr lang="zh-CN" altLang="en-US" sz="2400" dirty="0" smtClean="0">
+                <a:solidFill>
+                  <a:schemeClr val="bg1"/>
+                </a:solidFill>
+                <a:latin typeface="微软雅黑" panose="020B0503020204020204" pitchFamily="34" charset="-122"/>
+                <a:ea typeface="微软雅黑" panose="020B0503020204020204" pitchFamily="34" charset="-122"/>
+              </a:rPr>
+              <a:t>模式</a:t>
+            </a:r>
+            <a:endParaRPr lang="en-US" altLang="zh-CN" sz="2400" dirty="0">
+              <a:solidFill>
+                <a:schemeClr val="bg1"/>
+              </a:solidFill>
+              <a:latin typeface="微软雅黑" panose="020B0503020204020204" pitchFamily="34" charset="-122"/>
+              <a:ea typeface="微软雅黑" panose="020B0503020204020204" pitchFamily="34" charset="-122"/>
+            </a:endParaRPr>
+          </a:p>
+          <a:p>
+            <a:pPr algn="l"/>
+            <a:endParaRPr lang="zh-CN" altLang="en-US" sz="2400" dirty="0">
+              <a:solidFill>
+                <a:schemeClr val="bg1"/>
+              </a:solidFill>
+              <a:latin typeface="微软雅黑" panose="020B0503020204020204" pitchFamily="34" charset="-122"/>
+              <a:ea typeface="微软雅黑" panose="020B0503020204020204" pitchFamily="34" charset="-122"/>
+            </a:endParaRPr>
+          </a:p>
+        </p:txBody>
+      </p:sp>
+      <p:sp>
+        <p:nvSpPr>
+          <p:cNvPr id="7" name="任意多边形 38"/>
+          <p:cNvSpPr/>
+          <p:nvPr/>
+        </p:nvSpPr>
+        <p:spPr>
+          <a:xfrm>
+            <a:off x="565095" y="129684"/>
+            <a:ext cx="384759" cy="742802"/>
+          </a:xfrm>
+          <a:custGeom>
+            <a:avLst/>
+            <a:gdLst>
+              <a:gd name="connsiteX0" fmla="*/ 0 w 384775"/>
+              <a:gd name="connsiteY0" fmla="*/ 0 h 1014413"/>
+              <a:gd name="connsiteX1" fmla="*/ 384775 w 384775"/>
+              <a:gd name="connsiteY1" fmla="*/ 0 h 1014413"/>
+              <a:gd name="connsiteX2" fmla="*/ 384775 w 384775"/>
+              <a:gd name="connsiteY2" fmla="*/ 168608 h 1014413"/>
+              <a:gd name="connsiteX3" fmla="*/ 336678 w 384775"/>
+              <a:gd name="connsiteY3" fmla="*/ 168608 h 1014413"/>
+              <a:gd name="connsiteX4" fmla="*/ 336678 w 384775"/>
+              <a:gd name="connsiteY4" fmla="*/ 48097 h 1014413"/>
+              <a:gd name="connsiteX5" fmla="*/ 48097 w 384775"/>
+              <a:gd name="connsiteY5" fmla="*/ 48097 h 1014413"/>
+              <a:gd name="connsiteX6" fmla="*/ 48097 w 384775"/>
+              <a:gd name="connsiteY6" fmla="*/ 966316 h 1014413"/>
+              <a:gd name="connsiteX7" fmla="*/ 336678 w 384775"/>
+              <a:gd name="connsiteY7" fmla="*/ 966316 h 1014413"/>
+              <a:gd name="connsiteX8" fmla="*/ 336678 w 384775"/>
+              <a:gd name="connsiteY8" fmla="*/ 845804 h 1014413"/>
+              <a:gd name="connsiteX9" fmla="*/ 384775 w 384775"/>
+              <a:gd name="connsiteY9" fmla="*/ 845804 h 1014413"/>
+              <a:gd name="connsiteX10" fmla="*/ 384775 w 384775"/>
+              <a:gd name="connsiteY10" fmla="*/ 1014413 h 1014413"/>
+              <a:gd name="connsiteX11" fmla="*/ 0 w 384775"/>
+              <a:gd name="connsiteY11" fmla="*/ 1014413 h 1014413"/>
+            </a:gdLst>
+            <a:ahLst/>
+            <a:cxnLst>
+              <a:cxn ang="0">
+                <a:pos x="connsiteX0" y="connsiteY0"/>
+              </a:cxn>
+              <a:cxn ang="0">
+                <a:pos x="connsiteX1" y="connsiteY1"/>
+              </a:cxn>
+              <a:cxn ang="0">
+                <a:pos x="connsiteX2" y="connsiteY2"/>
+              </a:cxn>
+              <a:cxn ang="0">
+                <a:pos x="connsiteX3" y="connsiteY3"/>
+              </a:cxn>
+              <a:cxn ang="0">
+                <a:pos x="connsiteX4" y="connsiteY4"/>
+              </a:cxn>
+              <a:cxn ang="0">
+                <a:pos x="connsiteX5" y="connsiteY5"/>
+              </a:cxn>
+              <a:cxn ang="0">
+                <a:pos x="connsiteX6" y="connsiteY6"/>
+              </a:cxn>
+              <a:cxn ang="0">
+                <a:pos x="connsiteX7" y="connsiteY7"/>
+              </a:cxn>
+              <a:cxn ang="0">
+                <a:pos x="connsiteX8" y="connsiteY8"/>
+              </a:cxn>
+              <a:cxn ang="0">
+                <a:pos x="connsiteX9" y="connsiteY9"/>
+              </a:cxn>
+              <a:cxn ang="0">
+                <a:pos x="connsiteX10" y="connsiteY10"/>
+              </a:cxn>
+              <a:cxn ang="0">
+                <a:pos x="connsiteX11" y="connsiteY11"/>
+              </a:cxn>
+            </a:cxnLst>
+            <a:rect l="l" t="t" r="r" b="b"/>
+            <a:pathLst>
+              <a:path w="384775" h="1014413">
+                <a:moveTo>
+                  <a:pt x="0" y="0"/>
+                </a:moveTo>
+                <a:lnTo>
+                  <a:pt x="384775" y="0"/>
+                </a:lnTo>
+                <a:lnTo>
+                  <a:pt x="384775" y="168608"/>
+                </a:lnTo>
+                <a:lnTo>
+                  <a:pt x="336678" y="168608"/>
+                </a:lnTo>
+                <a:lnTo>
+                  <a:pt x="336678" y="48097"/>
+                </a:lnTo>
+                <a:lnTo>
+                  <a:pt x="48097" y="48097"/>
+                </a:lnTo>
+                <a:lnTo>
+                  <a:pt x="48097" y="966316"/>
+                </a:lnTo>
+                <a:lnTo>
+                  <a:pt x="336678" y="966316"/>
+                </a:lnTo>
+                <a:lnTo>
+                  <a:pt x="336678" y="845804"/>
+                </a:lnTo>
+                <a:lnTo>
+                  <a:pt x="384775" y="845804"/>
+                </a:lnTo>
+                <a:lnTo>
+                  <a:pt x="384775" y="1014413"/>
+                </a:lnTo>
+                <a:lnTo>
+                  <a:pt x="0" y="1014413"/>
+                </a:lnTo>
+                <a:close/>
+              </a:path>
+            </a:pathLst>
+          </a:custGeom>
+          <a:solidFill>
+            <a:srgbClr val="0070C0"/>
+          </a:solidFill>
+          <a:ln>
+            <a:noFill/>
+          </a:ln>
+        </p:spPr>
+        <p:style>
+          <a:lnRef idx="2">
+            <a:schemeClr val="accent1">
+              <a:shade val="50000"/>
+            </a:schemeClr>
+          </a:lnRef>
+          <a:fillRef idx="1">
+            <a:schemeClr val="accent1"/>
+          </a:fillRef>
+          <a:effectRef idx="0">
+            <a:schemeClr val="accent1"/>
+          </a:effectRef>
+          <a:fontRef idx="minor">
+            <a:schemeClr val="lt1"/>
+          </a:fontRef>
+        </p:style>
+        <p:txBody>
+          <a:bodyPr rtlCol="0" anchor="ctr"/>
+          <a:lstStyle/>
+          <a:p>
+            <a:pPr algn="ctr"/>
+            <a:endParaRPr lang="zh-CN" altLang="en-US" sz="6376" dirty="0">
+              <a:solidFill>
+                <a:schemeClr val="tx1"/>
+              </a:solidFill>
+              <a:ea typeface="微软雅黑" panose="020B0503020204020204" pitchFamily="34" charset="-122"/>
+            </a:endParaRPr>
+          </a:p>
+        </p:txBody>
+      </p:sp>
+    </p:spTree>
+    <p:extLst>
+      <p:ext uri="{BB962C8B-B14F-4D97-AF65-F5344CB8AC3E}">
+        <p14:creationId xmlns:p14="http://schemas.microsoft.com/office/powerpoint/2010/main" val="374566691"/>
+      </p:ext>
+    </p:extLst>
+  </p:cSld>
+  <p:clrMapOvr>
+    <a:masterClrMapping/>
+  </p:clrMapOvr>
+  <p:timing>
+    <p:tnLst>
+      <p:par>
+        <p:cTn id="1" dur="indefinite" restart="never" nodeType="tmRoot"/>
+      </p:par>
+    </p:tnLst>
+  </p:timing>
+</p:sld>
+</file>
+
+<file path=ppt/slides/slide14.xml><?xml version="1.0" encoding="utf-8"?>
+<p:sld xmlns:a="http://schemas.openxmlformats.org/drawingml/2006/main" xmlns:r="http://schemas.openxmlformats.org/officeDocument/2006/relationships" xmlns:p="http://schemas.openxmlformats.org/presentationml/2006/main">
+  <p:cSld>
+    <p:spTree>
+      <p:nvGrpSpPr>
+        <p:cNvPr id="1" name=""/>
+        <p:cNvGrpSpPr/>
+        <p:nvPr/>
+      </p:nvGrpSpPr>
+      <p:grpSpPr>
+        <a:xfrm>
+          <a:off x="0" y="0"/>
+          <a:ext cx="0" cy="0"/>
+          <a:chOff x="0" y="0"/>
+          <a:chExt cx="0" cy="0"/>
+        </a:xfrm>
+      </p:grpSpPr>
+      <p:sp>
+        <p:nvSpPr>
+          <p:cNvPr id="2" name="日期占位符 1"/>
+          <p:cNvSpPr>
+            <a:spLocks noGrp="1"/>
+          </p:cNvSpPr>
+          <p:nvPr>
+            <p:ph type="dt" sz="half" idx="10"/>
+          </p:nvPr>
+        </p:nvSpPr>
+        <p:spPr/>
+        <p:txBody>
+          <a:bodyPr/>
+          <a:lstStyle/>
+          <a:p>
+            <a:fld id="{7AAE658C-FE89-42F2-A22A-D38485E9BB92}" type="datetime1">
+              <a:rPr lang="zh-CN" altLang="en-US" smtClean="0"/>
+              <a:t>2021/1/20</a:t>
+            </a:fld>
+            <a:endParaRPr lang="zh-CN" altLang="en-US"/>
+          </a:p>
+        </p:txBody>
+      </p:sp>
+      <p:sp>
+        <p:nvSpPr>
+          <p:cNvPr id="3" name="灯片编号占位符 2"/>
+          <p:cNvSpPr>
+            <a:spLocks noGrp="1"/>
+          </p:cNvSpPr>
+          <p:nvPr>
+            <p:ph type="sldNum" sz="quarter" idx="12"/>
+          </p:nvPr>
+        </p:nvSpPr>
+        <p:spPr/>
+        <p:txBody>
+          <a:bodyPr/>
+          <a:lstStyle/>
+          <a:p>
+            <a:fld id="{F3C09F5B-C591-49A2-9090-D775AF8A5EB6}" type="slidenum">
+              <a:rPr lang="zh-CN" altLang="en-US" smtClean="0"/>
+              <a:t>14</a:t>
+            </a:fld>
+            <a:endParaRPr lang="zh-CN" altLang="en-US"/>
+          </a:p>
+        </p:txBody>
+      </p:sp>
+      <p:pic>
+        <p:nvPicPr>
+          <p:cNvPr id="4" name="图片 3"/>
+          <p:cNvPicPr>
+            <a:picLocks noChangeAspect="1"/>
+          </p:cNvPicPr>
+          <p:nvPr/>
+        </p:nvPicPr>
+        <p:blipFill>
+          <a:blip r:embed="rId2"/>
+          <a:stretch>
+            <a:fillRect/>
+          </a:stretch>
+        </p:blipFill>
+        <p:spPr>
+          <a:xfrm>
+            <a:off x="838206" y="1268760"/>
+            <a:ext cx="9361040" cy="4646638"/>
+          </a:xfrm>
+          <a:prstGeom prst="rect">
+            <a:avLst/>
+          </a:prstGeom>
+        </p:spPr>
+      </p:pic>
+      <p:sp>
+        <p:nvSpPr>
+          <p:cNvPr id="5" name="文本框 4"/>
+          <p:cNvSpPr txBox="1"/>
+          <p:nvPr/>
+        </p:nvSpPr>
+        <p:spPr>
+          <a:xfrm>
+            <a:off x="727030" y="204129"/>
+            <a:ext cx="8105274" cy="461665"/>
+          </a:xfrm>
+          <a:prstGeom prst="rect">
+            <a:avLst/>
+          </a:prstGeom>
+          <a:noFill/>
+        </p:spPr>
+        <p:txBody>
+          <a:bodyPr wrap="square" rtlCol="0">
+            <a:spAutoFit/>
+            <a:scene3d>
+              <a:camera prst="orthographicFront"/>
+              <a:lightRig rig="threePt" dir="t"/>
+            </a:scene3d>
+            <a:sp3d contourW="12700"/>
+          </a:bodyPr>
+          <a:lstStyle>
+            <a:defPPr>
+              <a:defRPr lang="en-US"/>
+            </a:defPPr>
+            <a:lvl1pPr algn="ctr">
+              <a:defRPr sz="2800" b="1">
+                <a:solidFill>
+                  <a:schemeClr val="tx1">
+                    <a:lumMod val="75000"/>
+                    <a:lumOff val="25000"/>
+                  </a:schemeClr>
+                </a:solidFill>
+                <a:latin typeface="Century Gothic" panose="020B0502020202020204" pitchFamily="34" charset="0"/>
+              </a:defRPr>
+            </a:lvl1pPr>
+          </a:lstStyle>
+          <a:p>
+            <a:pPr algn="l"/>
+            <a:r>
+              <a:rPr lang="zh-CN" altLang="en-US" sz="2400" dirty="0" smtClean="0">
+                <a:solidFill>
+                  <a:schemeClr val="bg1"/>
+                </a:solidFill>
+                <a:latin typeface="微软雅黑" panose="020B0503020204020204" pitchFamily="34" charset="-122"/>
+                <a:ea typeface="微软雅黑" panose="020B0503020204020204" pitchFamily="34" charset="-122"/>
+              </a:rPr>
+              <a:t>浪潮云海 </a:t>
+            </a:r>
+            <a:r>
+              <a:rPr lang="en-US" altLang="zh-CN" sz="2400" dirty="0" smtClean="0">
+                <a:solidFill>
+                  <a:schemeClr val="bg1"/>
+                </a:solidFill>
+                <a:latin typeface="微软雅黑" panose="020B0503020204020204" pitchFamily="34" charset="-122"/>
+                <a:ea typeface="微软雅黑" panose="020B0503020204020204" pitchFamily="34" charset="-122"/>
+              </a:rPr>
+              <a:t>·</a:t>
+            </a:r>
+            <a:r>
+              <a:rPr lang="en-US" altLang="zh-CN" sz="2400" dirty="0" err="1" smtClean="0">
+                <a:solidFill>
+                  <a:schemeClr val="bg1"/>
+                </a:solidFill>
+                <a:latin typeface="微软雅黑" panose="020B0503020204020204" pitchFamily="34" charset="-122"/>
+                <a:ea typeface="微软雅黑" panose="020B0503020204020204" pitchFamily="34" charset="-122"/>
+              </a:rPr>
+              <a:t>Alluxio</a:t>
+            </a:r>
+            <a:r>
+              <a:rPr lang="en-US" altLang="zh-CN" sz="2400" dirty="0" smtClean="0">
+                <a:solidFill>
+                  <a:schemeClr val="bg1"/>
+                </a:solidFill>
+                <a:latin typeface="微软雅黑" panose="020B0503020204020204" pitchFamily="34" charset="-122"/>
+                <a:ea typeface="微软雅黑" panose="020B0503020204020204" pitchFamily="34" charset="-122"/>
+              </a:rPr>
+              <a:t>-FUSE </a:t>
+            </a:r>
+            <a:r>
+              <a:rPr lang="zh-CN" altLang="en-US" sz="2400" dirty="0" smtClean="0">
+                <a:solidFill>
+                  <a:schemeClr val="bg1"/>
+                </a:solidFill>
+                <a:latin typeface="微软雅黑" panose="020B0503020204020204" pitchFamily="34" charset="-122"/>
+                <a:ea typeface="微软雅黑" panose="020B0503020204020204" pitchFamily="34" charset="-122"/>
+              </a:rPr>
+              <a:t>用户空间文件系统</a:t>
+            </a:r>
+            <a:endParaRPr lang="zh-CN" altLang="en-US" sz="2400" dirty="0">
+              <a:solidFill>
+                <a:schemeClr val="bg1"/>
+              </a:solidFill>
+              <a:latin typeface="微软雅黑" panose="020B0503020204020204" pitchFamily="34" charset="-122"/>
+              <a:ea typeface="微软雅黑" panose="020B0503020204020204" pitchFamily="34" charset="-122"/>
+            </a:endParaRPr>
+          </a:p>
+        </p:txBody>
+      </p:sp>
+      <p:sp>
+        <p:nvSpPr>
+          <p:cNvPr id="6" name="任意多边形 38"/>
+          <p:cNvSpPr/>
+          <p:nvPr/>
+        </p:nvSpPr>
+        <p:spPr>
+          <a:xfrm>
+            <a:off x="565095" y="129684"/>
+            <a:ext cx="384759" cy="742802"/>
+          </a:xfrm>
+          <a:custGeom>
+            <a:avLst/>
+            <a:gdLst>
+              <a:gd name="connsiteX0" fmla="*/ 0 w 384775"/>
+              <a:gd name="connsiteY0" fmla="*/ 0 h 1014413"/>
+              <a:gd name="connsiteX1" fmla="*/ 384775 w 384775"/>
+              <a:gd name="connsiteY1" fmla="*/ 0 h 1014413"/>
+              <a:gd name="connsiteX2" fmla="*/ 384775 w 384775"/>
+              <a:gd name="connsiteY2" fmla="*/ 168608 h 1014413"/>
+              <a:gd name="connsiteX3" fmla="*/ 336678 w 384775"/>
+              <a:gd name="connsiteY3" fmla="*/ 168608 h 1014413"/>
+              <a:gd name="connsiteX4" fmla="*/ 336678 w 384775"/>
+              <a:gd name="connsiteY4" fmla="*/ 48097 h 1014413"/>
+              <a:gd name="connsiteX5" fmla="*/ 48097 w 384775"/>
+              <a:gd name="connsiteY5" fmla="*/ 48097 h 1014413"/>
+              <a:gd name="connsiteX6" fmla="*/ 48097 w 384775"/>
+              <a:gd name="connsiteY6" fmla="*/ 966316 h 1014413"/>
+              <a:gd name="connsiteX7" fmla="*/ 336678 w 384775"/>
+              <a:gd name="connsiteY7" fmla="*/ 966316 h 1014413"/>
+              <a:gd name="connsiteX8" fmla="*/ 336678 w 384775"/>
+              <a:gd name="connsiteY8" fmla="*/ 845804 h 1014413"/>
+              <a:gd name="connsiteX9" fmla="*/ 384775 w 384775"/>
+              <a:gd name="connsiteY9" fmla="*/ 845804 h 1014413"/>
+              <a:gd name="connsiteX10" fmla="*/ 384775 w 384775"/>
+              <a:gd name="connsiteY10" fmla="*/ 1014413 h 1014413"/>
+              <a:gd name="connsiteX11" fmla="*/ 0 w 384775"/>
+              <a:gd name="connsiteY11" fmla="*/ 1014413 h 1014413"/>
+            </a:gdLst>
+            <a:ahLst/>
+            <a:cxnLst>
+              <a:cxn ang="0">
+                <a:pos x="connsiteX0" y="connsiteY0"/>
+              </a:cxn>
+              <a:cxn ang="0">
+                <a:pos x="connsiteX1" y="connsiteY1"/>
+              </a:cxn>
+              <a:cxn ang="0">
+                <a:pos x="connsiteX2" y="connsiteY2"/>
+              </a:cxn>
+              <a:cxn ang="0">
+                <a:pos x="connsiteX3" y="connsiteY3"/>
+              </a:cxn>
+              <a:cxn ang="0">
+                <a:pos x="connsiteX4" y="connsiteY4"/>
+              </a:cxn>
+              <a:cxn ang="0">
+                <a:pos x="connsiteX5" y="connsiteY5"/>
+              </a:cxn>
+              <a:cxn ang="0">
+                <a:pos x="connsiteX6" y="connsiteY6"/>
+              </a:cxn>
+              <a:cxn ang="0">
+                <a:pos x="connsiteX7" y="connsiteY7"/>
+              </a:cxn>
+              <a:cxn ang="0">
+                <a:pos x="connsiteX8" y="connsiteY8"/>
+              </a:cxn>
+              <a:cxn ang="0">
+                <a:pos x="connsiteX9" y="connsiteY9"/>
+              </a:cxn>
+              <a:cxn ang="0">
+                <a:pos x="connsiteX10" y="connsiteY10"/>
+              </a:cxn>
+              <a:cxn ang="0">
+                <a:pos x="connsiteX11" y="connsiteY11"/>
+              </a:cxn>
+            </a:cxnLst>
+            <a:rect l="l" t="t" r="r" b="b"/>
+            <a:pathLst>
+              <a:path w="384775" h="1014413">
+                <a:moveTo>
+                  <a:pt x="0" y="0"/>
+                </a:moveTo>
+                <a:lnTo>
+                  <a:pt x="384775" y="0"/>
+                </a:lnTo>
+                <a:lnTo>
+                  <a:pt x="384775" y="168608"/>
+                </a:lnTo>
+                <a:lnTo>
+                  <a:pt x="336678" y="168608"/>
+                </a:lnTo>
+                <a:lnTo>
+                  <a:pt x="336678" y="48097"/>
+                </a:lnTo>
+                <a:lnTo>
+                  <a:pt x="48097" y="48097"/>
+                </a:lnTo>
+                <a:lnTo>
+                  <a:pt x="48097" y="966316"/>
+                </a:lnTo>
+                <a:lnTo>
+                  <a:pt x="336678" y="966316"/>
+                </a:lnTo>
+                <a:lnTo>
+                  <a:pt x="336678" y="845804"/>
+                </a:lnTo>
+                <a:lnTo>
+                  <a:pt x="384775" y="845804"/>
+                </a:lnTo>
+                <a:lnTo>
+                  <a:pt x="384775" y="1014413"/>
+                </a:lnTo>
+                <a:lnTo>
+                  <a:pt x="0" y="1014413"/>
+                </a:lnTo>
+                <a:close/>
+              </a:path>
+            </a:pathLst>
+          </a:custGeom>
+          <a:solidFill>
+            <a:srgbClr val="0070C0"/>
+          </a:solidFill>
+          <a:ln>
+            <a:noFill/>
+          </a:ln>
+        </p:spPr>
+        <p:style>
+          <a:lnRef idx="2">
+            <a:schemeClr val="accent1">
+              <a:shade val="50000"/>
+            </a:schemeClr>
+          </a:lnRef>
+          <a:fillRef idx="1">
+            <a:schemeClr val="accent1"/>
+          </a:fillRef>
+          <a:effectRef idx="0">
+            <a:schemeClr val="accent1"/>
+          </a:effectRef>
+          <a:fontRef idx="minor">
+            <a:schemeClr val="lt1"/>
+          </a:fontRef>
+        </p:style>
+        <p:txBody>
+          <a:bodyPr rtlCol="0" anchor="ctr"/>
+          <a:lstStyle/>
+          <a:p>
+            <a:pPr algn="ctr"/>
+            <a:endParaRPr lang="zh-CN" altLang="en-US" sz="6376" dirty="0">
+              <a:solidFill>
+                <a:schemeClr val="tx1"/>
+              </a:solidFill>
+              <a:ea typeface="微软雅黑" panose="020B0503020204020204" pitchFamily="34" charset="-122"/>
+            </a:endParaRPr>
+          </a:p>
+        </p:txBody>
+      </p:sp>
+    </p:spTree>
+    <p:extLst>
+      <p:ext uri="{BB962C8B-B14F-4D97-AF65-F5344CB8AC3E}">
+        <p14:creationId xmlns:p14="http://schemas.microsoft.com/office/powerpoint/2010/main" val="797583698"/>
+      </p:ext>
+    </p:extLst>
+  </p:cSld>
+  <p:clrMapOvr>
+    <a:masterClrMapping/>
+  </p:clrMapOvr>
+  <p:timing>
+    <p:tnLst>
+      <p:par>
+        <p:cTn id="1" dur="indefinite" restart="never" nodeType="tmRoot"/>
+      </p:par>
+    </p:tnLst>
+  </p:timing>
+</p:sld>
+</file>
+
+<file path=ppt/slides/slide15.xml><?xml version="1.0" encoding="utf-8"?>
+<p:sld xmlns:a="http://schemas.openxmlformats.org/drawingml/2006/main" xmlns:r="http://schemas.openxmlformats.org/officeDocument/2006/relationships" xmlns:p="http://schemas.openxmlformats.org/presentationml/2006/main">
+  <p:cSld>
+    <p:spTree>
+      <p:nvGrpSpPr>
+        <p:cNvPr id="1" name=""/>
+        <p:cNvGrpSpPr/>
+        <p:nvPr/>
+      </p:nvGrpSpPr>
+      <p:grpSpPr>
+        <a:xfrm>
+          <a:off x="0" y="0"/>
+          <a:ext cx="0" cy="0"/>
+          <a:chOff x="0" y="0"/>
+          <a:chExt cx="0" cy="0"/>
+        </a:xfrm>
+      </p:grpSpPr>
+      <p:sp>
+        <p:nvSpPr>
+          <p:cNvPr id="2" name="日期占位符 1"/>
+          <p:cNvSpPr>
+            <a:spLocks noGrp="1"/>
+          </p:cNvSpPr>
+          <p:nvPr>
+            <p:ph type="dt" sz="half" idx="10"/>
+          </p:nvPr>
+        </p:nvSpPr>
+        <p:spPr/>
+        <p:txBody>
+          <a:bodyPr/>
+          <a:lstStyle/>
+          <a:p>
+            <a:fld id="{61726D75-BE17-4C7A-AE36-5182746E852E}" type="datetime1">
+              <a:rPr lang="zh-CN" altLang="en-US" smtClean="0"/>
+              <a:t>2021/1/20</a:t>
+            </a:fld>
+            <a:endParaRPr lang="zh-CN" altLang="en-US"/>
+          </a:p>
+        </p:txBody>
+      </p:sp>
+      <p:sp>
+        <p:nvSpPr>
+          <p:cNvPr id="3" name="灯片编号占位符 2"/>
+          <p:cNvSpPr>
+            <a:spLocks noGrp="1"/>
+          </p:cNvSpPr>
+          <p:nvPr>
+            <p:ph type="sldNum" sz="quarter" idx="12"/>
+          </p:nvPr>
+        </p:nvSpPr>
+        <p:spPr/>
+        <p:txBody>
+          <a:bodyPr/>
+          <a:lstStyle/>
+          <a:p>
+            <a:fld id="{F3C09F5B-C591-49A2-9090-D775AF8A5EB6}" type="slidenum">
+              <a:rPr lang="zh-CN" altLang="en-US" smtClean="0"/>
+              <a:t>15</a:t>
+            </a:fld>
+            <a:endParaRPr lang="zh-CN" altLang="en-US"/>
+          </a:p>
+        </p:txBody>
+      </p:sp>
+      <p:pic>
+        <p:nvPicPr>
+          <p:cNvPr id="4" name="图片 3"/>
+          <p:cNvPicPr>
+            <a:picLocks noChangeAspect="1"/>
+          </p:cNvPicPr>
+          <p:nvPr/>
+        </p:nvPicPr>
+        <p:blipFill>
+          <a:blip r:embed="rId2"/>
+          <a:stretch>
+            <a:fillRect/>
+          </a:stretch>
+        </p:blipFill>
+        <p:spPr>
+          <a:xfrm>
+            <a:off x="741597" y="1130353"/>
+            <a:ext cx="9026811" cy="5153888"/>
+          </a:xfrm>
+          <a:prstGeom prst="rect">
+            <a:avLst/>
+          </a:prstGeom>
+        </p:spPr>
+      </p:pic>
+      <p:sp>
+        <p:nvSpPr>
+          <p:cNvPr id="5" name="文本框 4"/>
+          <p:cNvSpPr txBox="1"/>
+          <p:nvPr/>
+        </p:nvSpPr>
+        <p:spPr>
+          <a:xfrm>
+            <a:off x="727030" y="204129"/>
+            <a:ext cx="8105274" cy="830997"/>
+          </a:xfrm>
+          <a:prstGeom prst="rect">
+            <a:avLst/>
+          </a:prstGeom>
+          <a:noFill/>
+        </p:spPr>
+        <p:txBody>
+          <a:bodyPr wrap="square" rtlCol="0">
+            <a:spAutoFit/>
+            <a:scene3d>
+              <a:camera prst="orthographicFront"/>
+              <a:lightRig rig="threePt" dir="t"/>
+            </a:scene3d>
+            <a:sp3d contourW="12700"/>
+          </a:bodyPr>
+          <a:lstStyle>
+            <a:defPPr>
+              <a:defRPr lang="en-US"/>
+            </a:defPPr>
+            <a:lvl1pPr algn="ctr">
+              <a:defRPr sz="2800" b="1">
+                <a:solidFill>
+                  <a:schemeClr val="tx1">
+                    <a:lumMod val="75000"/>
+                    <a:lumOff val="25000"/>
+                  </a:schemeClr>
+                </a:solidFill>
+                <a:latin typeface="Century Gothic" panose="020B0502020202020204" pitchFamily="34" charset="0"/>
+              </a:defRPr>
+            </a:lvl1pPr>
+          </a:lstStyle>
+          <a:p>
+            <a:pPr algn="l"/>
+            <a:r>
+              <a:rPr lang="zh-CN" altLang="en-US" sz="2400" dirty="0" smtClean="0">
+                <a:solidFill>
+                  <a:schemeClr val="bg1"/>
+                </a:solidFill>
+                <a:latin typeface="微软雅黑" panose="020B0503020204020204" pitchFamily="34" charset="-122"/>
+                <a:ea typeface="微软雅黑" panose="020B0503020204020204" pitchFamily="34" charset="-122"/>
+              </a:rPr>
+              <a:t>浪潮</a:t>
+            </a:r>
+            <a:r>
+              <a:rPr lang="zh-CN" altLang="en-US" sz="2400" dirty="0" smtClean="0">
+                <a:solidFill>
+                  <a:schemeClr val="bg1"/>
+                </a:solidFill>
+                <a:latin typeface="微软雅黑" panose="020B0503020204020204" pitchFamily="34" charset="-122"/>
+                <a:ea typeface="微软雅黑" panose="020B0503020204020204" pitchFamily="34" charset="-122"/>
+              </a:rPr>
+              <a:t>云海</a:t>
+            </a:r>
+            <a:r>
+              <a:rPr lang="en-US" altLang="zh-CN" sz="2400" dirty="0" smtClean="0">
+                <a:solidFill>
+                  <a:schemeClr val="bg1"/>
+                </a:solidFill>
+                <a:latin typeface="微软雅黑" panose="020B0503020204020204" pitchFamily="34" charset="-122"/>
+                <a:ea typeface="微软雅黑" panose="020B0503020204020204" pitchFamily="34" charset="-122"/>
+              </a:rPr>
+              <a:t>·</a:t>
+            </a:r>
+            <a:r>
+              <a:rPr lang="en-US" altLang="zh-CN" sz="2400" dirty="0" err="1" smtClean="0">
+                <a:solidFill>
+                  <a:schemeClr val="bg1"/>
+                </a:solidFill>
+                <a:latin typeface="微软雅黑" panose="020B0503020204020204" pitchFamily="34" charset="-122"/>
+                <a:ea typeface="微软雅黑" panose="020B0503020204020204" pitchFamily="34" charset="-122"/>
+              </a:rPr>
+              <a:t>Alluxio</a:t>
+            </a:r>
+            <a:r>
+              <a:rPr lang="en-US" altLang="zh-CN" sz="2400" dirty="0" smtClean="0">
+                <a:solidFill>
+                  <a:schemeClr val="bg1"/>
+                </a:solidFill>
+                <a:latin typeface="微软雅黑" panose="020B0503020204020204" pitchFamily="34" charset="-122"/>
+                <a:ea typeface="微软雅黑" panose="020B0503020204020204" pitchFamily="34" charset="-122"/>
+              </a:rPr>
+              <a:t>-FUSE </a:t>
+            </a:r>
+            <a:r>
+              <a:rPr lang="zh-CN" altLang="en-US" sz="2400" dirty="0" smtClean="0">
+                <a:solidFill>
+                  <a:schemeClr val="bg1"/>
+                </a:solidFill>
+                <a:latin typeface="微软雅黑" panose="020B0503020204020204" pitchFamily="34" charset="-122"/>
+                <a:ea typeface="微软雅黑" panose="020B0503020204020204" pitchFamily="34" charset="-122"/>
+              </a:rPr>
+              <a:t>使用方法</a:t>
+            </a:r>
+            <a:endParaRPr lang="en-US" altLang="zh-CN" sz="2400" dirty="0">
+              <a:solidFill>
+                <a:schemeClr val="bg1"/>
+              </a:solidFill>
+              <a:latin typeface="微软雅黑" panose="020B0503020204020204" pitchFamily="34" charset="-122"/>
+              <a:ea typeface="微软雅黑" panose="020B0503020204020204" pitchFamily="34" charset="-122"/>
+            </a:endParaRPr>
+          </a:p>
+          <a:p>
+            <a:pPr algn="l"/>
+            <a:endParaRPr lang="zh-CN" altLang="en-US" sz="2400" dirty="0">
+              <a:solidFill>
+                <a:schemeClr val="bg1"/>
+              </a:solidFill>
+              <a:latin typeface="微软雅黑" panose="020B0503020204020204" pitchFamily="34" charset="-122"/>
+              <a:ea typeface="微软雅黑" panose="020B0503020204020204" pitchFamily="34" charset="-122"/>
+            </a:endParaRPr>
+          </a:p>
+        </p:txBody>
+      </p:sp>
+      <p:sp>
+        <p:nvSpPr>
+          <p:cNvPr id="6" name="任意多边形 38"/>
+          <p:cNvSpPr/>
+          <p:nvPr/>
+        </p:nvSpPr>
+        <p:spPr>
+          <a:xfrm>
+            <a:off x="565095" y="129684"/>
+            <a:ext cx="384759" cy="742802"/>
+          </a:xfrm>
+          <a:custGeom>
+            <a:avLst/>
+            <a:gdLst>
+              <a:gd name="connsiteX0" fmla="*/ 0 w 384775"/>
+              <a:gd name="connsiteY0" fmla="*/ 0 h 1014413"/>
+              <a:gd name="connsiteX1" fmla="*/ 384775 w 384775"/>
+              <a:gd name="connsiteY1" fmla="*/ 0 h 1014413"/>
+              <a:gd name="connsiteX2" fmla="*/ 384775 w 384775"/>
+              <a:gd name="connsiteY2" fmla="*/ 168608 h 1014413"/>
+              <a:gd name="connsiteX3" fmla="*/ 336678 w 384775"/>
+              <a:gd name="connsiteY3" fmla="*/ 168608 h 1014413"/>
+              <a:gd name="connsiteX4" fmla="*/ 336678 w 384775"/>
+              <a:gd name="connsiteY4" fmla="*/ 48097 h 1014413"/>
+              <a:gd name="connsiteX5" fmla="*/ 48097 w 384775"/>
+              <a:gd name="connsiteY5" fmla="*/ 48097 h 1014413"/>
+              <a:gd name="connsiteX6" fmla="*/ 48097 w 384775"/>
+              <a:gd name="connsiteY6" fmla="*/ 966316 h 1014413"/>
+              <a:gd name="connsiteX7" fmla="*/ 336678 w 384775"/>
+              <a:gd name="connsiteY7" fmla="*/ 966316 h 1014413"/>
+              <a:gd name="connsiteX8" fmla="*/ 336678 w 384775"/>
+              <a:gd name="connsiteY8" fmla="*/ 845804 h 1014413"/>
+              <a:gd name="connsiteX9" fmla="*/ 384775 w 384775"/>
+              <a:gd name="connsiteY9" fmla="*/ 845804 h 1014413"/>
+              <a:gd name="connsiteX10" fmla="*/ 384775 w 384775"/>
+              <a:gd name="connsiteY10" fmla="*/ 1014413 h 1014413"/>
+              <a:gd name="connsiteX11" fmla="*/ 0 w 384775"/>
+              <a:gd name="connsiteY11" fmla="*/ 1014413 h 1014413"/>
+            </a:gdLst>
+            <a:ahLst/>
+            <a:cxnLst>
+              <a:cxn ang="0">
+                <a:pos x="connsiteX0" y="connsiteY0"/>
+              </a:cxn>
+              <a:cxn ang="0">
+                <a:pos x="connsiteX1" y="connsiteY1"/>
+              </a:cxn>
+              <a:cxn ang="0">
+                <a:pos x="connsiteX2" y="connsiteY2"/>
+              </a:cxn>
+              <a:cxn ang="0">
+                <a:pos x="connsiteX3" y="connsiteY3"/>
+              </a:cxn>
+              <a:cxn ang="0">
+                <a:pos x="connsiteX4" y="connsiteY4"/>
+              </a:cxn>
+              <a:cxn ang="0">
+                <a:pos x="connsiteX5" y="connsiteY5"/>
+              </a:cxn>
+              <a:cxn ang="0">
+                <a:pos x="connsiteX6" y="connsiteY6"/>
+              </a:cxn>
+              <a:cxn ang="0">
+                <a:pos x="connsiteX7" y="connsiteY7"/>
+              </a:cxn>
+              <a:cxn ang="0">
+                <a:pos x="connsiteX8" y="connsiteY8"/>
+              </a:cxn>
+              <a:cxn ang="0">
+                <a:pos x="connsiteX9" y="connsiteY9"/>
+              </a:cxn>
+              <a:cxn ang="0">
+                <a:pos x="connsiteX10" y="connsiteY10"/>
+              </a:cxn>
+              <a:cxn ang="0">
+                <a:pos x="connsiteX11" y="connsiteY11"/>
+              </a:cxn>
+            </a:cxnLst>
+            <a:rect l="l" t="t" r="r" b="b"/>
+            <a:pathLst>
+              <a:path w="384775" h="1014413">
+                <a:moveTo>
+                  <a:pt x="0" y="0"/>
+                </a:moveTo>
+                <a:lnTo>
+                  <a:pt x="384775" y="0"/>
+                </a:lnTo>
+                <a:lnTo>
+                  <a:pt x="384775" y="168608"/>
+                </a:lnTo>
+                <a:lnTo>
+                  <a:pt x="336678" y="168608"/>
+                </a:lnTo>
+                <a:lnTo>
+                  <a:pt x="336678" y="48097"/>
+                </a:lnTo>
+                <a:lnTo>
+                  <a:pt x="48097" y="48097"/>
+                </a:lnTo>
+                <a:lnTo>
+                  <a:pt x="48097" y="966316"/>
+                </a:lnTo>
+                <a:lnTo>
+                  <a:pt x="336678" y="966316"/>
+                </a:lnTo>
+                <a:lnTo>
+                  <a:pt x="336678" y="845804"/>
+                </a:lnTo>
+                <a:lnTo>
+                  <a:pt x="384775" y="845804"/>
+                </a:lnTo>
+                <a:lnTo>
+                  <a:pt x="384775" y="1014413"/>
+                </a:lnTo>
+                <a:lnTo>
+                  <a:pt x="0" y="1014413"/>
+                </a:lnTo>
+                <a:close/>
+              </a:path>
+            </a:pathLst>
+          </a:custGeom>
+          <a:solidFill>
+            <a:srgbClr val="0070C0"/>
+          </a:solidFill>
+          <a:ln>
+            <a:noFill/>
+          </a:ln>
+        </p:spPr>
+        <p:style>
+          <a:lnRef idx="2">
+            <a:schemeClr val="accent1">
+              <a:shade val="50000"/>
+            </a:schemeClr>
+          </a:lnRef>
+          <a:fillRef idx="1">
+            <a:schemeClr val="accent1"/>
+          </a:fillRef>
+          <a:effectRef idx="0">
+            <a:schemeClr val="accent1"/>
+          </a:effectRef>
+          <a:fontRef idx="minor">
+            <a:schemeClr val="lt1"/>
+          </a:fontRef>
+        </p:style>
+        <p:txBody>
+          <a:bodyPr rtlCol="0" anchor="ctr"/>
+          <a:lstStyle/>
+          <a:p>
+            <a:pPr algn="ctr"/>
+            <a:endParaRPr lang="zh-CN" altLang="en-US" sz="6376" dirty="0">
+              <a:solidFill>
+                <a:schemeClr val="tx1"/>
+              </a:solidFill>
+              <a:ea typeface="微软雅黑" panose="020B0503020204020204" pitchFamily="34" charset="-122"/>
+            </a:endParaRPr>
+          </a:p>
+        </p:txBody>
+      </p:sp>
+    </p:spTree>
+    <p:extLst>
+      <p:ext uri="{BB962C8B-B14F-4D97-AF65-F5344CB8AC3E}">
+        <p14:creationId xmlns:p14="http://schemas.microsoft.com/office/powerpoint/2010/main" val="3925578783"/>
+      </p:ext>
+    </p:extLst>
+  </p:cSld>
+  <p:clrMapOvr>
+    <a:masterClrMapping/>
+  </p:clrMapOvr>
+  <p:timing>
+    <p:tnLst>
+      <p:par>
+        <p:cTn id="1" dur="indefinite" restart="never" nodeType="tmRoot"/>
+      </p:par>
+    </p:tnLst>
+  </p:timing>
+</p:sld>
+</file>
+
+<file path=ppt/slides/slide16.xml><?xml version="1.0" encoding="utf-8"?>
+<p:sld xmlns:a="http://schemas.openxmlformats.org/drawingml/2006/main" xmlns:r="http://schemas.openxmlformats.org/officeDocument/2006/relationships" xmlns:p="http://schemas.openxmlformats.org/presentationml/2006/main">
+  <p:cSld>
+    <p:spTree>
+      <p:nvGrpSpPr>
+        <p:cNvPr id="1" name=""/>
+        <p:cNvGrpSpPr/>
+        <p:nvPr/>
+      </p:nvGrpSpPr>
+      <p:grpSpPr>
+        <a:xfrm>
+          <a:off x="0" y="0"/>
+          <a:ext cx="0" cy="0"/>
+          <a:chOff x="0" y="0"/>
+          <a:chExt cx="0" cy="0"/>
+        </a:xfrm>
+      </p:grpSpPr>
+      <p:sp>
+        <p:nvSpPr>
+          <p:cNvPr id="2" name="日期占位符 1"/>
+          <p:cNvSpPr>
+            <a:spLocks noGrp="1"/>
+          </p:cNvSpPr>
+          <p:nvPr>
+            <p:ph type="dt" sz="half" idx="10"/>
+          </p:nvPr>
+        </p:nvSpPr>
+        <p:spPr/>
+        <p:txBody>
+          <a:bodyPr/>
+          <a:lstStyle/>
+          <a:p>
+            <a:fld id="{0CE68472-F741-414E-9CF2-EF7A0BD9723E}" type="datetime1">
+              <a:rPr lang="zh-CN" altLang="en-US" smtClean="0"/>
+              <a:t>2021/1/20</a:t>
+            </a:fld>
+            <a:endParaRPr lang="zh-CN" altLang="en-US"/>
+          </a:p>
+        </p:txBody>
+      </p:sp>
+      <p:sp>
+        <p:nvSpPr>
+          <p:cNvPr id="3" name="灯片编号占位符 2"/>
+          <p:cNvSpPr>
+            <a:spLocks noGrp="1"/>
+          </p:cNvSpPr>
+          <p:nvPr>
+            <p:ph type="sldNum" sz="quarter" idx="12"/>
+          </p:nvPr>
+        </p:nvSpPr>
+        <p:spPr/>
+        <p:txBody>
+          <a:bodyPr/>
+          <a:lstStyle/>
+          <a:p>
+            <a:fld id="{F3C09F5B-C591-49A2-9090-D775AF8A5EB6}" type="slidenum">
+              <a:rPr lang="zh-CN" altLang="en-US" smtClean="0"/>
+              <a:t>16</a:t>
+            </a:fld>
+            <a:endParaRPr lang="zh-CN" altLang="en-US"/>
+          </a:p>
+        </p:txBody>
+      </p:sp>
+      <p:pic>
+        <p:nvPicPr>
+          <p:cNvPr id="4" name="图片 3"/>
+          <p:cNvPicPr>
+            <a:picLocks noChangeAspect="1"/>
+          </p:cNvPicPr>
+          <p:nvPr/>
+        </p:nvPicPr>
+        <p:blipFill>
+          <a:blip r:embed="rId2"/>
+          <a:stretch>
+            <a:fillRect/>
+          </a:stretch>
+        </p:blipFill>
+        <p:spPr>
+          <a:xfrm>
+            <a:off x="838206" y="1279609"/>
+            <a:ext cx="9248775" cy="5076825"/>
+          </a:xfrm>
+          <a:prstGeom prst="rect">
+            <a:avLst/>
+          </a:prstGeom>
+        </p:spPr>
+      </p:pic>
+      <p:sp>
+        <p:nvSpPr>
+          <p:cNvPr id="5" name="文本框 4"/>
+          <p:cNvSpPr txBox="1"/>
+          <p:nvPr/>
+        </p:nvSpPr>
+        <p:spPr>
+          <a:xfrm>
+            <a:off x="727030" y="260648"/>
+            <a:ext cx="8105274" cy="830997"/>
+          </a:xfrm>
+          <a:prstGeom prst="rect">
+            <a:avLst/>
+          </a:prstGeom>
+          <a:noFill/>
+        </p:spPr>
+        <p:txBody>
+          <a:bodyPr wrap="square" rtlCol="0">
+            <a:spAutoFit/>
+            <a:scene3d>
+              <a:camera prst="orthographicFront"/>
+              <a:lightRig rig="threePt" dir="t"/>
+            </a:scene3d>
+            <a:sp3d contourW="12700"/>
+          </a:bodyPr>
+          <a:lstStyle>
+            <a:defPPr>
+              <a:defRPr lang="en-US"/>
+            </a:defPPr>
+            <a:lvl1pPr algn="ctr">
+              <a:defRPr sz="2800" b="1">
+                <a:solidFill>
+                  <a:schemeClr val="tx1">
+                    <a:lumMod val="75000"/>
+                    <a:lumOff val="25000"/>
+                  </a:schemeClr>
+                </a:solidFill>
+                <a:latin typeface="Century Gothic" panose="020B0502020202020204" pitchFamily="34" charset="0"/>
+              </a:defRPr>
+            </a:lvl1pPr>
+          </a:lstStyle>
+          <a:p>
+            <a:pPr algn="l"/>
+            <a:r>
+              <a:rPr lang="zh-CN" altLang="en-US" sz="2400" dirty="0" smtClean="0">
+                <a:solidFill>
+                  <a:schemeClr val="bg1"/>
+                </a:solidFill>
+                <a:latin typeface="微软雅黑" panose="020B0503020204020204" pitchFamily="34" charset="-122"/>
+                <a:ea typeface="微软雅黑" panose="020B0503020204020204" pitchFamily="34" charset="-122"/>
+              </a:rPr>
+              <a:t>浪潮</a:t>
+            </a:r>
+            <a:r>
+              <a:rPr lang="zh-CN" altLang="en-US" sz="2400" dirty="0" smtClean="0">
+                <a:solidFill>
+                  <a:schemeClr val="bg1"/>
+                </a:solidFill>
+                <a:latin typeface="微软雅黑" panose="020B0503020204020204" pitchFamily="34" charset="-122"/>
+                <a:ea typeface="微软雅黑" panose="020B0503020204020204" pitchFamily="34" charset="-122"/>
+              </a:rPr>
+              <a:t>云海</a:t>
+            </a:r>
+            <a:r>
+              <a:rPr lang="en-US" altLang="zh-CN" sz="2400" dirty="0" smtClean="0">
+                <a:solidFill>
+                  <a:schemeClr val="bg1"/>
+                </a:solidFill>
+                <a:latin typeface="微软雅黑" panose="020B0503020204020204" pitchFamily="34" charset="-122"/>
+                <a:ea typeface="微软雅黑" panose="020B0503020204020204" pitchFamily="34" charset="-122"/>
+              </a:rPr>
+              <a:t>·</a:t>
+            </a:r>
+            <a:r>
+              <a:rPr lang="en-US" altLang="zh-CN" sz="2400" dirty="0" err="1" smtClean="0">
+                <a:solidFill>
+                  <a:schemeClr val="bg1"/>
+                </a:solidFill>
+                <a:latin typeface="微软雅黑" panose="020B0503020204020204" pitchFamily="34" charset="-122"/>
+                <a:ea typeface="微软雅黑" panose="020B0503020204020204" pitchFamily="34" charset="-122"/>
+              </a:rPr>
+              <a:t>Alluxio</a:t>
+            </a:r>
+            <a:r>
+              <a:rPr lang="en-US" altLang="zh-CN" sz="2400" dirty="0" smtClean="0">
+                <a:solidFill>
+                  <a:schemeClr val="bg1"/>
+                </a:solidFill>
+                <a:latin typeface="微软雅黑" panose="020B0503020204020204" pitchFamily="34" charset="-122"/>
+                <a:ea typeface="微软雅黑" panose="020B0503020204020204" pitchFamily="34" charset="-122"/>
+              </a:rPr>
+              <a:t>-FUSE </a:t>
+            </a:r>
+            <a:r>
+              <a:rPr lang="zh-CN" altLang="en-US" sz="2400" dirty="0" smtClean="0">
+                <a:solidFill>
+                  <a:schemeClr val="bg1"/>
+                </a:solidFill>
+                <a:latin typeface="微软雅黑" panose="020B0503020204020204" pitchFamily="34" charset="-122"/>
+                <a:ea typeface="微软雅黑" panose="020B0503020204020204" pitchFamily="34" charset="-122"/>
+              </a:rPr>
+              <a:t>初始化流程</a:t>
+            </a:r>
+            <a:endParaRPr lang="en-US" altLang="zh-CN" sz="2400" dirty="0">
+              <a:solidFill>
+                <a:schemeClr val="bg1"/>
+              </a:solidFill>
+              <a:latin typeface="微软雅黑" panose="020B0503020204020204" pitchFamily="34" charset="-122"/>
+              <a:ea typeface="微软雅黑" panose="020B0503020204020204" pitchFamily="34" charset="-122"/>
+            </a:endParaRPr>
+          </a:p>
+          <a:p>
+            <a:pPr algn="l"/>
+            <a:endParaRPr lang="zh-CN" altLang="en-US" sz="2400" dirty="0">
+              <a:solidFill>
+                <a:schemeClr val="bg1"/>
+              </a:solidFill>
+              <a:latin typeface="微软雅黑" panose="020B0503020204020204" pitchFamily="34" charset="-122"/>
+              <a:ea typeface="微软雅黑" panose="020B0503020204020204" pitchFamily="34" charset="-122"/>
+            </a:endParaRPr>
+          </a:p>
+        </p:txBody>
+      </p:sp>
+      <p:sp>
+        <p:nvSpPr>
+          <p:cNvPr id="6" name="任意多边形 38"/>
+          <p:cNvSpPr/>
+          <p:nvPr/>
+        </p:nvSpPr>
+        <p:spPr>
+          <a:xfrm>
+            <a:off x="565095" y="129684"/>
+            <a:ext cx="384759" cy="742802"/>
+          </a:xfrm>
+          <a:custGeom>
+            <a:avLst/>
+            <a:gdLst>
+              <a:gd name="connsiteX0" fmla="*/ 0 w 384775"/>
+              <a:gd name="connsiteY0" fmla="*/ 0 h 1014413"/>
+              <a:gd name="connsiteX1" fmla="*/ 384775 w 384775"/>
+              <a:gd name="connsiteY1" fmla="*/ 0 h 1014413"/>
+              <a:gd name="connsiteX2" fmla="*/ 384775 w 384775"/>
+              <a:gd name="connsiteY2" fmla="*/ 168608 h 1014413"/>
+              <a:gd name="connsiteX3" fmla="*/ 336678 w 384775"/>
+              <a:gd name="connsiteY3" fmla="*/ 168608 h 1014413"/>
+              <a:gd name="connsiteX4" fmla="*/ 336678 w 384775"/>
+              <a:gd name="connsiteY4" fmla="*/ 48097 h 1014413"/>
+              <a:gd name="connsiteX5" fmla="*/ 48097 w 384775"/>
+              <a:gd name="connsiteY5" fmla="*/ 48097 h 1014413"/>
+              <a:gd name="connsiteX6" fmla="*/ 48097 w 384775"/>
+              <a:gd name="connsiteY6" fmla="*/ 966316 h 1014413"/>
+              <a:gd name="connsiteX7" fmla="*/ 336678 w 384775"/>
+              <a:gd name="connsiteY7" fmla="*/ 966316 h 1014413"/>
+              <a:gd name="connsiteX8" fmla="*/ 336678 w 384775"/>
+              <a:gd name="connsiteY8" fmla="*/ 845804 h 1014413"/>
+              <a:gd name="connsiteX9" fmla="*/ 384775 w 384775"/>
+              <a:gd name="connsiteY9" fmla="*/ 845804 h 1014413"/>
+              <a:gd name="connsiteX10" fmla="*/ 384775 w 384775"/>
+              <a:gd name="connsiteY10" fmla="*/ 1014413 h 1014413"/>
+              <a:gd name="connsiteX11" fmla="*/ 0 w 384775"/>
+              <a:gd name="connsiteY11" fmla="*/ 1014413 h 1014413"/>
+            </a:gdLst>
+            <a:ahLst/>
+            <a:cxnLst>
+              <a:cxn ang="0">
+                <a:pos x="connsiteX0" y="connsiteY0"/>
+              </a:cxn>
+              <a:cxn ang="0">
+                <a:pos x="connsiteX1" y="connsiteY1"/>
+              </a:cxn>
+              <a:cxn ang="0">
+                <a:pos x="connsiteX2" y="connsiteY2"/>
+              </a:cxn>
+              <a:cxn ang="0">
+                <a:pos x="connsiteX3" y="connsiteY3"/>
+              </a:cxn>
+              <a:cxn ang="0">
+                <a:pos x="connsiteX4" y="connsiteY4"/>
+              </a:cxn>
+              <a:cxn ang="0">
+                <a:pos x="connsiteX5" y="connsiteY5"/>
+              </a:cxn>
+              <a:cxn ang="0">
+                <a:pos x="connsiteX6" y="connsiteY6"/>
+              </a:cxn>
+              <a:cxn ang="0">
+                <a:pos x="connsiteX7" y="connsiteY7"/>
+              </a:cxn>
+              <a:cxn ang="0">
+                <a:pos x="connsiteX8" y="connsiteY8"/>
+              </a:cxn>
+              <a:cxn ang="0">
+                <a:pos x="connsiteX9" y="connsiteY9"/>
+              </a:cxn>
+              <a:cxn ang="0">
+                <a:pos x="connsiteX10" y="connsiteY10"/>
+              </a:cxn>
+              <a:cxn ang="0">
+                <a:pos x="connsiteX11" y="connsiteY11"/>
+              </a:cxn>
+            </a:cxnLst>
+            <a:rect l="l" t="t" r="r" b="b"/>
+            <a:pathLst>
+              <a:path w="384775" h="1014413">
+                <a:moveTo>
+                  <a:pt x="0" y="0"/>
+                </a:moveTo>
+                <a:lnTo>
+                  <a:pt x="384775" y="0"/>
+                </a:lnTo>
+                <a:lnTo>
+                  <a:pt x="384775" y="168608"/>
+                </a:lnTo>
+                <a:lnTo>
+                  <a:pt x="336678" y="168608"/>
+                </a:lnTo>
+                <a:lnTo>
+                  <a:pt x="336678" y="48097"/>
+                </a:lnTo>
+                <a:lnTo>
+                  <a:pt x="48097" y="48097"/>
+                </a:lnTo>
+                <a:lnTo>
+                  <a:pt x="48097" y="966316"/>
+                </a:lnTo>
+                <a:lnTo>
+                  <a:pt x="336678" y="966316"/>
+                </a:lnTo>
+                <a:lnTo>
+                  <a:pt x="336678" y="845804"/>
+                </a:lnTo>
+                <a:lnTo>
+                  <a:pt x="384775" y="845804"/>
+                </a:lnTo>
+                <a:lnTo>
+                  <a:pt x="384775" y="1014413"/>
+                </a:lnTo>
+                <a:lnTo>
+                  <a:pt x="0" y="1014413"/>
+                </a:lnTo>
+                <a:close/>
+              </a:path>
+            </a:pathLst>
+          </a:custGeom>
+          <a:solidFill>
+            <a:srgbClr val="0070C0"/>
+          </a:solidFill>
+          <a:ln>
+            <a:noFill/>
+          </a:ln>
+        </p:spPr>
+        <p:style>
+          <a:lnRef idx="2">
+            <a:schemeClr val="accent1">
+              <a:shade val="50000"/>
+            </a:schemeClr>
+          </a:lnRef>
+          <a:fillRef idx="1">
+            <a:schemeClr val="accent1"/>
+          </a:fillRef>
+          <a:effectRef idx="0">
+            <a:schemeClr val="accent1"/>
+          </a:effectRef>
+          <a:fontRef idx="minor">
+            <a:schemeClr val="lt1"/>
+          </a:fontRef>
+        </p:style>
+        <p:txBody>
+          <a:bodyPr rtlCol="0" anchor="ctr"/>
+          <a:lstStyle/>
+          <a:p>
+            <a:pPr algn="ctr"/>
+            <a:endParaRPr lang="zh-CN" altLang="en-US" sz="6376" dirty="0">
+              <a:solidFill>
+                <a:schemeClr val="tx1"/>
+              </a:solidFill>
+              <a:ea typeface="微软雅黑" panose="020B0503020204020204" pitchFamily="34" charset="-122"/>
+            </a:endParaRPr>
+          </a:p>
+        </p:txBody>
+      </p:sp>
+    </p:spTree>
+    <p:extLst>
+      <p:ext uri="{BB962C8B-B14F-4D97-AF65-F5344CB8AC3E}">
+        <p14:creationId xmlns:p14="http://schemas.microsoft.com/office/powerpoint/2010/main" val="266753944"/>
+      </p:ext>
+    </p:extLst>
+  </p:cSld>
+  <p:clrMapOvr>
+    <a:masterClrMapping/>
+  </p:clrMapOvr>
+  <p:timing>
+    <p:tnLst>
+      <p:par>
+        <p:cTn id="1" dur="indefinite" restart="never" nodeType="tmRoot"/>
+      </p:par>
+    </p:tnLst>
+  </p:timing>
+</p:sld>
+</file>
+
+<file path=ppt/slides/slide17.xml><?xml version="1.0" encoding="utf-8"?>
+<p:sld xmlns:a="http://schemas.openxmlformats.org/drawingml/2006/main" xmlns:r="http://schemas.openxmlformats.org/officeDocument/2006/relationships" xmlns:p="http://schemas.openxmlformats.org/presentationml/2006/main">
+  <p:cSld>
+    <p:spTree>
+      <p:nvGrpSpPr>
+        <p:cNvPr id="1" name=""/>
+        <p:cNvGrpSpPr/>
+        <p:nvPr/>
+      </p:nvGrpSpPr>
+      <p:grpSpPr>
+        <a:xfrm>
+          <a:off x="0" y="0"/>
+          <a:ext cx="0" cy="0"/>
+          <a:chOff x="0" y="0"/>
+          <a:chExt cx="0" cy="0"/>
+        </a:xfrm>
+      </p:grpSpPr>
+      <p:sp>
+        <p:nvSpPr>
+          <p:cNvPr id="2" name="日期占位符 1"/>
+          <p:cNvSpPr>
+            <a:spLocks noGrp="1"/>
+          </p:cNvSpPr>
+          <p:nvPr>
+            <p:ph type="dt" sz="half" idx="10"/>
+          </p:nvPr>
+        </p:nvSpPr>
+        <p:spPr/>
+        <p:txBody>
+          <a:bodyPr/>
+          <a:lstStyle/>
+          <a:p>
+            <a:fld id="{910CC10A-BE2E-4E58-A27A-CDF9D833F9B7}" type="datetime1">
+              <a:rPr lang="zh-CN" altLang="en-US" smtClean="0"/>
+              <a:t>2021/1/20</a:t>
+            </a:fld>
+            <a:endParaRPr lang="zh-CN" altLang="en-US"/>
+          </a:p>
+        </p:txBody>
+      </p:sp>
+      <p:sp>
+        <p:nvSpPr>
+          <p:cNvPr id="3" name="灯片编号占位符 2"/>
+          <p:cNvSpPr>
+            <a:spLocks noGrp="1"/>
+          </p:cNvSpPr>
+          <p:nvPr>
+            <p:ph type="sldNum" sz="quarter" idx="12"/>
+          </p:nvPr>
+        </p:nvSpPr>
+        <p:spPr/>
+        <p:txBody>
+          <a:bodyPr/>
+          <a:lstStyle/>
+          <a:p>
+            <a:fld id="{F3C09F5B-C591-49A2-9090-D775AF8A5EB6}" type="slidenum">
+              <a:rPr lang="zh-CN" altLang="en-US" smtClean="0"/>
+              <a:t>17</a:t>
+            </a:fld>
+            <a:endParaRPr lang="zh-CN" altLang="en-US"/>
+          </a:p>
+        </p:txBody>
+      </p:sp>
+      <p:pic>
+        <p:nvPicPr>
+          <p:cNvPr id="4" name="图片 3"/>
+          <p:cNvPicPr>
+            <a:picLocks noChangeAspect="1"/>
+          </p:cNvPicPr>
+          <p:nvPr/>
+        </p:nvPicPr>
+        <p:blipFill>
+          <a:blip r:embed="rId2"/>
+          <a:stretch>
+            <a:fillRect/>
+          </a:stretch>
+        </p:blipFill>
+        <p:spPr>
+          <a:xfrm>
+            <a:off x="589114" y="1288419"/>
+            <a:ext cx="9395317" cy="4988235"/>
+          </a:xfrm>
+          <a:prstGeom prst="rect">
+            <a:avLst/>
+          </a:prstGeom>
+        </p:spPr>
+      </p:pic>
+      <p:sp>
+        <p:nvSpPr>
+          <p:cNvPr id="5" name="文本框 4"/>
+          <p:cNvSpPr txBox="1"/>
+          <p:nvPr/>
+        </p:nvSpPr>
+        <p:spPr>
+          <a:xfrm>
+            <a:off x="727030" y="260648"/>
+            <a:ext cx="8105274" cy="830997"/>
+          </a:xfrm>
+          <a:prstGeom prst="rect">
+            <a:avLst/>
+          </a:prstGeom>
+          <a:noFill/>
+        </p:spPr>
+        <p:txBody>
+          <a:bodyPr wrap="square" rtlCol="0">
+            <a:spAutoFit/>
+            <a:scene3d>
+              <a:camera prst="orthographicFront"/>
+              <a:lightRig rig="threePt" dir="t"/>
+            </a:scene3d>
+            <a:sp3d contourW="12700"/>
+          </a:bodyPr>
+          <a:lstStyle>
+            <a:defPPr>
+              <a:defRPr lang="en-US"/>
+            </a:defPPr>
+            <a:lvl1pPr algn="ctr">
+              <a:defRPr sz="2800" b="1">
+                <a:solidFill>
+                  <a:schemeClr val="tx1">
+                    <a:lumMod val="75000"/>
+                    <a:lumOff val="25000"/>
+                  </a:schemeClr>
+                </a:solidFill>
+                <a:latin typeface="Century Gothic" panose="020B0502020202020204" pitchFamily="34" charset="0"/>
+              </a:defRPr>
+            </a:lvl1pPr>
+          </a:lstStyle>
+          <a:p>
+            <a:pPr algn="l"/>
+            <a:r>
+              <a:rPr lang="zh-CN" altLang="en-US" sz="2400" dirty="0" smtClean="0">
+                <a:solidFill>
+                  <a:schemeClr val="bg1"/>
+                </a:solidFill>
+                <a:latin typeface="微软雅黑" panose="020B0503020204020204" pitchFamily="34" charset="-122"/>
+                <a:ea typeface="微软雅黑" panose="020B0503020204020204" pitchFamily="34" charset="-122"/>
+              </a:rPr>
+              <a:t>浪潮</a:t>
+            </a:r>
+            <a:r>
+              <a:rPr lang="zh-CN" altLang="en-US" sz="2400" dirty="0" smtClean="0">
+                <a:solidFill>
+                  <a:schemeClr val="bg1"/>
+                </a:solidFill>
+                <a:latin typeface="微软雅黑" panose="020B0503020204020204" pitchFamily="34" charset="-122"/>
+                <a:ea typeface="微软雅黑" panose="020B0503020204020204" pitchFamily="34" charset="-122"/>
+              </a:rPr>
+              <a:t>云海</a:t>
+            </a:r>
+            <a:r>
+              <a:rPr lang="en-US" altLang="zh-CN" sz="2400" dirty="0" smtClean="0">
+                <a:solidFill>
+                  <a:schemeClr val="bg1"/>
+                </a:solidFill>
+                <a:latin typeface="微软雅黑" panose="020B0503020204020204" pitchFamily="34" charset="-122"/>
+                <a:ea typeface="微软雅黑" panose="020B0503020204020204" pitchFamily="34" charset="-122"/>
+              </a:rPr>
+              <a:t>·</a:t>
+            </a:r>
+            <a:r>
+              <a:rPr lang="en-US" altLang="zh-CN" sz="2400" dirty="0" err="1" smtClean="0">
+                <a:solidFill>
+                  <a:schemeClr val="bg1"/>
+                </a:solidFill>
+                <a:latin typeface="微软雅黑" panose="020B0503020204020204" pitchFamily="34" charset="-122"/>
+                <a:ea typeface="微软雅黑" panose="020B0503020204020204" pitchFamily="34" charset="-122"/>
+              </a:rPr>
+              <a:t>Alluxio</a:t>
+            </a:r>
+            <a:r>
+              <a:rPr lang="en-US" altLang="zh-CN" sz="2400" dirty="0" smtClean="0">
+                <a:solidFill>
+                  <a:schemeClr val="bg1"/>
+                </a:solidFill>
+                <a:latin typeface="微软雅黑" panose="020B0503020204020204" pitchFamily="34" charset="-122"/>
+                <a:ea typeface="微软雅黑" panose="020B0503020204020204" pitchFamily="34" charset="-122"/>
+              </a:rPr>
+              <a:t>-FUSE </a:t>
+            </a:r>
+            <a:r>
+              <a:rPr lang="en-US" altLang="zh-CN" sz="2400" dirty="0" err="1" smtClean="0">
+                <a:solidFill>
+                  <a:schemeClr val="bg1"/>
+                </a:solidFill>
+                <a:latin typeface="微软雅黑" panose="020B0503020204020204" pitchFamily="34" charset="-122"/>
+                <a:ea typeface="微软雅黑" panose="020B0503020204020204" pitchFamily="34" charset="-122"/>
+              </a:rPr>
+              <a:t>mkdir</a:t>
+            </a:r>
+            <a:r>
+              <a:rPr lang="zh-CN" altLang="en-US" sz="2400" dirty="0" smtClean="0">
+                <a:solidFill>
+                  <a:schemeClr val="bg1"/>
+                </a:solidFill>
+                <a:latin typeface="微软雅黑" panose="020B0503020204020204" pitchFamily="34" charset="-122"/>
+                <a:ea typeface="微软雅黑" panose="020B0503020204020204" pitchFamily="34" charset="-122"/>
+              </a:rPr>
+              <a:t>流程</a:t>
+            </a:r>
+            <a:endParaRPr lang="en-US" altLang="zh-CN" sz="2400" dirty="0">
+              <a:solidFill>
+                <a:schemeClr val="bg1"/>
+              </a:solidFill>
+              <a:latin typeface="微软雅黑" panose="020B0503020204020204" pitchFamily="34" charset="-122"/>
+              <a:ea typeface="微软雅黑" panose="020B0503020204020204" pitchFamily="34" charset="-122"/>
+            </a:endParaRPr>
+          </a:p>
+          <a:p>
+            <a:pPr algn="l"/>
+            <a:endParaRPr lang="zh-CN" altLang="en-US" sz="2400" dirty="0">
+              <a:solidFill>
+                <a:schemeClr val="bg1"/>
+              </a:solidFill>
+              <a:latin typeface="微软雅黑" panose="020B0503020204020204" pitchFamily="34" charset="-122"/>
+              <a:ea typeface="微软雅黑" panose="020B0503020204020204" pitchFamily="34" charset="-122"/>
+            </a:endParaRPr>
+          </a:p>
+        </p:txBody>
+      </p:sp>
+      <p:sp>
+        <p:nvSpPr>
+          <p:cNvPr id="6" name="任意多边形 38"/>
+          <p:cNvSpPr/>
+          <p:nvPr/>
+        </p:nvSpPr>
+        <p:spPr>
+          <a:xfrm>
+            <a:off x="565095" y="129684"/>
+            <a:ext cx="384759" cy="742802"/>
+          </a:xfrm>
+          <a:custGeom>
+            <a:avLst/>
+            <a:gdLst>
+              <a:gd name="connsiteX0" fmla="*/ 0 w 384775"/>
+              <a:gd name="connsiteY0" fmla="*/ 0 h 1014413"/>
+              <a:gd name="connsiteX1" fmla="*/ 384775 w 384775"/>
+              <a:gd name="connsiteY1" fmla="*/ 0 h 1014413"/>
+              <a:gd name="connsiteX2" fmla="*/ 384775 w 384775"/>
+              <a:gd name="connsiteY2" fmla="*/ 168608 h 1014413"/>
+              <a:gd name="connsiteX3" fmla="*/ 336678 w 384775"/>
+              <a:gd name="connsiteY3" fmla="*/ 168608 h 1014413"/>
+              <a:gd name="connsiteX4" fmla="*/ 336678 w 384775"/>
+              <a:gd name="connsiteY4" fmla="*/ 48097 h 1014413"/>
+              <a:gd name="connsiteX5" fmla="*/ 48097 w 384775"/>
+              <a:gd name="connsiteY5" fmla="*/ 48097 h 1014413"/>
+              <a:gd name="connsiteX6" fmla="*/ 48097 w 384775"/>
+              <a:gd name="connsiteY6" fmla="*/ 966316 h 1014413"/>
+              <a:gd name="connsiteX7" fmla="*/ 336678 w 384775"/>
+              <a:gd name="connsiteY7" fmla="*/ 966316 h 1014413"/>
+              <a:gd name="connsiteX8" fmla="*/ 336678 w 384775"/>
+              <a:gd name="connsiteY8" fmla="*/ 845804 h 1014413"/>
+              <a:gd name="connsiteX9" fmla="*/ 384775 w 384775"/>
+              <a:gd name="connsiteY9" fmla="*/ 845804 h 1014413"/>
+              <a:gd name="connsiteX10" fmla="*/ 384775 w 384775"/>
+              <a:gd name="connsiteY10" fmla="*/ 1014413 h 1014413"/>
+              <a:gd name="connsiteX11" fmla="*/ 0 w 384775"/>
+              <a:gd name="connsiteY11" fmla="*/ 1014413 h 1014413"/>
+            </a:gdLst>
+            <a:ahLst/>
+            <a:cxnLst>
+              <a:cxn ang="0">
+                <a:pos x="connsiteX0" y="connsiteY0"/>
+              </a:cxn>
+              <a:cxn ang="0">
+                <a:pos x="connsiteX1" y="connsiteY1"/>
+              </a:cxn>
+              <a:cxn ang="0">
+                <a:pos x="connsiteX2" y="connsiteY2"/>
+              </a:cxn>
+              <a:cxn ang="0">
+                <a:pos x="connsiteX3" y="connsiteY3"/>
+              </a:cxn>
+              <a:cxn ang="0">
+                <a:pos x="connsiteX4" y="connsiteY4"/>
+              </a:cxn>
+              <a:cxn ang="0">
+                <a:pos x="connsiteX5" y="connsiteY5"/>
+              </a:cxn>
+              <a:cxn ang="0">
+                <a:pos x="connsiteX6" y="connsiteY6"/>
+              </a:cxn>
+              <a:cxn ang="0">
+                <a:pos x="connsiteX7" y="connsiteY7"/>
+              </a:cxn>
+              <a:cxn ang="0">
+                <a:pos x="connsiteX8" y="connsiteY8"/>
+              </a:cxn>
+              <a:cxn ang="0">
+                <a:pos x="connsiteX9" y="connsiteY9"/>
+              </a:cxn>
+              <a:cxn ang="0">
+                <a:pos x="connsiteX10" y="connsiteY10"/>
+              </a:cxn>
+              <a:cxn ang="0">
+                <a:pos x="connsiteX11" y="connsiteY11"/>
+              </a:cxn>
+            </a:cxnLst>
+            <a:rect l="l" t="t" r="r" b="b"/>
+            <a:pathLst>
+              <a:path w="384775" h="1014413">
+                <a:moveTo>
+                  <a:pt x="0" y="0"/>
+                </a:moveTo>
+                <a:lnTo>
+                  <a:pt x="384775" y="0"/>
+                </a:lnTo>
+                <a:lnTo>
+                  <a:pt x="384775" y="168608"/>
+                </a:lnTo>
+                <a:lnTo>
+                  <a:pt x="336678" y="168608"/>
+                </a:lnTo>
+                <a:lnTo>
+                  <a:pt x="336678" y="48097"/>
+                </a:lnTo>
+                <a:lnTo>
+                  <a:pt x="48097" y="48097"/>
+                </a:lnTo>
+                <a:lnTo>
+                  <a:pt x="48097" y="966316"/>
+                </a:lnTo>
+                <a:lnTo>
+                  <a:pt x="336678" y="966316"/>
+                </a:lnTo>
+                <a:lnTo>
+                  <a:pt x="336678" y="845804"/>
+                </a:lnTo>
+                <a:lnTo>
+                  <a:pt x="384775" y="845804"/>
+                </a:lnTo>
+                <a:lnTo>
+                  <a:pt x="384775" y="1014413"/>
+                </a:lnTo>
+                <a:lnTo>
+                  <a:pt x="0" y="1014413"/>
+                </a:lnTo>
+                <a:close/>
+              </a:path>
+            </a:pathLst>
+          </a:custGeom>
+          <a:solidFill>
+            <a:srgbClr val="0070C0"/>
+          </a:solidFill>
+          <a:ln>
+            <a:noFill/>
+          </a:ln>
+        </p:spPr>
+        <p:style>
+          <a:lnRef idx="2">
+            <a:schemeClr val="accent1">
+              <a:shade val="50000"/>
+            </a:schemeClr>
+          </a:lnRef>
+          <a:fillRef idx="1">
+            <a:schemeClr val="accent1"/>
+          </a:fillRef>
+          <a:effectRef idx="0">
+            <a:schemeClr val="accent1"/>
+          </a:effectRef>
+          <a:fontRef idx="minor">
+            <a:schemeClr val="lt1"/>
+          </a:fontRef>
+        </p:style>
+        <p:txBody>
+          <a:bodyPr rtlCol="0" anchor="ctr"/>
+          <a:lstStyle/>
+          <a:p>
+            <a:pPr algn="ctr"/>
+            <a:endParaRPr lang="zh-CN" altLang="en-US" sz="6376" dirty="0">
+              <a:solidFill>
+                <a:schemeClr val="tx1"/>
+              </a:solidFill>
+              <a:ea typeface="微软雅黑" panose="020B0503020204020204" pitchFamily="34" charset="-122"/>
+            </a:endParaRPr>
+          </a:p>
+        </p:txBody>
+      </p:sp>
+    </p:spTree>
+    <p:extLst>
+      <p:ext uri="{BB962C8B-B14F-4D97-AF65-F5344CB8AC3E}">
+        <p14:creationId xmlns:p14="http://schemas.microsoft.com/office/powerpoint/2010/main" val="2108782419"/>
+      </p:ext>
+    </p:extLst>
+  </p:cSld>
+  <p:clrMapOvr>
+    <a:masterClrMapping/>
+  </p:clrMapOvr>
+  <p:timing>
+    <p:tnLst>
+      <p:par>
+        <p:cTn id="1" dur="indefinite" restart="never" nodeType="tmRoot"/>
+      </p:par>
+    </p:tnLst>
+  </p:timing>
+</p:sld>
+</file>
+
+<file path=ppt/slides/slide18.xml><?xml version="1.0" encoding="utf-8"?>
+<p:sld xmlns:a="http://schemas.openxmlformats.org/drawingml/2006/main" xmlns:r="http://schemas.openxmlformats.org/officeDocument/2006/relationships" xmlns:p="http://schemas.openxmlformats.org/presentationml/2006/main">
+  <p:cSld>
+    <p:spTree>
+      <p:nvGrpSpPr>
+        <p:cNvPr id="1" name=""/>
+        <p:cNvGrpSpPr/>
+        <p:nvPr/>
+      </p:nvGrpSpPr>
+      <p:grpSpPr>
+        <a:xfrm>
+          <a:off x="0" y="0"/>
+          <a:ext cx="0" cy="0"/>
+          <a:chOff x="0" y="0"/>
+          <a:chExt cx="0" cy="0"/>
+        </a:xfrm>
+      </p:grpSpPr>
+      <p:sp>
+        <p:nvSpPr>
+          <p:cNvPr id="2" name="日期占位符 1"/>
+          <p:cNvSpPr>
+            <a:spLocks noGrp="1"/>
+          </p:cNvSpPr>
+          <p:nvPr>
+            <p:ph type="dt" sz="half" idx="10"/>
+          </p:nvPr>
+        </p:nvSpPr>
+        <p:spPr/>
+        <p:txBody>
+          <a:bodyPr/>
+          <a:lstStyle/>
+          <a:p>
+            <a:fld id="{B90FA83F-C834-4F3E-A2F0-E81F80D35B0E}" type="datetime1">
+              <a:rPr lang="zh-CN" altLang="en-US" smtClean="0"/>
+              <a:t>2021/1/20</a:t>
+            </a:fld>
+            <a:endParaRPr lang="zh-CN" altLang="en-US"/>
+          </a:p>
+        </p:txBody>
+      </p:sp>
+      <p:sp>
+        <p:nvSpPr>
+          <p:cNvPr id="3" name="灯片编号占位符 2"/>
+          <p:cNvSpPr>
+            <a:spLocks noGrp="1"/>
+          </p:cNvSpPr>
+          <p:nvPr>
+            <p:ph type="sldNum" sz="quarter" idx="12"/>
+          </p:nvPr>
+        </p:nvSpPr>
+        <p:spPr/>
+        <p:txBody>
+          <a:bodyPr/>
+          <a:lstStyle/>
+          <a:p>
+            <a:fld id="{F3C09F5B-C591-49A2-9090-D775AF8A5EB6}" type="slidenum">
+              <a:rPr lang="zh-CN" altLang="en-US" smtClean="0"/>
+              <a:t>18</a:t>
+            </a:fld>
+            <a:endParaRPr lang="zh-CN" altLang="en-US"/>
+          </a:p>
+        </p:txBody>
+      </p:sp>
+      <p:pic>
+        <p:nvPicPr>
+          <p:cNvPr id="4" name="图片 3"/>
+          <p:cNvPicPr>
+            <a:picLocks noChangeAspect="1"/>
+          </p:cNvPicPr>
+          <p:nvPr/>
+        </p:nvPicPr>
+        <p:blipFill>
+          <a:blip r:embed="rId2"/>
+          <a:stretch>
+            <a:fillRect/>
+          </a:stretch>
+        </p:blipFill>
+        <p:spPr>
+          <a:xfrm>
+            <a:off x="727030" y="1171655"/>
+            <a:ext cx="9210675" cy="5048250"/>
+          </a:xfrm>
+          <a:prstGeom prst="rect">
+            <a:avLst/>
+          </a:prstGeom>
+        </p:spPr>
+      </p:pic>
+      <p:sp>
+        <p:nvSpPr>
+          <p:cNvPr id="5" name="文本框 4"/>
+          <p:cNvSpPr txBox="1"/>
+          <p:nvPr/>
+        </p:nvSpPr>
+        <p:spPr>
+          <a:xfrm>
+            <a:off x="727030" y="260648"/>
+            <a:ext cx="8105274" cy="830997"/>
+          </a:xfrm>
+          <a:prstGeom prst="rect">
+            <a:avLst/>
+          </a:prstGeom>
+          <a:noFill/>
+        </p:spPr>
+        <p:txBody>
+          <a:bodyPr wrap="square" rtlCol="0">
+            <a:spAutoFit/>
+            <a:scene3d>
+              <a:camera prst="orthographicFront"/>
+              <a:lightRig rig="threePt" dir="t"/>
+            </a:scene3d>
+            <a:sp3d contourW="12700"/>
+          </a:bodyPr>
+          <a:lstStyle>
+            <a:defPPr>
+              <a:defRPr lang="en-US"/>
+            </a:defPPr>
+            <a:lvl1pPr algn="ctr">
+              <a:defRPr sz="2800" b="1">
+                <a:solidFill>
+                  <a:schemeClr val="tx1">
+                    <a:lumMod val="75000"/>
+                    <a:lumOff val="25000"/>
+                  </a:schemeClr>
+                </a:solidFill>
+                <a:latin typeface="Century Gothic" panose="020B0502020202020204" pitchFamily="34" charset="0"/>
+              </a:defRPr>
+            </a:lvl1pPr>
+          </a:lstStyle>
+          <a:p>
+            <a:pPr algn="l"/>
+            <a:r>
+              <a:rPr lang="zh-CN" altLang="en-US" sz="2400" dirty="0" smtClean="0">
+                <a:solidFill>
+                  <a:schemeClr val="bg1"/>
+                </a:solidFill>
+                <a:latin typeface="微软雅黑" panose="020B0503020204020204" pitchFamily="34" charset="-122"/>
+                <a:ea typeface="微软雅黑" panose="020B0503020204020204" pitchFamily="34" charset="-122"/>
+              </a:rPr>
+              <a:t>浪潮</a:t>
+            </a:r>
+            <a:r>
+              <a:rPr lang="zh-CN" altLang="en-US" sz="2400" dirty="0" smtClean="0">
+                <a:solidFill>
+                  <a:schemeClr val="bg1"/>
+                </a:solidFill>
+                <a:latin typeface="微软雅黑" panose="020B0503020204020204" pitchFamily="34" charset="-122"/>
+                <a:ea typeface="微软雅黑" panose="020B0503020204020204" pitchFamily="34" charset="-122"/>
+              </a:rPr>
+              <a:t>云海</a:t>
+            </a:r>
+            <a:r>
+              <a:rPr lang="en-US" altLang="zh-CN" sz="2400" dirty="0" smtClean="0">
+                <a:solidFill>
+                  <a:schemeClr val="bg1"/>
+                </a:solidFill>
+                <a:latin typeface="微软雅黑" panose="020B0503020204020204" pitchFamily="34" charset="-122"/>
+                <a:ea typeface="微软雅黑" panose="020B0503020204020204" pitchFamily="34" charset="-122"/>
+              </a:rPr>
+              <a:t>·</a:t>
+            </a:r>
+            <a:r>
+              <a:rPr lang="en-US" altLang="zh-CN" sz="2400" dirty="0" err="1" smtClean="0">
+                <a:solidFill>
+                  <a:schemeClr val="bg1"/>
+                </a:solidFill>
+                <a:latin typeface="微软雅黑" panose="020B0503020204020204" pitchFamily="34" charset="-122"/>
+                <a:ea typeface="微软雅黑" panose="020B0503020204020204" pitchFamily="34" charset="-122"/>
+              </a:rPr>
+              <a:t>Alluxio</a:t>
+            </a:r>
+            <a:r>
+              <a:rPr lang="en-US" altLang="zh-CN" sz="2400" dirty="0" smtClean="0">
+                <a:solidFill>
+                  <a:schemeClr val="bg1"/>
+                </a:solidFill>
+                <a:latin typeface="微软雅黑" panose="020B0503020204020204" pitchFamily="34" charset="-122"/>
+                <a:ea typeface="微软雅黑" panose="020B0503020204020204" pitchFamily="34" charset="-122"/>
+              </a:rPr>
+              <a:t>-FUSE </a:t>
+            </a:r>
+            <a:r>
+              <a:rPr lang="zh-CN" altLang="en-US" sz="2400" dirty="0" smtClean="0">
+                <a:solidFill>
+                  <a:schemeClr val="bg1"/>
+                </a:solidFill>
+                <a:latin typeface="微软雅黑" panose="020B0503020204020204" pitchFamily="34" charset="-122"/>
+                <a:ea typeface="微软雅黑" panose="020B0503020204020204" pitchFamily="34" charset="-122"/>
+              </a:rPr>
+              <a:t>的</a:t>
+            </a:r>
+            <a:r>
+              <a:rPr lang="en-US" altLang="zh-CN" sz="2400" dirty="0" smtClean="0">
+                <a:solidFill>
+                  <a:schemeClr val="bg1"/>
+                </a:solidFill>
+                <a:latin typeface="微软雅黑" panose="020B0503020204020204" pitchFamily="34" charset="-122"/>
+                <a:ea typeface="微软雅黑" panose="020B0503020204020204" pitchFamily="34" charset="-122"/>
+              </a:rPr>
+              <a:t>POSIX</a:t>
+            </a:r>
+            <a:r>
+              <a:rPr lang="zh-CN" altLang="en-US" sz="2400" dirty="0" smtClean="0">
+                <a:solidFill>
+                  <a:schemeClr val="bg1"/>
+                </a:solidFill>
+                <a:latin typeface="微软雅黑" panose="020B0503020204020204" pitchFamily="34" charset="-122"/>
+                <a:ea typeface="微软雅黑" panose="020B0503020204020204" pitchFamily="34" charset="-122"/>
+              </a:rPr>
+              <a:t>兼容性 </a:t>
+            </a:r>
+            <a:r>
+              <a:rPr lang="en-US" altLang="zh-CN" sz="2400" dirty="0" smtClean="0">
+                <a:solidFill>
+                  <a:schemeClr val="bg1"/>
+                </a:solidFill>
+                <a:latin typeface="微软雅黑" panose="020B0503020204020204" pitchFamily="34" charset="-122"/>
+                <a:ea typeface="微软雅黑" panose="020B0503020204020204" pitchFamily="34" charset="-122"/>
+              </a:rPr>
+              <a:t>– </a:t>
+            </a:r>
+            <a:r>
+              <a:rPr lang="zh-CN" altLang="en-US" sz="2400" dirty="0" smtClean="0">
+                <a:solidFill>
+                  <a:schemeClr val="bg1"/>
+                </a:solidFill>
+                <a:latin typeface="微软雅黑" panose="020B0503020204020204" pitchFamily="34" charset="-122"/>
+                <a:ea typeface="微软雅黑" panose="020B0503020204020204" pitchFamily="34" charset="-122"/>
+              </a:rPr>
+              <a:t>兼容性测试</a:t>
+            </a:r>
+            <a:endParaRPr lang="en-US" altLang="zh-CN" sz="2400" dirty="0">
+              <a:solidFill>
+                <a:schemeClr val="bg1"/>
+              </a:solidFill>
+              <a:latin typeface="微软雅黑" panose="020B0503020204020204" pitchFamily="34" charset="-122"/>
+              <a:ea typeface="微软雅黑" panose="020B0503020204020204" pitchFamily="34" charset="-122"/>
+            </a:endParaRPr>
+          </a:p>
+          <a:p>
+            <a:pPr algn="l"/>
+            <a:endParaRPr lang="zh-CN" altLang="en-US" sz="2400" dirty="0">
+              <a:solidFill>
+                <a:schemeClr val="bg1"/>
+              </a:solidFill>
+              <a:latin typeface="微软雅黑" panose="020B0503020204020204" pitchFamily="34" charset="-122"/>
+              <a:ea typeface="微软雅黑" panose="020B0503020204020204" pitchFamily="34" charset="-122"/>
+            </a:endParaRPr>
+          </a:p>
+        </p:txBody>
+      </p:sp>
+      <p:sp>
+        <p:nvSpPr>
+          <p:cNvPr id="6" name="任意多边形 38"/>
+          <p:cNvSpPr/>
+          <p:nvPr/>
+        </p:nvSpPr>
+        <p:spPr>
+          <a:xfrm>
+            <a:off x="565095" y="129684"/>
+            <a:ext cx="384759" cy="742802"/>
+          </a:xfrm>
+          <a:custGeom>
+            <a:avLst/>
+            <a:gdLst>
+              <a:gd name="connsiteX0" fmla="*/ 0 w 384775"/>
+              <a:gd name="connsiteY0" fmla="*/ 0 h 1014413"/>
+              <a:gd name="connsiteX1" fmla="*/ 384775 w 384775"/>
+              <a:gd name="connsiteY1" fmla="*/ 0 h 1014413"/>
+              <a:gd name="connsiteX2" fmla="*/ 384775 w 384775"/>
+              <a:gd name="connsiteY2" fmla="*/ 168608 h 1014413"/>
+              <a:gd name="connsiteX3" fmla="*/ 336678 w 384775"/>
+              <a:gd name="connsiteY3" fmla="*/ 168608 h 1014413"/>
+              <a:gd name="connsiteX4" fmla="*/ 336678 w 384775"/>
+              <a:gd name="connsiteY4" fmla="*/ 48097 h 1014413"/>
+              <a:gd name="connsiteX5" fmla="*/ 48097 w 384775"/>
+              <a:gd name="connsiteY5" fmla="*/ 48097 h 1014413"/>
+              <a:gd name="connsiteX6" fmla="*/ 48097 w 384775"/>
+              <a:gd name="connsiteY6" fmla="*/ 966316 h 1014413"/>
+              <a:gd name="connsiteX7" fmla="*/ 336678 w 384775"/>
+              <a:gd name="connsiteY7" fmla="*/ 966316 h 1014413"/>
+              <a:gd name="connsiteX8" fmla="*/ 336678 w 384775"/>
+              <a:gd name="connsiteY8" fmla="*/ 845804 h 1014413"/>
+              <a:gd name="connsiteX9" fmla="*/ 384775 w 384775"/>
+              <a:gd name="connsiteY9" fmla="*/ 845804 h 1014413"/>
+              <a:gd name="connsiteX10" fmla="*/ 384775 w 384775"/>
+              <a:gd name="connsiteY10" fmla="*/ 1014413 h 1014413"/>
+              <a:gd name="connsiteX11" fmla="*/ 0 w 384775"/>
+              <a:gd name="connsiteY11" fmla="*/ 1014413 h 1014413"/>
+            </a:gdLst>
+            <a:ahLst/>
+            <a:cxnLst>
+              <a:cxn ang="0">
+                <a:pos x="connsiteX0" y="connsiteY0"/>
+              </a:cxn>
+              <a:cxn ang="0">
+                <a:pos x="connsiteX1" y="connsiteY1"/>
+              </a:cxn>
+              <a:cxn ang="0">
+                <a:pos x="connsiteX2" y="connsiteY2"/>
+              </a:cxn>
+              <a:cxn ang="0">
+                <a:pos x="connsiteX3" y="connsiteY3"/>
+              </a:cxn>
+              <a:cxn ang="0">
+                <a:pos x="connsiteX4" y="connsiteY4"/>
+              </a:cxn>
+              <a:cxn ang="0">
+                <a:pos x="connsiteX5" y="connsiteY5"/>
+              </a:cxn>
+              <a:cxn ang="0">
+                <a:pos x="connsiteX6" y="connsiteY6"/>
+              </a:cxn>
+              <a:cxn ang="0">
+                <a:pos x="connsiteX7" y="connsiteY7"/>
+              </a:cxn>
+              <a:cxn ang="0">
+                <a:pos x="connsiteX8" y="connsiteY8"/>
+              </a:cxn>
+              <a:cxn ang="0">
+                <a:pos x="connsiteX9" y="connsiteY9"/>
+              </a:cxn>
+              <a:cxn ang="0">
+                <a:pos x="connsiteX10" y="connsiteY10"/>
+              </a:cxn>
+              <a:cxn ang="0">
+                <a:pos x="connsiteX11" y="connsiteY11"/>
+              </a:cxn>
+            </a:cxnLst>
+            <a:rect l="l" t="t" r="r" b="b"/>
+            <a:pathLst>
+              <a:path w="384775" h="1014413">
+                <a:moveTo>
+                  <a:pt x="0" y="0"/>
+                </a:moveTo>
+                <a:lnTo>
+                  <a:pt x="384775" y="0"/>
+                </a:lnTo>
+                <a:lnTo>
+                  <a:pt x="384775" y="168608"/>
+                </a:lnTo>
+                <a:lnTo>
+                  <a:pt x="336678" y="168608"/>
+                </a:lnTo>
+                <a:lnTo>
+                  <a:pt x="336678" y="48097"/>
+                </a:lnTo>
+                <a:lnTo>
+                  <a:pt x="48097" y="48097"/>
+                </a:lnTo>
+                <a:lnTo>
+                  <a:pt x="48097" y="966316"/>
+                </a:lnTo>
+                <a:lnTo>
+                  <a:pt x="336678" y="966316"/>
+                </a:lnTo>
+                <a:lnTo>
+                  <a:pt x="336678" y="845804"/>
+                </a:lnTo>
+                <a:lnTo>
+                  <a:pt x="384775" y="845804"/>
+                </a:lnTo>
+                <a:lnTo>
+                  <a:pt x="384775" y="1014413"/>
+                </a:lnTo>
+                <a:lnTo>
+                  <a:pt x="0" y="1014413"/>
+                </a:lnTo>
+                <a:close/>
+              </a:path>
+            </a:pathLst>
+          </a:custGeom>
+          <a:solidFill>
+            <a:srgbClr val="0070C0"/>
+          </a:solidFill>
+          <a:ln>
+            <a:noFill/>
+          </a:ln>
+        </p:spPr>
+        <p:style>
+          <a:lnRef idx="2">
+            <a:schemeClr val="accent1">
+              <a:shade val="50000"/>
+            </a:schemeClr>
+          </a:lnRef>
+          <a:fillRef idx="1">
+            <a:schemeClr val="accent1"/>
+          </a:fillRef>
+          <a:effectRef idx="0">
+            <a:schemeClr val="accent1"/>
+          </a:effectRef>
+          <a:fontRef idx="minor">
+            <a:schemeClr val="lt1"/>
+          </a:fontRef>
+        </p:style>
+        <p:txBody>
+          <a:bodyPr rtlCol="0" anchor="ctr"/>
+          <a:lstStyle/>
+          <a:p>
+            <a:pPr algn="ctr"/>
+            <a:endParaRPr lang="zh-CN" altLang="en-US" sz="6376" dirty="0">
+              <a:solidFill>
+                <a:schemeClr val="tx1"/>
+              </a:solidFill>
+              <a:ea typeface="微软雅黑" panose="020B0503020204020204" pitchFamily="34" charset="-122"/>
+            </a:endParaRPr>
+          </a:p>
+        </p:txBody>
+      </p:sp>
+    </p:spTree>
+    <p:extLst>
+      <p:ext uri="{BB962C8B-B14F-4D97-AF65-F5344CB8AC3E}">
+        <p14:creationId xmlns:p14="http://schemas.microsoft.com/office/powerpoint/2010/main" val="3228614389"/>
+      </p:ext>
+    </p:extLst>
+  </p:cSld>
+  <p:clrMapOvr>
+    <a:masterClrMapping/>
+  </p:clrMapOvr>
+  <p:timing>
+    <p:tnLst>
+      <p:par>
+        <p:cTn id="1" dur="indefinite" restart="never" nodeType="tmRoot"/>
+      </p:par>
+    </p:tnLst>
+  </p:timing>
+</p:sld>
+</file>
+
+<file path=ppt/slides/slide19.xml><?xml version="1.0" encoding="utf-8"?>
+<p:sld xmlns:a="http://schemas.openxmlformats.org/drawingml/2006/main" xmlns:r="http://schemas.openxmlformats.org/officeDocument/2006/relationships" xmlns:p="http://schemas.openxmlformats.org/presentationml/2006/main">
+  <p:cSld>
+    <p:spTree>
+      <p:nvGrpSpPr>
+        <p:cNvPr id="1" name=""/>
+        <p:cNvGrpSpPr/>
+        <p:nvPr/>
+      </p:nvGrpSpPr>
+      <p:grpSpPr>
+        <a:xfrm>
+          <a:off x="0" y="0"/>
+          <a:ext cx="0" cy="0"/>
+          <a:chOff x="0" y="0"/>
+          <a:chExt cx="0" cy="0"/>
+        </a:xfrm>
+      </p:grpSpPr>
+      <p:sp>
+        <p:nvSpPr>
+          <p:cNvPr id="2" name="日期占位符 1"/>
+          <p:cNvSpPr>
+            <a:spLocks noGrp="1"/>
+          </p:cNvSpPr>
+          <p:nvPr>
+            <p:ph type="dt" sz="half" idx="10"/>
+          </p:nvPr>
+        </p:nvSpPr>
+        <p:spPr/>
+        <p:txBody>
+          <a:bodyPr/>
+          <a:lstStyle/>
+          <a:p>
+            <a:fld id="{9DB271AC-6A96-4A0E-940F-A1E7CD9B378F}" type="datetime1">
+              <a:rPr lang="zh-CN" altLang="en-US" smtClean="0"/>
+              <a:t>2021/1/20</a:t>
+            </a:fld>
+            <a:endParaRPr lang="zh-CN" altLang="en-US"/>
+          </a:p>
+        </p:txBody>
+      </p:sp>
+      <p:sp>
+        <p:nvSpPr>
+          <p:cNvPr id="3" name="灯片编号占位符 2"/>
+          <p:cNvSpPr>
+            <a:spLocks noGrp="1"/>
+          </p:cNvSpPr>
+          <p:nvPr>
+            <p:ph type="sldNum" sz="quarter" idx="12"/>
+          </p:nvPr>
+        </p:nvSpPr>
+        <p:spPr/>
+        <p:txBody>
+          <a:bodyPr/>
+          <a:lstStyle/>
+          <a:p>
+            <a:fld id="{F3C09F5B-C591-49A2-9090-D775AF8A5EB6}" type="slidenum">
+              <a:rPr lang="zh-CN" altLang="en-US" smtClean="0"/>
+              <a:t>19</a:t>
+            </a:fld>
+            <a:endParaRPr lang="zh-CN" altLang="en-US"/>
+          </a:p>
+        </p:txBody>
+      </p:sp>
+      <p:pic>
+        <p:nvPicPr>
+          <p:cNvPr id="4" name="图片 3"/>
+          <p:cNvPicPr>
+            <a:picLocks noChangeAspect="1"/>
+          </p:cNvPicPr>
+          <p:nvPr/>
+        </p:nvPicPr>
+        <p:blipFill>
+          <a:blip r:embed="rId2"/>
+          <a:stretch>
+            <a:fillRect/>
+          </a:stretch>
+        </p:blipFill>
+        <p:spPr>
+          <a:xfrm>
+            <a:off x="695400" y="1268760"/>
+            <a:ext cx="9153525" cy="4981575"/>
+          </a:xfrm>
+          <a:prstGeom prst="rect">
+            <a:avLst/>
+          </a:prstGeom>
+        </p:spPr>
+      </p:pic>
+      <p:sp>
+        <p:nvSpPr>
+          <p:cNvPr id="5" name="文本框 4"/>
+          <p:cNvSpPr txBox="1"/>
+          <p:nvPr/>
+        </p:nvSpPr>
+        <p:spPr>
+          <a:xfrm>
+            <a:off x="727030" y="260648"/>
+            <a:ext cx="8105274" cy="830997"/>
+          </a:xfrm>
+          <a:prstGeom prst="rect">
+            <a:avLst/>
+          </a:prstGeom>
+          <a:noFill/>
+        </p:spPr>
+        <p:txBody>
+          <a:bodyPr wrap="square" rtlCol="0">
+            <a:spAutoFit/>
+            <a:scene3d>
+              <a:camera prst="orthographicFront"/>
+              <a:lightRig rig="threePt" dir="t"/>
+            </a:scene3d>
+            <a:sp3d contourW="12700"/>
+          </a:bodyPr>
+          <a:lstStyle>
+            <a:defPPr>
+              <a:defRPr lang="en-US"/>
+            </a:defPPr>
+            <a:lvl1pPr algn="ctr">
+              <a:defRPr sz="2800" b="1">
+                <a:solidFill>
+                  <a:schemeClr val="tx1">
+                    <a:lumMod val="75000"/>
+                    <a:lumOff val="25000"/>
+                  </a:schemeClr>
+                </a:solidFill>
+                <a:latin typeface="Century Gothic" panose="020B0502020202020204" pitchFamily="34" charset="0"/>
+              </a:defRPr>
+            </a:lvl1pPr>
+          </a:lstStyle>
+          <a:p>
+            <a:pPr algn="l"/>
+            <a:r>
+              <a:rPr lang="zh-CN" altLang="en-US" sz="2400" dirty="0" smtClean="0">
+                <a:solidFill>
+                  <a:schemeClr val="bg1"/>
+                </a:solidFill>
+                <a:latin typeface="微软雅黑" panose="020B0503020204020204" pitchFamily="34" charset="-122"/>
+                <a:ea typeface="微软雅黑" panose="020B0503020204020204" pitchFamily="34" charset="-122"/>
+              </a:rPr>
+              <a:t>浪潮</a:t>
+            </a:r>
+            <a:r>
+              <a:rPr lang="zh-CN" altLang="en-US" sz="2400" dirty="0" smtClean="0">
+                <a:solidFill>
+                  <a:schemeClr val="bg1"/>
+                </a:solidFill>
+                <a:latin typeface="微软雅黑" panose="020B0503020204020204" pitchFamily="34" charset="-122"/>
+                <a:ea typeface="微软雅黑" panose="020B0503020204020204" pitchFamily="34" charset="-122"/>
+              </a:rPr>
+              <a:t>云海</a:t>
+            </a:r>
+            <a:r>
+              <a:rPr lang="en-US" altLang="zh-CN" sz="2400" dirty="0" smtClean="0">
+                <a:solidFill>
+                  <a:schemeClr val="bg1"/>
+                </a:solidFill>
+                <a:latin typeface="微软雅黑" panose="020B0503020204020204" pitchFamily="34" charset="-122"/>
+                <a:ea typeface="微软雅黑" panose="020B0503020204020204" pitchFamily="34" charset="-122"/>
+              </a:rPr>
+              <a:t>·</a:t>
+            </a:r>
+            <a:r>
+              <a:rPr lang="en-US" altLang="zh-CN" sz="2400" dirty="0" err="1" smtClean="0">
+                <a:solidFill>
+                  <a:schemeClr val="bg1"/>
+                </a:solidFill>
+                <a:latin typeface="微软雅黑" panose="020B0503020204020204" pitchFamily="34" charset="-122"/>
+                <a:ea typeface="微软雅黑" panose="020B0503020204020204" pitchFamily="34" charset="-122"/>
+              </a:rPr>
+              <a:t>Alluxio</a:t>
+            </a:r>
+            <a:r>
+              <a:rPr lang="en-US" altLang="zh-CN" sz="2400" dirty="0" smtClean="0">
+                <a:solidFill>
+                  <a:schemeClr val="bg1"/>
+                </a:solidFill>
+                <a:latin typeface="微软雅黑" panose="020B0503020204020204" pitchFamily="34" charset="-122"/>
+                <a:ea typeface="微软雅黑" panose="020B0503020204020204" pitchFamily="34" charset="-122"/>
+              </a:rPr>
+              <a:t>-FUSE </a:t>
+            </a:r>
+            <a:r>
+              <a:rPr lang="zh-CN" altLang="en-US" sz="2400" dirty="0" smtClean="0">
+                <a:solidFill>
+                  <a:schemeClr val="bg1"/>
+                </a:solidFill>
+                <a:latin typeface="微软雅黑" panose="020B0503020204020204" pitchFamily="34" charset="-122"/>
+                <a:ea typeface="微软雅黑" panose="020B0503020204020204" pitchFamily="34" charset="-122"/>
+              </a:rPr>
+              <a:t>兼容性</a:t>
+            </a:r>
+            <a:endParaRPr lang="en-US" altLang="zh-CN" sz="2400" dirty="0">
+              <a:solidFill>
+                <a:schemeClr val="bg1"/>
+              </a:solidFill>
+              <a:latin typeface="微软雅黑" panose="020B0503020204020204" pitchFamily="34" charset="-122"/>
+              <a:ea typeface="微软雅黑" panose="020B0503020204020204" pitchFamily="34" charset="-122"/>
+            </a:endParaRPr>
+          </a:p>
+          <a:p>
+            <a:pPr algn="l"/>
+            <a:endParaRPr lang="zh-CN" altLang="en-US" sz="2400" dirty="0">
+              <a:solidFill>
+                <a:schemeClr val="bg1"/>
+              </a:solidFill>
+              <a:latin typeface="微软雅黑" panose="020B0503020204020204" pitchFamily="34" charset="-122"/>
+              <a:ea typeface="微软雅黑" panose="020B0503020204020204" pitchFamily="34" charset="-122"/>
+            </a:endParaRPr>
+          </a:p>
+        </p:txBody>
+      </p:sp>
+      <p:sp>
+        <p:nvSpPr>
+          <p:cNvPr id="6" name="任意多边形 38"/>
+          <p:cNvSpPr/>
+          <p:nvPr/>
+        </p:nvSpPr>
+        <p:spPr>
+          <a:xfrm>
+            <a:off x="565095" y="129684"/>
+            <a:ext cx="384759" cy="742802"/>
+          </a:xfrm>
+          <a:custGeom>
+            <a:avLst/>
+            <a:gdLst>
+              <a:gd name="connsiteX0" fmla="*/ 0 w 384775"/>
+              <a:gd name="connsiteY0" fmla="*/ 0 h 1014413"/>
+              <a:gd name="connsiteX1" fmla="*/ 384775 w 384775"/>
+              <a:gd name="connsiteY1" fmla="*/ 0 h 1014413"/>
+              <a:gd name="connsiteX2" fmla="*/ 384775 w 384775"/>
+              <a:gd name="connsiteY2" fmla="*/ 168608 h 1014413"/>
+              <a:gd name="connsiteX3" fmla="*/ 336678 w 384775"/>
+              <a:gd name="connsiteY3" fmla="*/ 168608 h 1014413"/>
+              <a:gd name="connsiteX4" fmla="*/ 336678 w 384775"/>
+              <a:gd name="connsiteY4" fmla="*/ 48097 h 1014413"/>
+              <a:gd name="connsiteX5" fmla="*/ 48097 w 384775"/>
+              <a:gd name="connsiteY5" fmla="*/ 48097 h 1014413"/>
+              <a:gd name="connsiteX6" fmla="*/ 48097 w 384775"/>
+              <a:gd name="connsiteY6" fmla="*/ 966316 h 1014413"/>
+              <a:gd name="connsiteX7" fmla="*/ 336678 w 384775"/>
+              <a:gd name="connsiteY7" fmla="*/ 966316 h 1014413"/>
+              <a:gd name="connsiteX8" fmla="*/ 336678 w 384775"/>
+              <a:gd name="connsiteY8" fmla="*/ 845804 h 1014413"/>
+              <a:gd name="connsiteX9" fmla="*/ 384775 w 384775"/>
+              <a:gd name="connsiteY9" fmla="*/ 845804 h 1014413"/>
+              <a:gd name="connsiteX10" fmla="*/ 384775 w 384775"/>
+              <a:gd name="connsiteY10" fmla="*/ 1014413 h 1014413"/>
+              <a:gd name="connsiteX11" fmla="*/ 0 w 384775"/>
+              <a:gd name="connsiteY11" fmla="*/ 1014413 h 1014413"/>
+            </a:gdLst>
+            <a:ahLst/>
+            <a:cxnLst>
+              <a:cxn ang="0">
+                <a:pos x="connsiteX0" y="connsiteY0"/>
+              </a:cxn>
+              <a:cxn ang="0">
+                <a:pos x="connsiteX1" y="connsiteY1"/>
+              </a:cxn>
+              <a:cxn ang="0">
+                <a:pos x="connsiteX2" y="connsiteY2"/>
+              </a:cxn>
+              <a:cxn ang="0">
+                <a:pos x="connsiteX3" y="connsiteY3"/>
+              </a:cxn>
+              <a:cxn ang="0">
+                <a:pos x="connsiteX4" y="connsiteY4"/>
+              </a:cxn>
+              <a:cxn ang="0">
+                <a:pos x="connsiteX5" y="connsiteY5"/>
+              </a:cxn>
+              <a:cxn ang="0">
+                <a:pos x="connsiteX6" y="connsiteY6"/>
+              </a:cxn>
+              <a:cxn ang="0">
+                <a:pos x="connsiteX7" y="connsiteY7"/>
+              </a:cxn>
+              <a:cxn ang="0">
+                <a:pos x="connsiteX8" y="connsiteY8"/>
+              </a:cxn>
+              <a:cxn ang="0">
+                <a:pos x="connsiteX9" y="connsiteY9"/>
+              </a:cxn>
+              <a:cxn ang="0">
+                <a:pos x="connsiteX10" y="connsiteY10"/>
+              </a:cxn>
+              <a:cxn ang="0">
+                <a:pos x="connsiteX11" y="connsiteY11"/>
+              </a:cxn>
+            </a:cxnLst>
+            <a:rect l="l" t="t" r="r" b="b"/>
+            <a:pathLst>
+              <a:path w="384775" h="1014413">
+                <a:moveTo>
+                  <a:pt x="0" y="0"/>
+                </a:moveTo>
+                <a:lnTo>
+                  <a:pt x="384775" y="0"/>
+                </a:lnTo>
+                <a:lnTo>
+                  <a:pt x="384775" y="168608"/>
+                </a:lnTo>
+                <a:lnTo>
+                  <a:pt x="336678" y="168608"/>
+                </a:lnTo>
+                <a:lnTo>
+                  <a:pt x="336678" y="48097"/>
+                </a:lnTo>
+                <a:lnTo>
+                  <a:pt x="48097" y="48097"/>
+                </a:lnTo>
+                <a:lnTo>
+                  <a:pt x="48097" y="966316"/>
+                </a:lnTo>
+                <a:lnTo>
+                  <a:pt x="336678" y="966316"/>
+                </a:lnTo>
+                <a:lnTo>
+                  <a:pt x="336678" y="845804"/>
+                </a:lnTo>
+                <a:lnTo>
+                  <a:pt x="384775" y="845804"/>
+                </a:lnTo>
+                <a:lnTo>
+                  <a:pt x="384775" y="1014413"/>
+                </a:lnTo>
+                <a:lnTo>
+                  <a:pt x="0" y="1014413"/>
+                </a:lnTo>
+                <a:close/>
+              </a:path>
+            </a:pathLst>
+          </a:custGeom>
+          <a:solidFill>
+            <a:srgbClr val="0070C0"/>
+          </a:solidFill>
+          <a:ln>
+            <a:noFill/>
+          </a:ln>
+        </p:spPr>
+        <p:style>
+          <a:lnRef idx="2">
+            <a:schemeClr val="accent1">
+              <a:shade val="50000"/>
+            </a:schemeClr>
+          </a:lnRef>
+          <a:fillRef idx="1">
+            <a:schemeClr val="accent1"/>
+          </a:fillRef>
+          <a:effectRef idx="0">
+            <a:schemeClr val="accent1"/>
+          </a:effectRef>
+          <a:fontRef idx="minor">
+            <a:schemeClr val="lt1"/>
+          </a:fontRef>
+        </p:style>
+        <p:txBody>
+          <a:bodyPr rtlCol="0" anchor="ctr"/>
+          <a:lstStyle/>
+          <a:p>
+            <a:pPr algn="ctr"/>
+            <a:endParaRPr lang="zh-CN" altLang="en-US" sz="6376" dirty="0">
+              <a:solidFill>
+                <a:schemeClr val="tx1"/>
+              </a:solidFill>
+              <a:ea typeface="微软雅黑" panose="020B0503020204020204" pitchFamily="34" charset="-122"/>
+            </a:endParaRPr>
+          </a:p>
+        </p:txBody>
+      </p:sp>
+    </p:spTree>
+    <p:extLst>
+      <p:ext uri="{BB962C8B-B14F-4D97-AF65-F5344CB8AC3E}">
+        <p14:creationId xmlns:p14="http://schemas.microsoft.com/office/powerpoint/2010/main" val="2867743486"/>
+      </p:ext>
+    </p:extLst>
+  </p:cSld>
+  <p:clrMapOvr>
+    <a:masterClrMapping/>
+  </p:clrMapOvr>
+  <p:timing>
+    <p:tnLst>
+      <p:par>
+        <p:cTn id="1" dur="indefinite" restart="never" nodeType="tmRoot"/>
+      </p:par>
+    </p:tnLst>
+  </p:timing>
+</p:sld>
+</file>
+
 <file path=ppt/slides/slide2.xml><?xml version="1.0" encoding="utf-8"?>
 <p:sld xmlns:a="http://schemas.openxmlformats.org/drawingml/2006/main" xmlns:r="http://schemas.openxmlformats.org/officeDocument/2006/relationships" xmlns:p="http://schemas.openxmlformats.org/presentationml/2006/main">
   <p:cSld>
@@ -6658,24 +9849,14 @@
               <a:buChar char="ü"/>
             </a:pPr>
             <a:r>
-              <a:rPr lang="zh-CN" altLang="en-US" sz="1695" kern="0" smtClean="0">
+              <a:rPr lang="zh-CN" altLang="en-US" sz="1695" kern="0" dirty="0" smtClean="0">
                 <a:solidFill>
                   <a:schemeClr val="bg1"/>
                 </a:solidFill>
                 <a:latin typeface="+mn-ea"/>
                 <a:cs typeface="华文中宋" panose="02010600040101010101" charset="-122"/>
               </a:rPr>
-              <a:t>数据存放到</a:t>
-            </a:r>
-            <a:r>
-              <a:rPr lang="zh-CN" altLang="en-US" sz="1695" kern="0" dirty="0" smtClean="0">
-                <a:solidFill>
-                  <a:schemeClr val="bg1"/>
-                </a:solidFill>
-                <a:latin typeface="+mn-ea"/>
-                <a:cs typeface="华文中宋" panose="02010600040101010101" charset="-122"/>
-              </a:rPr>
-              <a:t>内存中</a:t>
+              <a:t>数据存放到内存中</a:t>
             </a:r>
             <a:endParaRPr lang="en-US" altLang="zh-CN" sz="1695" kern="0" dirty="0" smtClean="0">
               <a:solidFill>
@@ -7141,6 +10322,2693 @@
         </p:txBody>
       </p:sp>
     </p:spTree>
+  </p:cSld>
+  <p:clrMapOvr>
+    <a:masterClrMapping/>
+  </p:clrMapOvr>
+  <p:timing>
+    <p:tnLst>
+      <p:par>
+        <p:cTn id="1" dur="indefinite" restart="never" nodeType="tmRoot"/>
+      </p:par>
+    </p:tnLst>
+  </p:timing>
+</p:sld>
+</file>
+
+<file path=ppt/slides/slide20.xml><?xml version="1.0" encoding="utf-8"?>
+<p:sld xmlns:a="http://schemas.openxmlformats.org/drawingml/2006/main" xmlns:r="http://schemas.openxmlformats.org/officeDocument/2006/relationships" xmlns:p="http://schemas.openxmlformats.org/presentationml/2006/main">
+  <p:cSld>
+    <p:spTree>
+      <p:nvGrpSpPr>
+        <p:cNvPr id="1" name=""/>
+        <p:cNvGrpSpPr/>
+        <p:nvPr/>
+      </p:nvGrpSpPr>
+      <p:grpSpPr>
+        <a:xfrm>
+          <a:off x="0" y="0"/>
+          <a:ext cx="0" cy="0"/>
+          <a:chOff x="0" y="0"/>
+          <a:chExt cx="0" cy="0"/>
+        </a:xfrm>
+      </p:grpSpPr>
+      <p:sp>
+        <p:nvSpPr>
+          <p:cNvPr id="2" name="日期占位符 1"/>
+          <p:cNvSpPr>
+            <a:spLocks noGrp="1"/>
+          </p:cNvSpPr>
+          <p:nvPr>
+            <p:ph type="dt" sz="half" idx="10"/>
+          </p:nvPr>
+        </p:nvSpPr>
+        <p:spPr/>
+        <p:txBody>
+          <a:bodyPr/>
+          <a:lstStyle/>
+          <a:p>
+            <a:fld id="{D6595D7F-4C8C-4A78-A4CF-02A79E21FDD8}" type="datetime1">
+              <a:rPr lang="zh-CN" altLang="en-US" smtClean="0"/>
+              <a:t>2021/1/20</a:t>
+            </a:fld>
+            <a:endParaRPr lang="zh-CN" altLang="en-US"/>
+          </a:p>
+        </p:txBody>
+      </p:sp>
+      <p:sp>
+        <p:nvSpPr>
+          <p:cNvPr id="3" name="灯片编号占位符 2"/>
+          <p:cNvSpPr>
+            <a:spLocks noGrp="1"/>
+          </p:cNvSpPr>
+          <p:nvPr>
+            <p:ph type="sldNum" sz="quarter" idx="12"/>
+          </p:nvPr>
+        </p:nvSpPr>
+        <p:spPr/>
+        <p:txBody>
+          <a:bodyPr/>
+          <a:lstStyle/>
+          <a:p>
+            <a:fld id="{F3C09F5B-C591-49A2-9090-D775AF8A5EB6}" type="slidenum">
+              <a:rPr lang="zh-CN" altLang="en-US" smtClean="0"/>
+              <a:t>20</a:t>
+            </a:fld>
+            <a:endParaRPr lang="zh-CN" altLang="en-US"/>
+          </a:p>
+        </p:txBody>
+      </p:sp>
+      <p:graphicFrame>
+        <p:nvGraphicFramePr>
+          <p:cNvPr id="4" name="表格 3"/>
+          <p:cNvGraphicFramePr>
+            <a:graphicFrameLocks noGrp="1"/>
+          </p:cNvGraphicFramePr>
+          <p:nvPr>
+            <p:extLst>
+              <p:ext uri="{D42A27DB-BD31-4B8C-83A1-F6EECF244321}">
+                <p14:modId xmlns:p14="http://schemas.microsoft.com/office/powerpoint/2010/main" val="3878700134"/>
+              </p:ext>
+            </p:extLst>
+          </p:nvPr>
+        </p:nvGraphicFramePr>
+        <p:xfrm>
+          <a:off x="565095" y="1035126"/>
+          <a:ext cx="11363553" cy="5291001"/>
+        </p:xfrm>
+        <a:graphic>
+          <a:graphicData uri="http://schemas.openxmlformats.org/drawingml/2006/table">
+            <a:tbl>
+              <a:tblPr/>
+              <a:tblGrid>
+                <a:gridCol w="3298657"/>
+                <a:gridCol w="1944216"/>
+                <a:gridCol w="6120680"/>
+              </a:tblGrid>
+              <a:tr h="307348">
+                <a:tc>
+                  <a:txBody>
+                    <a:bodyPr/>
+                    <a:lstStyle/>
+                    <a:p>
+                      <a:pPr algn="l" fontAlgn="t"/>
+                      <a:r>
+                        <a:rPr lang="en-US" sz="1600" b="1" dirty="0">
+                          <a:solidFill>
+                            <a:srgbClr val="DEDEDE"/>
+                          </a:solidFill>
+                          <a:effectLst/>
+                        </a:rPr>
+                        <a:t>Parameter</a:t>
+                      </a:r>
+                    </a:p>
+                  </a:txBody>
+                  <a:tcPr marL="84270" marR="84270" marT="42135" marB="42135">
+                    <a:lnL w="9525" cap="flat" cmpd="sng" algn="ctr">
+                      <a:solidFill>
+                        <a:srgbClr val="474D54"/>
+                      </a:solidFill>
+                      <a:prstDash val="solid"/>
+                      <a:round/>
+                      <a:headEnd type="none" w="med" len="med"/>
+                      <a:tailEnd type="none" w="med" len="med"/>
+                    </a:lnL>
+                    <a:lnR w="9525" cap="flat" cmpd="sng" algn="ctr">
+                      <a:solidFill>
+                        <a:srgbClr val="474D54"/>
+                      </a:solidFill>
+                      <a:prstDash val="solid"/>
+                      <a:round/>
+                      <a:headEnd type="none" w="med" len="med"/>
+                      <a:tailEnd type="none" w="med" len="med"/>
+                    </a:lnR>
+                    <a:lnT w="9525" cap="flat" cmpd="sng" algn="ctr">
+                      <a:solidFill>
+                        <a:srgbClr val="474D54"/>
+                      </a:solidFill>
+                      <a:prstDash val="solid"/>
+                      <a:round/>
+                      <a:headEnd type="none" w="med" len="med"/>
+                      <a:tailEnd type="none" w="med" len="med"/>
+                    </a:lnT>
+                    <a:lnB w="9525" cap="flat" cmpd="sng" algn="ctr">
+                      <a:solidFill>
+                        <a:srgbClr val="474D54"/>
+                      </a:solidFill>
+                      <a:prstDash val="solid"/>
+                      <a:round/>
+                      <a:headEnd type="none" w="med" len="med"/>
+                      <a:tailEnd type="none" w="med" len="med"/>
+                    </a:lnB>
+                    <a:solidFill>
+                      <a:srgbClr val="363B40"/>
+                    </a:solidFill>
+                  </a:tcPr>
+                </a:tc>
+                <a:tc>
+                  <a:txBody>
+                    <a:bodyPr/>
+                    <a:lstStyle/>
+                    <a:p>
+                      <a:pPr algn="ctr" fontAlgn="t"/>
+                      <a:r>
+                        <a:rPr lang="en-US" sz="1600" b="1">
+                          <a:solidFill>
+                            <a:srgbClr val="DEDEDE"/>
+                          </a:solidFill>
+                          <a:effectLst/>
+                        </a:rPr>
+                        <a:t>Default Value</a:t>
+                      </a:r>
+                    </a:p>
+                  </a:txBody>
+                  <a:tcPr marL="84270" marR="84270" marT="42135" marB="42135">
+                    <a:lnL w="9525" cap="flat" cmpd="sng" algn="ctr">
+                      <a:solidFill>
+                        <a:srgbClr val="474D54"/>
+                      </a:solidFill>
+                      <a:prstDash val="solid"/>
+                      <a:round/>
+                      <a:headEnd type="none" w="med" len="med"/>
+                      <a:tailEnd type="none" w="med" len="med"/>
+                    </a:lnL>
+                    <a:lnR w="9525" cap="flat" cmpd="sng" algn="ctr">
+                      <a:solidFill>
+                        <a:srgbClr val="474D54"/>
+                      </a:solidFill>
+                      <a:prstDash val="solid"/>
+                      <a:round/>
+                      <a:headEnd type="none" w="med" len="med"/>
+                      <a:tailEnd type="none" w="med" len="med"/>
+                    </a:lnR>
+                    <a:lnT w="9525" cap="flat" cmpd="sng" algn="ctr">
+                      <a:solidFill>
+                        <a:srgbClr val="474D54"/>
+                      </a:solidFill>
+                      <a:prstDash val="solid"/>
+                      <a:round/>
+                      <a:headEnd type="none" w="med" len="med"/>
+                      <a:tailEnd type="none" w="med" len="med"/>
+                    </a:lnT>
+                    <a:lnB w="9525" cap="flat" cmpd="sng" algn="ctr">
+                      <a:solidFill>
+                        <a:srgbClr val="474D54"/>
+                      </a:solidFill>
+                      <a:prstDash val="solid"/>
+                      <a:round/>
+                      <a:headEnd type="none" w="med" len="med"/>
+                      <a:tailEnd type="none" w="med" len="med"/>
+                    </a:lnB>
+                    <a:solidFill>
+                      <a:srgbClr val="363B40"/>
+                    </a:solidFill>
+                  </a:tcPr>
+                </a:tc>
+                <a:tc>
+                  <a:txBody>
+                    <a:bodyPr/>
+                    <a:lstStyle/>
+                    <a:p>
+                      <a:pPr algn="ctr" fontAlgn="t"/>
+                      <a:r>
+                        <a:rPr lang="en-US" sz="1600" b="1" dirty="0">
+                          <a:solidFill>
+                            <a:srgbClr val="DEDEDE"/>
+                          </a:solidFill>
+                          <a:effectLst/>
+                        </a:rPr>
+                        <a:t>Description</a:t>
+                      </a:r>
+                    </a:p>
+                  </a:txBody>
+                  <a:tcPr marL="84270" marR="84270" marT="42135" marB="42135">
+                    <a:lnL w="9525" cap="flat" cmpd="sng" algn="ctr">
+                      <a:solidFill>
+                        <a:srgbClr val="474D54"/>
+                      </a:solidFill>
+                      <a:prstDash val="solid"/>
+                      <a:round/>
+                      <a:headEnd type="none" w="med" len="med"/>
+                      <a:tailEnd type="none" w="med" len="med"/>
+                    </a:lnL>
+                    <a:lnR w="9525" cap="flat" cmpd="sng" algn="ctr">
+                      <a:solidFill>
+                        <a:srgbClr val="474D54"/>
+                      </a:solidFill>
+                      <a:prstDash val="solid"/>
+                      <a:round/>
+                      <a:headEnd type="none" w="med" len="med"/>
+                      <a:tailEnd type="none" w="med" len="med"/>
+                    </a:lnR>
+                    <a:lnT w="9525" cap="flat" cmpd="sng" algn="ctr">
+                      <a:solidFill>
+                        <a:srgbClr val="474D54"/>
+                      </a:solidFill>
+                      <a:prstDash val="solid"/>
+                      <a:round/>
+                      <a:headEnd type="none" w="med" len="med"/>
+                      <a:tailEnd type="none" w="med" len="med"/>
+                    </a:lnT>
+                    <a:lnB w="9525" cap="flat" cmpd="sng" algn="ctr">
+                      <a:solidFill>
+                        <a:srgbClr val="474D54"/>
+                      </a:solidFill>
+                      <a:prstDash val="solid"/>
+                      <a:round/>
+                      <a:headEnd type="none" w="med" len="med"/>
+                      <a:tailEnd type="none" w="med" len="med"/>
+                    </a:lnB>
+                    <a:solidFill>
+                      <a:srgbClr val="363B40"/>
+                    </a:solidFill>
+                  </a:tcPr>
+                </a:tc>
+              </a:tr>
+              <a:tr h="535758">
+                <a:tc>
+                  <a:txBody>
+                    <a:bodyPr/>
+                    <a:lstStyle/>
+                    <a:p>
+                      <a:pPr algn="l" fontAlgn="t"/>
+                      <a:r>
+                        <a:rPr lang="en-US" sz="1600">
+                          <a:effectLst/>
+                        </a:rPr>
+                        <a:t>alluxio.fuse.cachedpaths.max</a:t>
+                      </a:r>
+                    </a:p>
+                  </a:txBody>
+                  <a:tcPr marL="84270" marR="84270" marT="42135" marB="42135">
+                    <a:lnL w="9525" cap="flat" cmpd="sng" algn="ctr">
+                      <a:solidFill>
+                        <a:srgbClr val="474D54"/>
+                      </a:solidFill>
+                      <a:prstDash val="solid"/>
+                      <a:round/>
+                      <a:headEnd type="none" w="med" len="med"/>
+                      <a:tailEnd type="none" w="med" len="med"/>
+                    </a:lnL>
+                    <a:lnR w="9525" cap="flat" cmpd="sng" algn="ctr">
+                      <a:solidFill>
+                        <a:srgbClr val="474D54"/>
+                      </a:solidFill>
+                      <a:prstDash val="solid"/>
+                      <a:round/>
+                      <a:headEnd type="none" w="med" len="med"/>
+                      <a:tailEnd type="none" w="med" len="med"/>
+                    </a:lnR>
+                    <a:lnT w="9525" cap="flat" cmpd="sng" algn="ctr">
+                      <a:solidFill>
+                        <a:srgbClr val="474D54"/>
+                      </a:solidFill>
+                      <a:prstDash val="solid"/>
+                      <a:round/>
+                      <a:headEnd type="none" w="med" len="med"/>
+                      <a:tailEnd type="none" w="med" len="med"/>
+                    </a:lnT>
+                    <a:lnB w="9525" cap="flat" cmpd="sng" algn="ctr">
+                      <a:solidFill>
+                        <a:srgbClr val="474D54"/>
+                      </a:solidFill>
+                      <a:prstDash val="solid"/>
+                      <a:round/>
+                      <a:headEnd type="none" w="med" len="med"/>
+                      <a:tailEnd type="none" w="med" len="med"/>
+                    </a:lnB>
+                    <a:solidFill>
+                      <a:srgbClr val="363B40"/>
+                    </a:solidFill>
+                  </a:tcPr>
+                </a:tc>
+                <a:tc>
+                  <a:txBody>
+                    <a:bodyPr/>
+                    <a:lstStyle/>
+                    <a:p>
+                      <a:pPr algn="ctr" fontAlgn="t"/>
+                      <a:r>
+                        <a:rPr lang="en-US" altLang="zh-CN" sz="1600" dirty="0">
+                          <a:effectLst/>
+                        </a:rPr>
+                        <a:t>500</a:t>
+                      </a:r>
+                    </a:p>
+                  </a:txBody>
+                  <a:tcPr marL="84270" marR="84270" marT="42135" marB="42135">
+                    <a:lnL w="9525" cap="flat" cmpd="sng" algn="ctr">
+                      <a:solidFill>
+                        <a:srgbClr val="474D54"/>
+                      </a:solidFill>
+                      <a:prstDash val="solid"/>
+                      <a:round/>
+                      <a:headEnd type="none" w="med" len="med"/>
+                      <a:tailEnd type="none" w="med" len="med"/>
+                    </a:lnL>
+                    <a:lnR w="9525" cap="flat" cmpd="sng" algn="ctr">
+                      <a:solidFill>
+                        <a:srgbClr val="474D54"/>
+                      </a:solidFill>
+                      <a:prstDash val="solid"/>
+                      <a:round/>
+                      <a:headEnd type="none" w="med" len="med"/>
+                      <a:tailEnd type="none" w="med" len="med"/>
+                    </a:lnR>
+                    <a:lnT w="9525" cap="flat" cmpd="sng" algn="ctr">
+                      <a:solidFill>
+                        <a:srgbClr val="474D54"/>
+                      </a:solidFill>
+                      <a:prstDash val="solid"/>
+                      <a:round/>
+                      <a:headEnd type="none" w="med" len="med"/>
+                      <a:tailEnd type="none" w="med" len="med"/>
+                    </a:lnT>
+                    <a:lnB w="9525" cap="flat" cmpd="sng" algn="ctr">
+                      <a:solidFill>
+                        <a:srgbClr val="474D54"/>
+                      </a:solidFill>
+                      <a:prstDash val="solid"/>
+                      <a:round/>
+                      <a:headEnd type="none" w="med" len="med"/>
+                      <a:tailEnd type="none" w="med" len="med"/>
+                    </a:lnB>
+                    <a:solidFill>
+                      <a:srgbClr val="363B40"/>
+                    </a:solidFill>
+                  </a:tcPr>
+                </a:tc>
+                <a:tc>
+                  <a:txBody>
+                    <a:bodyPr/>
+                    <a:lstStyle/>
+                    <a:p>
+                      <a:pPr algn="ctr" fontAlgn="t"/>
+                      <a:endParaRPr lang="zh-CN" altLang="en-US" sz="1600" dirty="0">
+                        <a:effectLst/>
+                      </a:endParaRPr>
+                    </a:p>
+                  </a:txBody>
+                  <a:tcPr marL="84270" marR="84270" marT="42135" marB="42135">
+                    <a:lnL w="9525" cap="flat" cmpd="sng" algn="ctr">
+                      <a:solidFill>
+                        <a:srgbClr val="474D54"/>
+                      </a:solidFill>
+                      <a:prstDash val="solid"/>
+                      <a:round/>
+                      <a:headEnd type="none" w="med" len="med"/>
+                      <a:tailEnd type="none" w="med" len="med"/>
+                    </a:lnL>
+                    <a:lnR w="9525" cap="flat" cmpd="sng" algn="ctr">
+                      <a:solidFill>
+                        <a:srgbClr val="474D54"/>
+                      </a:solidFill>
+                      <a:prstDash val="solid"/>
+                      <a:round/>
+                      <a:headEnd type="none" w="med" len="med"/>
+                      <a:tailEnd type="none" w="med" len="med"/>
+                    </a:lnR>
+                    <a:lnT w="9525" cap="flat" cmpd="sng" algn="ctr">
+                      <a:solidFill>
+                        <a:srgbClr val="474D54"/>
+                      </a:solidFill>
+                      <a:prstDash val="solid"/>
+                      <a:round/>
+                      <a:headEnd type="none" w="med" len="med"/>
+                      <a:tailEnd type="none" w="med" len="med"/>
+                    </a:lnT>
+                    <a:lnB w="9525" cap="flat" cmpd="sng" algn="ctr">
+                      <a:solidFill>
+                        <a:srgbClr val="474D54"/>
+                      </a:solidFill>
+                      <a:prstDash val="solid"/>
+                      <a:round/>
+                      <a:headEnd type="none" w="med" len="med"/>
+                      <a:tailEnd type="none" w="med" len="med"/>
+                    </a:lnB>
+                    <a:solidFill>
+                      <a:srgbClr val="363B40"/>
+                    </a:solidFill>
+                  </a:tcPr>
+                </a:tc>
+              </a:tr>
+              <a:tr h="992578">
+                <a:tc>
+                  <a:txBody>
+                    <a:bodyPr/>
+                    <a:lstStyle/>
+                    <a:p>
+                      <a:pPr algn="l" fontAlgn="t"/>
+                      <a:r>
+                        <a:rPr lang="en-US" sz="1600" dirty="0" err="1">
+                          <a:effectLst/>
+                        </a:rPr>
+                        <a:t>alluxio.fuse.debug.enabled</a:t>
+                      </a:r>
+                      <a:endParaRPr lang="en-US" sz="1600" dirty="0">
+                        <a:effectLst/>
+                      </a:endParaRPr>
+                    </a:p>
+                  </a:txBody>
+                  <a:tcPr marL="84270" marR="84270" marT="42135" marB="42135">
+                    <a:lnL w="9525" cap="flat" cmpd="sng" algn="ctr">
+                      <a:solidFill>
+                        <a:srgbClr val="474D54"/>
+                      </a:solidFill>
+                      <a:prstDash val="solid"/>
+                      <a:round/>
+                      <a:headEnd type="none" w="med" len="med"/>
+                      <a:tailEnd type="none" w="med" len="med"/>
+                    </a:lnL>
+                    <a:lnR w="9525" cap="flat" cmpd="sng" algn="ctr">
+                      <a:solidFill>
+                        <a:srgbClr val="474D54"/>
+                      </a:solidFill>
+                      <a:prstDash val="solid"/>
+                      <a:round/>
+                      <a:headEnd type="none" w="med" len="med"/>
+                      <a:tailEnd type="none" w="med" len="med"/>
+                    </a:lnR>
+                    <a:lnT w="9525" cap="flat" cmpd="sng" algn="ctr">
+                      <a:solidFill>
+                        <a:srgbClr val="474D54"/>
+                      </a:solidFill>
+                      <a:prstDash val="solid"/>
+                      <a:round/>
+                      <a:headEnd type="none" w="med" len="med"/>
+                      <a:tailEnd type="none" w="med" len="med"/>
+                    </a:lnT>
+                    <a:lnB w="9525" cap="flat" cmpd="sng" algn="ctr">
+                      <a:solidFill>
+                        <a:srgbClr val="474D54"/>
+                      </a:solidFill>
+                      <a:prstDash val="solid"/>
+                      <a:round/>
+                      <a:headEnd type="none" w="med" len="med"/>
+                      <a:tailEnd type="none" w="med" len="med"/>
+                    </a:lnB>
+                    <a:solidFill>
+                      <a:srgbClr val="363B40"/>
+                    </a:solidFill>
+                  </a:tcPr>
+                </a:tc>
+                <a:tc>
+                  <a:txBody>
+                    <a:bodyPr/>
+                    <a:lstStyle/>
+                    <a:p>
+                      <a:pPr algn="ctr" fontAlgn="t"/>
+                      <a:r>
+                        <a:rPr lang="en-US" sz="1600" dirty="0">
+                          <a:effectLst/>
+                        </a:rPr>
+                        <a:t>false</a:t>
+                      </a:r>
+                    </a:p>
+                  </a:txBody>
+                  <a:tcPr marL="84270" marR="84270" marT="42135" marB="42135">
+                    <a:lnL w="9525" cap="flat" cmpd="sng" algn="ctr">
+                      <a:solidFill>
+                        <a:srgbClr val="474D54"/>
+                      </a:solidFill>
+                      <a:prstDash val="solid"/>
+                      <a:round/>
+                      <a:headEnd type="none" w="med" len="med"/>
+                      <a:tailEnd type="none" w="med" len="med"/>
+                    </a:lnL>
+                    <a:lnR w="9525" cap="flat" cmpd="sng" algn="ctr">
+                      <a:solidFill>
+                        <a:srgbClr val="474D54"/>
+                      </a:solidFill>
+                      <a:prstDash val="solid"/>
+                      <a:round/>
+                      <a:headEnd type="none" w="med" len="med"/>
+                      <a:tailEnd type="none" w="med" len="med"/>
+                    </a:lnR>
+                    <a:lnT w="9525" cap="flat" cmpd="sng" algn="ctr">
+                      <a:solidFill>
+                        <a:srgbClr val="474D54"/>
+                      </a:solidFill>
+                      <a:prstDash val="solid"/>
+                      <a:round/>
+                      <a:headEnd type="none" w="med" len="med"/>
+                      <a:tailEnd type="none" w="med" len="med"/>
+                    </a:lnT>
+                    <a:lnB w="9525" cap="flat" cmpd="sng" algn="ctr">
+                      <a:solidFill>
+                        <a:srgbClr val="474D54"/>
+                      </a:solidFill>
+                      <a:prstDash val="solid"/>
+                      <a:round/>
+                      <a:headEnd type="none" w="med" len="med"/>
+                      <a:tailEnd type="none" w="med" len="med"/>
+                    </a:lnB>
+                    <a:solidFill>
+                      <a:srgbClr val="363B40"/>
+                    </a:solidFill>
+                  </a:tcPr>
+                </a:tc>
+                <a:tc>
+                  <a:txBody>
+                    <a:bodyPr/>
+                    <a:lstStyle/>
+                    <a:p>
+                      <a:pPr algn="l" fontAlgn="t"/>
+                      <a:r>
+                        <a:rPr lang="zh-CN" altLang="en-US" sz="1600" dirty="0">
+                          <a:effectLst/>
+                        </a:rPr>
+                        <a:t>启用</a:t>
+                      </a:r>
+                      <a:r>
+                        <a:rPr lang="en-US" altLang="zh-CN" sz="1600" dirty="0">
+                          <a:effectLst/>
+                        </a:rPr>
+                        <a:t>FUSE</a:t>
+                      </a:r>
+                      <a:r>
+                        <a:rPr lang="zh-CN" altLang="en-US" sz="1600" dirty="0">
+                          <a:effectLst/>
+                        </a:rPr>
+                        <a:t>调试输出。该输出将重定向到</a:t>
+                      </a:r>
+                      <a:r>
+                        <a:rPr lang="en-US" altLang="zh-CN" sz="1600" dirty="0" err="1">
+                          <a:effectLst/>
+                        </a:rPr>
+                        <a:t>alluxio.logs.dir</a:t>
+                      </a:r>
+                      <a:r>
+                        <a:rPr lang="zh-CN" altLang="en-US" sz="1600" dirty="0">
+                          <a:effectLst/>
+                        </a:rPr>
+                        <a:t>内部的</a:t>
+                      </a:r>
+                      <a:r>
+                        <a:rPr lang="en-US" altLang="zh-CN" sz="1600" dirty="0" err="1">
+                          <a:effectLst/>
+                        </a:rPr>
+                        <a:t>fuse.out</a:t>
+                      </a:r>
+                      <a:r>
+                        <a:rPr lang="zh-CN" altLang="en-US" sz="1600" dirty="0">
+                          <a:effectLst/>
+                        </a:rPr>
+                        <a:t>日志文件中。</a:t>
+                      </a:r>
+                    </a:p>
+                  </a:txBody>
+                  <a:tcPr marL="84270" marR="84270" marT="42135" marB="42135">
+                    <a:lnL w="9525" cap="flat" cmpd="sng" algn="ctr">
+                      <a:solidFill>
+                        <a:srgbClr val="474D54"/>
+                      </a:solidFill>
+                      <a:prstDash val="solid"/>
+                      <a:round/>
+                      <a:headEnd type="none" w="med" len="med"/>
+                      <a:tailEnd type="none" w="med" len="med"/>
+                    </a:lnL>
+                    <a:lnR w="9525" cap="flat" cmpd="sng" algn="ctr">
+                      <a:solidFill>
+                        <a:srgbClr val="474D54"/>
+                      </a:solidFill>
+                      <a:prstDash val="solid"/>
+                      <a:round/>
+                      <a:headEnd type="none" w="med" len="med"/>
+                      <a:tailEnd type="none" w="med" len="med"/>
+                    </a:lnR>
+                    <a:lnT w="9525" cap="flat" cmpd="sng" algn="ctr">
+                      <a:solidFill>
+                        <a:srgbClr val="474D54"/>
+                      </a:solidFill>
+                      <a:prstDash val="solid"/>
+                      <a:round/>
+                      <a:headEnd type="none" w="med" len="med"/>
+                      <a:tailEnd type="none" w="med" len="med"/>
+                    </a:lnT>
+                    <a:lnB w="9525" cap="flat" cmpd="sng" algn="ctr">
+                      <a:solidFill>
+                        <a:srgbClr val="474D54"/>
+                      </a:solidFill>
+                      <a:prstDash val="solid"/>
+                      <a:round/>
+                      <a:headEnd type="none" w="med" len="med"/>
+                      <a:tailEnd type="none" w="med" len="med"/>
+                    </a:lnB>
+                    <a:solidFill>
+                      <a:srgbClr val="363B40"/>
+                    </a:solidFill>
+                  </a:tcPr>
+                </a:tc>
+              </a:tr>
+              <a:tr h="535758">
+                <a:tc>
+                  <a:txBody>
+                    <a:bodyPr/>
+                    <a:lstStyle/>
+                    <a:p>
+                      <a:pPr algn="l" fontAlgn="t"/>
+                      <a:r>
+                        <a:rPr lang="en-US" sz="1600">
+                          <a:effectLst/>
+                        </a:rPr>
+                        <a:t>alluxio.fuse.fs.name</a:t>
+                      </a:r>
+                    </a:p>
+                  </a:txBody>
+                  <a:tcPr marL="84270" marR="84270" marT="42135" marB="42135">
+                    <a:lnL w="9525" cap="flat" cmpd="sng" algn="ctr">
+                      <a:solidFill>
+                        <a:srgbClr val="474D54"/>
+                      </a:solidFill>
+                      <a:prstDash val="solid"/>
+                      <a:round/>
+                      <a:headEnd type="none" w="med" len="med"/>
+                      <a:tailEnd type="none" w="med" len="med"/>
+                    </a:lnL>
+                    <a:lnR w="9525" cap="flat" cmpd="sng" algn="ctr">
+                      <a:solidFill>
+                        <a:srgbClr val="474D54"/>
+                      </a:solidFill>
+                      <a:prstDash val="solid"/>
+                      <a:round/>
+                      <a:headEnd type="none" w="med" len="med"/>
+                      <a:tailEnd type="none" w="med" len="med"/>
+                    </a:lnR>
+                    <a:lnT w="9525" cap="flat" cmpd="sng" algn="ctr">
+                      <a:solidFill>
+                        <a:srgbClr val="474D54"/>
+                      </a:solidFill>
+                      <a:prstDash val="solid"/>
+                      <a:round/>
+                      <a:headEnd type="none" w="med" len="med"/>
+                      <a:tailEnd type="none" w="med" len="med"/>
+                    </a:lnT>
+                    <a:lnB w="9525" cap="flat" cmpd="sng" algn="ctr">
+                      <a:solidFill>
+                        <a:srgbClr val="474D54"/>
+                      </a:solidFill>
+                      <a:prstDash val="solid"/>
+                      <a:round/>
+                      <a:headEnd type="none" w="med" len="med"/>
+                      <a:tailEnd type="none" w="med" len="med"/>
+                    </a:lnB>
+                    <a:solidFill>
+                      <a:srgbClr val="363B40"/>
+                    </a:solidFill>
+                  </a:tcPr>
+                </a:tc>
+                <a:tc>
+                  <a:txBody>
+                    <a:bodyPr/>
+                    <a:lstStyle/>
+                    <a:p>
+                      <a:pPr algn="ctr" fontAlgn="t"/>
+                      <a:r>
+                        <a:rPr lang="en-US" sz="1600">
+                          <a:effectLst/>
+                        </a:rPr>
+                        <a:t>alluxio-fuse</a:t>
+                      </a:r>
+                    </a:p>
+                  </a:txBody>
+                  <a:tcPr marL="84270" marR="84270" marT="42135" marB="42135">
+                    <a:lnL w="9525" cap="flat" cmpd="sng" algn="ctr">
+                      <a:solidFill>
+                        <a:srgbClr val="474D54"/>
+                      </a:solidFill>
+                      <a:prstDash val="solid"/>
+                      <a:round/>
+                      <a:headEnd type="none" w="med" len="med"/>
+                      <a:tailEnd type="none" w="med" len="med"/>
+                    </a:lnL>
+                    <a:lnR w="9525" cap="flat" cmpd="sng" algn="ctr">
+                      <a:solidFill>
+                        <a:srgbClr val="474D54"/>
+                      </a:solidFill>
+                      <a:prstDash val="solid"/>
+                      <a:round/>
+                      <a:headEnd type="none" w="med" len="med"/>
+                      <a:tailEnd type="none" w="med" len="med"/>
+                    </a:lnR>
+                    <a:lnT w="9525" cap="flat" cmpd="sng" algn="ctr">
+                      <a:solidFill>
+                        <a:srgbClr val="474D54"/>
+                      </a:solidFill>
+                      <a:prstDash val="solid"/>
+                      <a:round/>
+                      <a:headEnd type="none" w="med" len="med"/>
+                      <a:tailEnd type="none" w="med" len="med"/>
+                    </a:lnT>
+                    <a:lnB w="9525" cap="flat" cmpd="sng" algn="ctr">
+                      <a:solidFill>
+                        <a:srgbClr val="474D54"/>
+                      </a:solidFill>
+                      <a:prstDash val="solid"/>
+                      <a:round/>
+                      <a:headEnd type="none" w="med" len="med"/>
+                      <a:tailEnd type="none" w="med" len="med"/>
+                    </a:lnB>
+                    <a:solidFill>
+                      <a:srgbClr val="363B40"/>
+                    </a:solidFill>
+                  </a:tcPr>
+                </a:tc>
+                <a:tc>
+                  <a:txBody>
+                    <a:bodyPr/>
+                    <a:lstStyle/>
+                    <a:p>
+                      <a:pPr algn="l" fontAlgn="t"/>
+                      <a:r>
+                        <a:rPr lang="en-US" altLang="zh-CN" sz="1600" dirty="0">
+                          <a:effectLst/>
+                        </a:rPr>
+                        <a:t>FUSE</a:t>
+                      </a:r>
+                      <a:r>
+                        <a:rPr lang="zh-CN" altLang="en-US" sz="1600" dirty="0">
+                          <a:effectLst/>
+                        </a:rPr>
+                        <a:t>用来挂载文件系统的描述性名称。</a:t>
+                      </a:r>
+                    </a:p>
+                  </a:txBody>
+                  <a:tcPr marL="84270" marR="84270" marT="42135" marB="42135">
+                    <a:lnL w="9525" cap="flat" cmpd="sng" algn="ctr">
+                      <a:solidFill>
+                        <a:srgbClr val="474D54"/>
+                      </a:solidFill>
+                      <a:prstDash val="solid"/>
+                      <a:round/>
+                      <a:headEnd type="none" w="med" len="med"/>
+                      <a:tailEnd type="none" w="med" len="med"/>
+                    </a:lnL>
+                    <a:lnR w="9525" cap="flat" cmpd="sng" algn="ctr">
+                      <a:solidFill>
+                        <a:srgbClr val="474D54"/>
+                      </a:solidFill>
+                      <a:prstDash val="solid"/>
+                      <a:round/>
+                      <a:headEnd type="none" w="med" len="med"/>
+                      <a:tailEnd type="none" w="med" len="med"/>
+                    </a:lnR>
+                    <a:lnT w="9525" cap="flat" cmpd="sng" algn="ctr">
+                      <a:solidFill>
+                        <a:srgbClr val="474D54"/>
+                      </a:solidFill>
+                      <a:prstDash val="solid"/>
+                      <a:round/>
+                      <a:headEnd type="none" w="med" len="med"/>
+                      <a:tailEnd type="none" w="med" len="med"/>
+                    </a:lnT>
+                    <a:lnB w="9525" cap="flat" cmpd="sng" algn="ctr">
+                      <a:solidFill>
+                        <a:srgbClr val="474D54"/>
+                      </a:solidFill>
+                      <a:prstDash val="solid"/>
+                      <a:round/>
+                      <a:headEnd type="none" w="med" len="med"/>
+                      <a:tailEnd type="none" w="med" len="med"/>
+                    </a:lnB>
+                    <a:solidFill>
+                      <a:srgbClr val="363B40"/>
+                    </a:solidFill>
+                  </a:tcPr>
+                </a:tc>
+              </a:tr>
+              <a:tr h="992578">
+                <a:tc>
+                  <a:txBody>
+                    <a:bodyPr/>
+                    <a:lstStyle/>
+                    <a:p>
+                      <a:pPr algn="l" fontAlgn="t"/>
+                      <a:r>
+                        <a:rPr lang="en-US" sz="1600">
+                          <a:effectLst/>
+                        </a:rPr>
+                        <a:t>alluxio.fuse.maxwrite.bytes</a:t>
+                      </a:r>
+                    </a:p>
+                  </a:txBody>
+                  <a:tcPr marL="84270" marR="84270" marT="42135" marB="42135">
+                    <a:lnL w="9525" cap="flat" cmpd="sng" algn="ctr">
+                      <a:solidFill>
+                        <a:srgbClr val="474D54"/>
+                      </a:solidFill>
+                      <a:prstDash val="solid"/>
+                      <a:round/>
+                      <a:headEnd type="none" w="med" len="med"/>
+                      <a:tailEnd type="none" w="med" len="med"/>
+                    </a:lnL>
+                    <a:lnR w="9525" cap="flat" cmpd="sng" algn="ctr">
+                      <a:solidFill>
+                        <a:srgbClr val="474D54"/>
+                      </a:solidFill>
+                      <a:prstDash val="solid"/>
+                      <a:round/>
+                      <a:headEnd type="none" w="med" len="med"/>
+                      <a:tailEnd type="none" w="med" len="med"/>
+                    </a:lnR>
+                    <a:lnT w="9525" cap="flat" cmpd="sng" algn="ctr">
+                      <a:solidFill>
+                        <a:srgbClr val="474D54"/>
+                      </a:solidFill>
+                      <a:prstDash val="solid"/>
+                      <a:round/>
+                      <a:headEnd type="none" w="med" len="med"/>
+                      <a:tailEnd type="none" w="med" len="med"/>
+                    </a:lnT>
+                    <a:lnB w="9525" cap="flat" cmpd="sng" algn="ctr">
+                      <a:solidFill>
+                        <a:srgbClr val="474D54"/>
+                      </a:solidFill>
+                      <a:prstDash val="solid"/>
+                      <a:round/>
+                      <a:headEnd type="none" w="med" len="med"/>
+                      <a:tailEnd type="none" w="med" len="med"/>
+                    </a:lnB>
+                    <a:solidFill>
+                      <a:srgbClr val="363B40"/>
+                    </a:solidFill>
+                  </a:tcPr>
+                </a:tc>
+                <a:tc>
+                  <a:txBody>
+                    <a:bodyPr/>
+                    <a:lstStyle/>
+                    <a:p>
+                      <a:pPr algn="ctr" fontAlgn="t"/>
+                      <a:r>
+                        <a:rPr lang="en-US" altLang="zh-CN" sz="1600">
+                          <a:effectLst/>
+                        </a:rPr>
+                        <a:t>131072</a:t>
+                      </a:r>
+                    </a:p>
+                  </a:txBody>
+                  <a:tcPr marL="84270" marR="84270" marT="42135" marB="42135">
+                    <a:lnL w="9525" cap="flat" cmpd="sng" algn="ctr">
+                      <a:solidFill>
+                        <a:srgbClr val="474D54"/>
+                      </a:solidFill>
+                      <a:prstDash val="solid"/>
+                      <a:round/>
+                      <a:headEnd type="none" w="med" len="med"/>
+                      <a:tailEnd type="none" w="med" len="med"/>
+                    </a:lnL>
+                    <a:lnR w="9525" cap="flat" cmpd="sng" algn="ctr">
+                      <a:solidFill>
+                        <a:srgbClr val="474D54"/>
+                      </a:solidFill>
+                      <a:prstDash val="solid"/>
+                      <a:round/>
+                      <a:headEnd type="none" w="med" len="med"/>
+                      <a:tailEnd type="none" w="med" len="med"/>
+                    </a:lnR>
+                    <a:lnT w="9525" cap="flat" cmpd="sng" algn="ctr">
+                      <a:solidFill>
+                        <a:srgbClr val="474D54"/>
+                      </a:solidFill>
+                      <a:prstDash val="solid"/>
+                      <a:round/>
+                      <a:headEnd type="none" w="med" len="med"/>
+                      <a:tailEnd type="none" w="med" len="med"/>
+                    </a:lnT>
+                    <a:lnB w="9525" cap="flat" cmpd="sng" algn="ctr">
+                      <a:solidFill>
+                        <a:srgbClr val="474D54"/>
+                      </a:solidFill>
+                      <a:prstDash val="solid"/>
+                      <a:round/>
+                      <a:headEnd type="none" w="med" len="med"/>
+                      <a:tailEnd type="none" w="med" len="med"/>
+                    </a:lnB>
+                    <a:solidFill>
+                      <a:srgbClr val="363B40"/>
+                    </a:solidFill>
+                  </a:tcPr>
+                </a:tc>
+                <a:tc>
+                  <a:txBody>
+                    <a:bodyPr/>
+                    <a:lstStyle/>
+                    <a:p>
+                      <a:pPr algn="l" fontAlgn="t"/>
+                      <a:r>
+                        <a:rPr lang="en-US" altLang="zh-CN" sz="1600" dirty="0">
+                          <a:effectLst/>
+                        </a:rPr>
+                        <a:t>FUSE</a:t>
+                      </a:r>
+                      <a:r>
+                        <a:rPr lang="zh-CN" altLang="en-US" sz="1600" dirty="0">
+                          <a:effectLst/>
+                        </a:rPr>
+                        <a:t>写入调用的所需粒度（以字节为单位）。请注意，</a:t>
+                      </a:r>
+                      <a:r>
+                        <a:rPr lang="en-US" altLang="zh-CN" sz="1600" dirty="0">
+                          <a:effectLst/>
+                        </a:rPr>
+                        <a:t>128K</a:t>
+                      </a:r>
+                      <a:r>
+                        <a:rPr lang="zh-CN" altLang="en-US" sz="1600" dirty="0">
+                          <a:effectLst/>
+                        </a:rPr>
+                        <a:t>当前是</a:t>
+                      </a:r>
+                      <a:r>
+                        <a:rPr lang="en-US" altLang="zh-CN" sz="1600" dirty="0">
+                          <a:effectLst/>
+                        </a:rPr>
+                        <a:t>Linux</a:t>
+                      </a:r>
+                      <a:r>
+                        <a:rPr lang="zh-CN" altLang="en-US" sz="1600" dirty="0">
+                          <a:effectLst/>
+                        </a:rPr>
+                        <a:t>内核施加的上限。</a:t>
+                      </a:r>
+                    </a:p>
+                  </a:txBody>
+                  <a:tcPr marL="84270" marR="84270" marT="42135" marB="42135">
+                    <a:lnL w="9525" cap="flat" cmpd="sng" algn="ctr">
+                      <a:solidFill>
+                        <a:srgbClr val="474D54"/>
+                      </a:solidFill>
+                      <a:prstDash val="solid"/>
+                      <a:round/>
+                      <a:headEnd type="none" w="med" len="med"/>
+                      <a:tailEnd type="none" w="med" len="med"/>
+                    </a:lnL>
+                    <a:lnR w="9525" cap="flat" cmpd="sng" algn="ctr">
+                      <a:solidFill>
+                        <a:srgbClr val="474D54"/>
+                      </a:solidFill>
+                      <a:prstDash val="solid"/>
+                      <a:round/>
+                      <a:headEnd type="none" w="med" len="med"/>
+                      <a:tailEnd type="none" w="med" len="med"/>
+                    </a:lnR>
+                    <a:lnT w="9525" cap="flat" cmpd="sng" algn="ctr">
+                      <a:solidFill>
+                        <a:srgbClr val="474D54"/>
+                      </a:solidFill>
+                      <a:prstDash val="solid"/>
+                      <a:round/>
+                      <a:headEnd type="none" w="med" len="med"/>
+                      <a:tailEnd type="none" w="med" len="med"/>
+                    </a:lnT>
+                    <a:lnB w="9525" cap="flat" cmpd="sng" algn="ctr">
+                      <a:solidFill>
+                        <a:srgbClr val="474D54"/>
+                      </a:solidFill>
+                      <a:prstDash val="solid"/>
+                      <a:round/>
+                      <a:headEnd type="none" w="med" len="med"/>
+                      <a:tailEnd type="none" w="med" len="med"/>
+                    </a:lnB>
+                    <a:solidFill>
+                      <a:srgbClr val="363B40"/>
+                    </a:solidFill>
+                  </a:tcPr>
+                </a:tc>
+              </a:tr>
+              <a:tr h="1906219">
+                <a:tc>
+                  <a:txBody>
+                    <a:bodyPr/>
+                    <a:lstStyle/>
+                    <a:p>
+                      <a:pPr algn="l" fontAlgn="t"/>
+                      <a:r>
+                        <a:rPr lang="en-US" sz="1600" dirty="0" err="1">
+                          <a:effectLst/>
+                        </a:rPr>
+                        <a:t>alluxio.fuse.user.group.translation.enabled</a:t>
+                      </a:r>
+                      <a:endParaRPr lang="en-US" sz="1600" dirty="0">
+                        <a:effectLst/>
+                      </a:endParaRPr>
+                    </a:p>
+                  </a:txBody>
+                  <a:tcPr marL="84270" marR="84270" marT="42135" marB="42135">
+                    <a:lnL w="9525" cap="flat" cmpd="sng" algn="ctr">
+                      <a:solidFill>
+                        <a:srgbClr val="474D54"/>
+                      </a:solidFill>
+                      <a:prstDash val="solid"/>
+                      <a:round/>
+                      <a:headEnd type="none" w="med" len="med"/>
+                      <a:tailEnd type="none" w="med" len="med"/>
+                    </a:lnL>
+                    <a:lnR w="9525" cap="flat" cmpd="sng" algn="ctr">
+                      <a:solidFill>
+                        <a:srgbClr val="474D54"/>
+                      </a:solidFill>
+                      <a:prstDash val="solid"/>
+                      <a:round/>
+                      <a:headEnd type="none" w="med" len="med"/>
+                      <a:tailEnd type="none" w="med" len="med"/>
+                    </a:lnR>
+                    <a:lnT w="9525" cap="flat" cmpd="sng" algn="ctr">
+                      <a:solidFill>
+                        <a:srgbClr val="474D54"/>
+                      </a:solidFill>
+                      <a:prstDash val="solid"/>
+                      <a:round/>
+                      <a:headEnd type="none" w="med" len="med"/>
+                      <a:tailEnd type="none" w="med" len="med"/>
+                    </a:lnT>
+                    <a:lnB w="9525" cap="flat" cmpd="sng" algn="ctr">
+                      <a:solidFill>
+                        <a:srgbClr val="474D54"/>
+                      </a:solidFill>
+                      <a:prstDash val="solid"/>
+                      <a:round/>
+                      <a:headEnd type="none" w="med" len="med"/>
+                      <a:tailEnd type="none" w="med" len="med"/>
+                    </a:lnB>
+                    <a:solidFill>
+                      <a:srgbClr val="363B40"/>
+                    </a:solidFill>
+                  </a:tcPr>
+                </a:tc>
+                <a:tc>
+                  <a:txBody>
+                    <a:bodyPr/>
+                    <a:lstStyle/>
+                    <a:p>
+                      <a:pPr algn="ctr" fontAlgn="t"/>
+                      <a:r>
+                        <a:rPr lang="en-US" sz="1600" dirty="0">
+                          <a:effectLst/>
+                        </a:rPr>
+                        <a:t>false</a:t>
+                      </a:r>
+                    </a:p>
+                  </a:txBody>
+                  <a:tcPr marL="84270" marR="84270" marT="42135" marB="42135">
+                    <a:lnL w="9525" cap="flat" cmpd="sng" algn="ctr">
+                      <a:solidFill>
+                        <a:srgbClr val="474D54"/>
+                      </a:solidFill>
+                      <a:prstDash val="solid"/>
+                      <a:round/>
+                      <a:headEnd type="none" w="med" len="med"/>
+                      <a:tailEnd type="none" w="med" len="med"/>
+                    </a:lnL>
+                    <a:lnR w="9525" cap="flat" cmpd="sng" algn="ctr">
+                      <a:solidFill>
+                        <a:srgbClr val="474D54"/>
+                      </a:solidFill>
+                      <a:prstDash val="solid"/>
+                      <a:round/>
+                      <a:headEnd type="none" w="med" len="med"/>
+                      <a:tailEnd type="none" w="med" len="med"/>
+                    </a:lnR>
+                    <a:lnT w="9525" cap="flat" cmpd="sng" algn="ctr">
+                      <a:solidFill>
+                        <a:srgbClr val="474D54"/>
+                      </a:solidFill>
+                      <a:prstDash val="solid"/>
+                      <a:round/>
+                      <a:headEnd type="none" w="med" len="med"/>
+                      <a:tailEnd type="none" w="med" len="med"/>
+                    </a:lnT>
+                    <a:lnB w="9525" cap="flat" cmpd="sng" algn="ctr">
+                      <a:solidFill>
+                        <a:srgbClr val="474D54"/>
+                      </a:solidFill>
+                      <a:prstDash val="solid"/>
+                      <a:round/>
+                      <a:headEnd type="none" w="med" len="med"/>
+                      <a:tailEnd type="none" w="med" len="med"/>
+                    </a:lnB>
+                    <a:solidFill>
+                      <a:srgbClr val="363B40"/>
+                    </a:solidFill>
+                  </a:tcPr>
+                </a:tc>
+                <a:tc>
+                  <a:txBody>
+                    <a:bodyPr/>
+                    <a:lstStyle/>
+                    <a:p>
+                      <a:pPr algn="l" fontAlgn="t"/>
+                      <a:r>
+                        <a:rPr lang="zh-CN" altLang="en-US" sz="1600" dirty="0">
+                          <a:effectLst/>
+                        </a:rPr>
+                        <a:t>通过</a:t>
+                      </a:r>
+                      <a:r>
+                        <a:rPr lang="en-US" altLang="zh-CN" sz="1600" dirty="0">
+                          <a:effectLst/>
+                        </a:rPr>
+                        <a:t>FUSE API</a:t>
+                      </a:r>
+                      <a:r>
+                        <a:rPr lang="zh-CN" altLang="en-US" sz="1600" dirty="0">
+                          <a:effectLst/>
+                        </a:rPr>
+                        <a:t>公开</a:t>
+                      </a:r>
+                      <a:r>
+                        <a:rPr lang="en-US" altLang="zh-CN" sz="1600" dirty="0" err="1">
+                          <a:effectLst/>
+                        </a:rPr>
+                        <a:t>Alluxio</a:t>
+                      </a:r>
+                      <a:r>
+                        <a:rPr lang="zh-CN" altLang="en-US" sz="1600" dirty="0">
+                          <a:effectLst/>
+                        </a:rPr>
+                        <a:t>文件时是否将</a:t>
+                      </a:r>
+                      <a:r>
+                        <a:rPr lang="en-US" altLang="zh-CN" sz="1600" dirty="0" err="1">
+                          <a:effectLst/>
+                        </a:rPr>
+                        <a:t>Alluxio</a:t>
+                      </a:r>
+                      <a:r>
+                        <a:rPr lang="zh-CN" altLang="en-US" sz="1600" dirty="0">
+                          <a:effectLst/>
+                        </a:rPr>
+                        <a:t>用户和组转换为</a:t>
+                      </a:r>
+                      <a:r>
+                        <a:rPr lang="en-US" altLang="zh-CN" sz="1600" dirty="0">
+                          <a:effectLst/>
+                        </a:rPr>
+                        <a:t>Unix</a:t>
+                      </a:r>
+                      <a:r>
+                        <a:rPr lang="zh-CN" altLang="en-US" sz="1600" dirty="0">
+                          <a:effectLst/>
+                        </a:rPr>
+                        <a:t>用户和组。当此属性设置为</a:t>
+                      </a:r>
+                      <a:r>
+                        <a:rPr lang="en-US" altLang="zh-CN" sz="1600" dirty="0">
+                          <a:effectLst/>
+                        </a:rPr>
+                        <a:t>false</a:t>
+                      </a:r>
+                      <a:r>
+                        <a:rPr lang="zh-CN" altLang="en-US" sz="1600" dirty="0">
+                          <a:effectLst/>
+                        </a:rPr>
+                        <a:t>时，所有</a:t>
+                      </a:r>
+                      <a:r>
+                        <a:rPr lang="en-US" altLang="zh-CN" sz="1600" dirty="0">
+                          <a:effectLst/>
+                        </a:rPr>
+                        <a:t>FUSE</a:t>
+                      </a:r>
+                      <a:r>
+                        <a:rPr lang="zh-CN" altLang="en-US" sz="1600" dirty="0">
+                          <a:effectLst/>
+                        </a:rPr>
+                        <a:t>文件的用户和组将与启动</a:t>
+                      </a:r>
+                      <a:r>
+                        <a:rPr lang="en-US" altLang="zh-CN" sz="1600" dirty="0" err="1">
+                          <a:effectLst/>
+                        </a:rPr>
+                        <a:t>alluxio</a:t>
+                      </a:r>
+                      <a:r>
+                        <a:rPr lang="en-US" altLang="zh-CN" sz="1600" dirty="0">
+                          <a:effectLst/>
+                        </a:rPr>
+                        <a:t>-fuse</a:t>
+                      </a:r>
+                      <a:r>
+                        <a:rPr lang="zh-CN" altLang="en-US" sz="1600" dirty="0">
+                          <a:effectLst/>
+                        </a:rPr>
+                        <a:t>进程的用户匹配。</a:t>
+                      </a:r>
+                    </a:p>
+                  </a:txBody>
+                  <a:tcPr marL="84270" marR="84270" marT="42135" marB="42135">
+                    <a:lnL w="9525" cap="flat" cmpd="sng" algn="ctr">
+                      <a:solidFill>
+                        <a:srgbClr val="474D54"/>
+                      </a:solidFill>
+                      <a:prstDash val="solid"/>
+                      <a:round/>
+                      <a:headEnd type="none" w="med" len="med"/>
+                      <a:tailEnd type="none" w="med" len="med"/>
+                    </a:lnL>
+                    <a:lnR w="9525" cap="flat" cmpd="sng" algn="ctr">
+                      <a:solidFill>
+                        <a:srgbClr val="474D54"/>
+                      </a:solidFill>
+                      <a:prstDash val="solid"/>
+                      <a:round/>
+                      <a:headEnd type="none" w="med" len="med"/>
+                      <a:tailEnd type="none" w="med" len="med"/>
+                    </a:lnR>
+                    <a:lnT w="9525" cap="flat" cmpd="sng" algn="ctr">
+                      <a:solidFill>
+                        <a:srgbClr val="474D54"/>
+                      </a:solidFill>
+                      <a:prstDash val="solid"/>
+                      <a:round/>
+                      <a:headEnd type="none" w="med" len="med"/>
+                      <a:tailEnd type="none" w="med" len="med"/>
+                    </a:lnT>
+                    <a:lnB w="9525" cap="flat" cmpd="sng" algn="ctr">
+                      <a:solidFill>
+                        <a:srgbClr val="474D54"/>
+                      </a:solidFill>
+                      <a:prstDash val="solid"/>
+                      <a:round/>
+                      <a:headEnd type="none" w="med" len="med"/>
+                      <a:tailEnd type="none" w="med" len="med"/>
+                    </a:lnB>
+                    <a:solidFill>
+                      <a:srgbClr val="363B40"/>
+                    </a:solidFill>
+                  </a:tcPr>
+                </a:tc>
+              </a:tr>
+            </a:tbl>
+          </a:graphicData>
+        </a:graphic>
+      </p:graphicFrame>
+      <p:sp>
+        <p:nvSpPr>
+          <p:cNvPr id="7" name="文本框 6"/>
+          <p:cNvSpPr txBox="1"/>
+          <p:nvPr/>
+        </p:nvSpPr>
+        <p:spPr>
+          <a:xfrm>
+            <a:off x="727030" y="204129"/>
+            <a:ext cx="8105274" cy="830997"/>
+          </a:xfrm>
+          <a:prstGeom prst="rect">
+            <a:avLst/>
+          </a:prstGeom>
+          <a:noFill/>
+        </p:spPr>
+        <p:txBody>
+          <a:bodyPr wrap="square" rtlCol="0">
+            <a:spAutoFit/>
+            <a:scene3d>
+              <a:camera prst="orthographicFront"/>
+              <a:lightRig rig="threePt" dir="t"/>
+            </a:scene3d>
+            <a:sp3d contourW="12700"/>
+          </a:bodyPr>
+          <a:lstStyle>
+            <a:defPPr>
+              <a:defRPr lang="en-US"/>
+            </a:defPPr>
+            <a:lvl1pPr algn="ctr">
+              <a:defRPr sz="2800" b="1">
+                <a:solidFill>
+                  <a:schemeClr val="tx1">
+                    <a:lumMod val="75000"/>
+                    <a:lumOff val="25000"/>
+                  </a:schemeClr>
+                </a:solidFill>
+                <a:latin typeface="Century Gothic" panose="020B0502020202020204" pitchFamily="34" charset="0"/>
+              </a:defRPr>
+            </a:lvl1pPr>
+          </a:lstStyle>
+          <a:p>
+            <a:pPr algn="l"/>
+            <a:r>
+              <a:rPr lang="zh-CN" altLang="en-US" sz="2400" dirty="0" smtClean="0">
+                <a:solidFill>
+                  <a:schemeClr val="bg1"/>
+                </a:solidFill>
+                <a:latin typeface="微软雅黑" panose="020B0503020204020204" pitchFamily="34" charset="-122"/>
+                <a:ea typeface="微软雅黑" panose="020B0503020204020204" pitchFamily="34" charset="-122"/>
+              </a:rPr>
+              <a:t>浪潮</a:t>
+            </a:r>
+            <a:r>
+              <a:rPr lang="zh-CN" altLang="en-US" sz="2400" dirty="0" smtClean="0">
+                <a:solidFill>
+                  <a:schemeClr val="bg1"/>
+                </a:solidFill>
+                <a:latin typeface="微软雅黑" panose="020B0503020204020204" pitchFamily="34" charset="-122"/>
+                <a:ea typeface="微软雅黑" panose="020B0503020204020204" pitchFamily="34" charset="-122"/>
+              </a:rPr>
+              <a:t>云海</a:t>
+            </a:r>
+            <a:r>
+              <a:rPr lang="en-US" altLang="zh-CN" sz="2400" dirty="0" smtClean="0">
+                <a:solidFill>
+                  <a:schemeClr val="bg1"/>
+                </a:solidFill>
+                <a:latin typeface="微软雅黑" panose="020B0503020204020204" pitchFamily="34" charset="-122"/>
+                <a:ea typeface="微软雅黑" panose="020B0503020204020204" pitchFamily="34" charset="-122"/>
+              </a:rPr>
+              <a:t>·</a:t>
+            </a:r>
+            <a:r>
+              <a:rPr lang="en-US" altLang="zh-CN" sz="2400" dirty="0" err="1" smtClean="0">
+                <a:solidFill>
+                  <a:schemeClr val="bg1"/>
+                </a:solidFill>
+                <a:latin typeface="微软雅黑" panose="020B0503020204020204" pitchFamily="34" charset="-122"/>
+                <a:ea typeface="微软雅黑" panose="020B0503020204020204" pitchFamily="34" charset="-122"/>
+              </a:rPr>
+              <a:t>Alluxio</a:t>
+            </a:r>
+            <a:r>
+              <a:rPr lang="en-US" altLang="zh-CN" sz="2400" dirty="0" smtClean="0">
+                <a:solidFill>
+                  <a:schemeClr val="bg1"/>
+                </a:solidFill>
+                <a:latin typeface="微软雅黑" panose="020B0503020204020204" pitchFamily="34" charset="-122"/>
+                <a:ea typeface="微软雅黑" panose="020B0503020204020204" pitchFamily="34" charset="-122"/>
+              </a:rPr>
+              <a:t>-FUSE – 2.4.0 </a:t>
+            </a:r>
+            <a:r>
+              <a:rPr lang="zh-CN" altLang="en-US" sz="2400" dirty="0" smtClean="0">
+                <a:solidFill>
+                  <a:schemeClr val="bg1"/>
+                </a:solidFill>
+                <a:latin typeface="微软雅黑" panose="020B0503020204020204" pitchFamily="34" charset="-122"/>
+                <a:ea typeface="微软雅黑" panose="020B0503020204020204" pitchFamily="34" charset="-122"/>
+              </a:rPr>
+              <a:t>常见配置项</a:t>
+            </a:r>
+            <a:endParaRPr lang="en-US" altLang="zh-CN" sz="2400" dirty="0">
+              <a:solidFill>
+                <a:schemeClr val="bg1"/>
+              </a:solidFill>
+              <a:latin typeface="微软雅黑" panose="020B0503020204020204" pitchFamily="34" charset="-122"/>
+              <a:ea typeface="微软雅黑" panose="020B0503020204020204" pitchFamily="34" charset="-122"/>
+            </a:endParaRPr>
+          </a:p>
+          <a:p>
+            <a:pPr algn="l"/>
+            <a:endParaRPr lang="zh-CN" altLang="en-US" sz="2400" dirty="0">
+              <a:solidFill>
+                <a:schemeClr val="bg1"/>
+              </a:solidFill>
+              <a:latin typeface="微软雅黑" panose="020B0503020204020204" pitchFamily="34" charset="-122"/>
+              <a:ea typeface="微软雅黑" panose="020B0503020204020204" pitchFamily="34" charset="-122"/>
+            </a:endParaRPr>
+          </a:p>
+        </p:txBody>
+      </p:sp>
+      <p:sp>
+        <p:nvSpPr>
+          <p:cNvPr id="8" name="任意多边形 38"/>
+          <p:cNvSpPr/>
+          <p:nvPr/>
+        </p:nvSpPr>
+        <p:spPr>
+          <a:xfrm>
+            <a:off x="565095" y="129684"/>
+            <a:ext cx="384759" cy="742802"/>
+          </a:xfrm>
+          <a:custGeom>
+            <a:avLst/>
+            <a:gdLst>
+              <a:gd name="connsiteX0" fmla="*/ 0 w 384775"/>
+              <a:gd name="connsiteY0" fmla="*/ 0 h 1014413"/>
+              <a:gd name="connsiteX1" fmla="*/ 384775 w 384775"/>
+              <a:gd name="connsiteY1" fmla="*/ 0 h 1014413"/>
+              <a:gd name="connsiteX2" fmla="*/ 384775 w 384775"/>
+              <a:gd name="connsiteY2" fmla="*/ 168608 h 1014413"/>
+              <a:gd name="connsiteX3" fmla="*/ 336678 w 384775"/>
+              <a:gd name="connsiteY3" fmla="*/ 168608 h 1014413"/>
+              <a:gd name="connsiteX4" fmla="*/ 336678 w 384775"/>
+              <a:gd name="connsiteY4" fmla="*/ 48097 h 1014413"/>
+              <a:gd name="connsiteX5" fmla="*/ 48097 w 384775"/>
+              <a:gd name="connsiteY5" fmla="*/ 48097 h 1014413"/>
+              <a:gd name="connsiteX6" fmla="*/ 48097 w 384775"/>
+              <a:gd name="connsiteY6" fmla="*/ 966316 h 1014413"/>
+              <a:gd name="connsiteX7" fmla="*/ 336678 w 384775"/>
+              <a:gd name="connsiteY7" fmla="*/ 966316 h 1014413"/>
+              <a:gd name="connsiteX8" fmla="*/ 336678 w 384775"/>
+              <a:gd name="connsiteY8" fmla="*/ 845804 h 1014413"/>
+              <a:gd name="connsiteX9" fmla="*/ 384775 w 384775"/>
+              <a:gd name="connsiteY9" fmla="*/ 845804 h 1014413"/>
+              <a:gd name="connsiteX10" fmla="*/ 384775 w 384775"/>
+              <a:gd name="connsiteY10" fmla="*/ 1014413 h 1014413"/>
+              <a:gd name="connsiteX11" fmla="*/ 0 w 384775"/>
+              <a:gd name="connsiteY11" fmla="*/ 1014413 h 1014413"/>
+            </a:gdLst>
+            <a:ahLst/>
+            <a:cxnLst>
+              <a:cxn ang="0">
+                <a:pos x="connsiteX0" y="connsiteY0"/>
+              </a:cxn>
+              <a:cxn ang="0">
+                <a:pos x="connsiteX1" y="connsiteY1"/>
+              </a:cxn>
+              <a:cxn ang="0">
+                <a:pos x="connsiteX2" y="connsiteY2"/>
+              </a:cxn>
+              <a:cxn ang="0">
+                <a:pos x="connsiteX3" y="connsiteY3"/>
+              </a:cxn>
+              <a:cxn ang="0">
+                <a:pos x="connsiteX4" y="connsiteY4"/>
+              </a:cxn>
+              <a:cxn ang="0">
+                <a:pos x="connsiteX5" y="connsiteY5"/>
+              </a:cxn>
+              <a:cxn ang="0">
+                <a:pos x="connsiteX6" y="connsiteY6"/>
+              </a:cxn>
+              <a:cxn ang="0">
+                <a:pos x="connsiteX7" y="connsiteY7"/>
+              </a:cxn>
+              <a:cxn ang="0">
+                <a:pos x="connsiteX8" y="connsiteY8"/>
+              </a:cxn>
+              <a:cxn ang="0">
+                <a:pos x="connsiteX9" y="connsiteY9"/>
+              </a:cxn>
+              <a:cxn ang="0">
+                <a:pos x="connsiteX10" y="connsiteY10"/>
+              </a:cxn>
+              <a:cxn ang="0">
+                <a:pos x="connsiteX11" y="connsiteY11"/>
+              </a:cxn>
+            </a:cxnLst>
+            <a:rect l="l" t="t" r="r" b="b"/>
+            <a:pathLst>
+              <a:path w="384775" h="1014413">
+                <a:moveTo>
+                  <a:pt x="0" y="0"/>
+                </a:moveTo>
+                <a:lnTo>
+                  <a:pt x="384775" y="0"/>
+                </a:lnTo>
+                <a:lnTo>
+                  <a:pt x="384775" y="168608"/>
+                </a:lnTo>
+                <a:lnTo>
+                  <a:pt x="336678" y="168608"/>
+                </a:lnTo>
+                <a:lnTo>
+                  <a:pt x="336678" y="48097"/>
+                </a:lnTo>
+                <a:lnTo>
+                  <a:pt x="48097" y="48097"/>
+                </a:lnTo>
+                <a:lnTo>
+                  <a:pt x="48097" y="966316"/>
+                </a:lnTo>
+                <a:lnTo>
+                  <a:pt x="336678" y="966316"/>
+                </a:lnTo>
+                <a:lnTo>
+                  <a:pt x="336678" y="845804"/>
+                </a:lnTo>
+                <a:lnTo>
+                  <a:pt x="384775" y="845804"/>
+                </a:lnTo>
+                <a:lnTo>
+                  <a:pt x="384775" y="1014413"/>
+                </a:lnTo>
+                <a:lnTo>
+                  <a:pt x="0" y="1014413"/>
+                </a:lnTo>
+                <a:close/>
+              </a:path>
+            </a:pathLst>
+          </a:custGeom>
+          <a:solidFill>
+            <a:srgbClr val="0070C0"/>
+          </a:solidFill>
+          <a:ln>
+            <a:noFill/>
+          </a:ln>
+        </p:spPr>
+        <p:style>
+          <a:lnRef idx="2">
+            <a:schemeClr val="accent1">
+              <a:shade val="50000"/>
+            </a:schemeClr>
+          </a:lnRef>
+          <a:fillRef idx="1">
+            <a:schemeClr val="accent1"/>
+          </a:fillRef>
+          <a:effectRef idx="0">
+            <a:schemeClr val="accent1"/>
+          </a:effectRef>
+          <a:fontRef idx="minor">
+            <a:schemeClr val="lt1"/>
+          </a:fontRef>
+        </p:style>
+        <p:txBody>
+          <a:bodyPr rtlCol="0" anchor="ctr"/>
+          <a:lstStyle/>
+          <a:p>
+            <a:pPr algn="ctr"/>
+            <a:endParaRPr lang="zh-CN" altLang="en-US" sz="6376" dirty="0">
+              <a:solidFill>
+                <a:schemeClr val="tx1"/>
+              </a:solidFill>
+              <a:ea typeface="微软雅黑" panose="020B0503020204020204" pitchFamily="34" charset="-122"/>
+            </a:endParaRPr>
+          </a:p>
+        </p:txBody>
+      </p:sp>
+    </p:spTree>
+    <p:extLst>
+      <p:ext uri="{BB962C8B-B14F-4D97-AF65-F5344CB8AC3E}">
+        <p14:creationId xmlns:p14="http://schemas.microsoft.com/office/powerpoint/2010/main" val="2683614617"/>
+      </p:ext>
+    </p:extLst>
+  </p:cSld>
+  <p:clrMapOvr>
+    <a:masterClrMapping/>
+  </p:clrMapOvr>
+  <p:timing>
+    <p:tnLst>
+      <p:par>
+        <p:cTn id="1" dur="indefinite" restart="never" nodeType="tmRoot"/>
+      </p:par>
+    </p:tnLst>
+  </p:timing>
+</p:sld>
+</file>
+
+<file path=ppt/slides/slide21.xml><?xml version="1.0" encoding="utf-8"?>
+<p:sld xmlns:a="http://schemas.openxmlformats.org/drawingml/2006/main" xmlns:r="http://schemas.openxmlformats.org/officeDocument/2006/relationships" xmlns:p="http://schemas.openxmlformats.org/presentationml/2006/main">
+  <p:cSld>
+    <p:spTree>
+      <p:nvGrpSpPr>
+        <p:cNvPr id="1" name=""/>
+        <p:cNvGrpSpPr/>
+        <p:nvPr/>
+      </p:nvGrpSpPr>
+      <p:grpSpPr>
+        <a:xfrm>
+          <a:off x="0" y="0"/>
+          <a:ext cx="0" cy="0"/>
+          <a:chOff x="0" y="0"/>
+          <a:chExt cx="0" cy="0"/>
+        </a:xfrm>
+      </p:grpSpPr>
+      <p:sp>
+        <p:nvSpPr>
+          <p:cNvPr id="2" name="日期占位符 1"/>
+          <p:cNvSpPr>
+            <a:spLocks noGrp="1"/>
+          </p:cNvSpPr>
+          <p:nvPr>
+            <p:ph type="dt" sz="half" idx="10"/>
+          </p:nvPr>
+        </p:nvSpPr>
+        <p:spPr/>
+        <p:txBody>
+          <a:bodyPr/>
+          <a:lstStyle/>
+          <a:p>
+            <a:fld id="{1D43B21E-7212-48FB-B444-AC651DB9F6DF}" type="datetime1">
+              <a:rPr lang="zh-CN" altLang="en-US" smtClean="0"/>
+              <a:t>2021/1/20</a:t>
+            </a:fld>
+            <a:endParaRPr lang="zh-CN" altLang="en-US"/>
+          </a:p>
+        </p:txBody>
+      </p:sp>
+      <p:sp>
+        <p:nvSpPr>
+          <p:cNvPr id="3" name="灯片编号占位符 2"/>
+          <p:cNvSpPr>
+            <a:spLocks noGrp="1"/>
+          </p:cNvSpPr>
+          <p:nvPr>
+            <p:ph type="sldNum" sz="quarter" idx="12"/>
+          </p:nvPr>
+        </p:nvSpPr>
+        <p:spPr/>
+        <p:txBody>
+          <a:bodyPr/>
+          <a:lstStyle/>
+          <a:p>
+            <a:fld id="{F3C09F5B-C591-49A2-9090-D775AF8A5EB6}" type="slidenum">
+              <a:rPr lang="zh-CN" altLang="en-US" smtClean="0"/>
+              <a:t>21</a:t>
+            </a:fld>
+            <a:endParaRPr lang="zh-CN" altLang="en-US"/>
+          </a:p>
+        </p:txBody>
+      </p:sp>
+      <p:pic>
+        <p:nvPicPr>
+          <p:cNvPr id="4" name="图片 3"/>
+          <p:cNvPicPr>
+            <a:picLocks noChangeAspect="1"/>
+          </p:cNvPicPr>
+          <p:nvPr/>
+        </p:nvPicPr>
+        <p:blipFill>
+          <a:blip r:embed="rId2"/>
+          <a:stretch>
+            <a:fillRect/>
+          </a:stretch>
+        </p:blipFill>
+        <p:spPr>
+          <a:xfrm>
+            <a:off x="727030" y="1543130"/>
+            <a:ext cx="8886825" cy="4305300"/>
+          </a:xfrm>
+          <a:prstGeom prst="rect">
+            <a:avLst/>
+          </a:prstGeom>
+        </p:spPr>
+      </p:pic>
+      <p:sp>
+        <p:nvSpPr>
+          <p:cNvPr id="5" name="文本框 4"/>
+          <p:cNvSpPr txBox="1"/>
+          <p:nvPr/>
+        </p:nvSpPr>
+        <p:spPr>
+          <a:xfrm>
+            <a:off x="727030" y="260648"/>
+            <a:ext cx="8105274" cy="830997"/>
+          </a:xfrm>
+          <a:prstGeom prst="rect">
+            <a:avLst/>
+          </a:prstGeom>
+          <a:noFill/>
+        </p:spPr>
+        <p:txBody>
+          <a:bodyPr wrap="square" rtlCol="0">
+            <a:spAutoFit/>
+            <a:scene3d>
+              <a:camera prst="orthographicFront"/>
+              <a:lightRig rig="threePt" dir="t"/>
+            </a:scene3d>
+            <a:sp3d contourW="12700"/>
+          </a:bodyPr>
+          <a:lstStyle>
+            <a:defPPr>
+              <a:defRPr lang="en-US"/>
+            </a:defPPr>
+            <a:lvl1pPr algn="ctr">
+              <a:defRPr sz="2800" b="1">
+                <a:solidFill>
+                  <a:schemeClr val="tx1">
+                    <a:lumMod val="75000"/>
+                    <a:lumOff val="25000"/>
+                  </a:schemeClr>
+                </a:solidFill>
+                <a:latin typeface="Century Gothic" panose="020B0502020202020204" pitchFamily="34" charset="0"/>
+              </a:defRPr>
+            </a:lvl1pPr>
+          </a:lstStyle>
+          <a:p>
+            <a:pPr algn="l"/>
+            <a:r>
+              <a:rPr lang="zh-CN" altLang="en-US" sz="2400" dirty="0" smtClean="0">
+                <a:solidFill>
+                  <a:schemeClr val="bg1"/>
+                </a:solidFill>
+                <a:latin typeface="微软雅黑" panose="020B0503020204020204" pitchFamily="34" charset="-122"/>
+                <a:ea typeface="微软雅黑" panose="020B0503020204020204" pitchFamily="34" charset="-122"/>
+              </a:rPr>
+              <a:t>浪潮</a:t>
+            </a:r>
+            <a:r>
+              <a:rPr lang="zh-CN" altLang="en-US" sz="2400" dirty="0" smtClean="0">
+                <a:solidFill>
+                  <a:schemeClr val="bg1"/>
+                </a:solidFill>
+                <a:latin typeface="微软雅黑" panose="020B0503020204020204" pitchFamily="34" charset="-122"/>
+                <a:ea typeface="微软雅黑" panose="020B0503020204020204" pitchFamily="34" charset="-122"/>
+              </a:rPr>
+              <a:t>云海</a:t>
+            </a:r>
+            <a:r>
+              <a:rPr lang="en-US" altLang="zh-CN" sz="2400" dirty="0" smtClean="0">
+                <a:solidFill>
+                  <a:schemeClr val="bg1"/>
+                </a:solidFill>
+                <a:latin typeface="微软雅黑" panose="020B0503020204020204" pitchFamily="34" charset="-122"/>
+                <a:ea typeface="微软雅黑" panose="020B0503020204020204" pitchFamily="34" charset="-122"/>
+              </a:rPr>
+              <a:t>·</a:t>
+            </a:r>
+            <a:r>
+              <a:rPr lang="en-US" altLang="zh-CN" sz="2400" dirty="0" err="1" smtClean="0">
+                <a:solidFill>
+                  <a:schemeClr val="bg1"/>
+                </a:solidFill>
+                <a:latin typeface="微软雅黑" panose="020B0503020204020204" pitchFamily="34" charset="-122"/>
+                <a:ea typeface="微软雅黑" panose="020B0503020204020204" pitchFamily="34" charset="-122"/>
+              </a:rPr>
+              <a:t>Alluxio</a:t>
+            </a:r>
+            <a:r>
+              <a:rPr lang="en-US" altLang="zh-CN" sz="2400" dirty="0" smtClean="0">
+                <a:solidFill>
+                  <a:schemeClr val="bg1"/>
+                </a:solidFill>
+                <a:latin typeface="微软雅黑" panose="020B0503020204020204" pitchFamily="34" charset="-122"/>
+                <a:ea typeface="微软雅黑" panose="020B0503020204020204" pitchFamily="34" charset="-122"/>
+              </a:rPr>
+              <a:t>-FUSE </a:t>
+            </a:r>
+            <a:r>
+              <a:rPr lang="zh-CN" altLang="en-US" sz="2400" dirty="0" smtClean="0">
+                <a:solidFill>
+                  <a:schemeClr val="bg1"/>
+                </a:solidFill>
+                <a:latin typeface="微软雅黑" panose="020B0503020204020204" pitchFamily="34" charset="-122"/>
+                <a:ea typeface="微软雅黑" panose="020B0503020204020204" pitchFamily="34" charset="-122"/>
+              </a:rPr>
+              <a:t>未来展望</a:t>
+            </a:r>
+            <a:endParaRPr lang="en-US" altLang="zh-CN" sz="2400" dirty="0">
+              <a:solidFill>
+                <a:schemeClr val="bg1"/>
+              </a:solidFill>
+              <a:latin typeface="微软雅黑" panose="020B0503020204020204" pitchFamily="34" charset="-122"/>
+              <a:ea typeface="微软雅黑" panose="020B0503020204020204" pitchFamily="34" charset="-122"/>
+            </a:endParaRPr>
+          </a:p>
+          <a:p>
+            <a:pPr algn="l"/>
+            <a:endParaRPr lang="zh-CN" altLang="en-US" sz="2400" dirty="0">
+              <a:solidFill>
+                <a:schemeClr val="bg1"/>
+              </a:solidFill>
+              <a:latin typeface="微软雅黑" panose="020B0503020204020204" pitchFamily="34" charset="-122"/>
+              <a:ea typeface="微软雅黑" panose="020B0503020204020204" pitchFamily="34" charset="-122"/>
+            </a:endParaRPr>
+          </a:p>
+        </p:txBody>
+      </p:sp>
+      <p:sp>
+        <p:nvSpPr>
+          <p:cNvPr id="6" name="任意多边形 38"/>
+          <p:cNvSpPr/>
+          <p:nvPr/>
+        </p:nvSpPr>
+        <p:spPr>
+          <a:xfrm>
+            <a:off x="565095" y="129684"/>
+            <a:ext cx="384759" cy="742802"/>
+          </a:xfrm>
+          <a:custGeom>
+            <a:avLst/>
+            <a:gdLst>
+              <a:gd name="connsiteX0" fmla="*/ 0 w 384775"/>
+              <a:gd name="connsiteY0" fmla="*/ 0 h 1014413"/>
+              <a:gd name="connsiteX1" fmla="*/ 384775 w 384775"/>
+              <a:gd name="connsiteY1" fmla="*/ 0 h 1014413"/>
+              <a:gd name="connsiteX2" fmla="*/ 384775 w 384775"/>
+              <a:gd name="connsiteY2" fmla="*/ 168608 h 1014413"/>
+              <a:gd name="connsiteX3" fmla="*/ 336678 w 384775"/>
+              <a:gd name="connsiteY3" fmla="*/ 168608 h 1014413"/>
+              <a:gd name="connsiteX4" fmla="*/ 336678 w 384775"/>
+              <a:gd name="connsiteY4" fmla="*/ 48097 h 1014413"/>
+              <a:gd name="connsiteX5" fmla="*/ 48097 w 384775"/>
+              <a:gd name="connsiteY5" fmla="*/ 48097 h 1014413"/>
+              <a:gd name="connsiteX6" fmla="*/ 48097 w 384775"/>
+              <a:gd name="connsiteY6" fmla="*/ 966316 h 1014413"/>
+              <a:gd name="connsiteX7" fmla="*/ 336678 w 384775"/>
+              <a:gd name="connsiteY7" fmla="*/ 966316 h 1014413"/>
+              <a:gd name="connsiteX8" fmla="*/ 336678 w 384775"/>
+              <a:gd name="connsiteY8" fmla="*/ 845804 h 1014413"/>
+              <a:gd name="connsiteX9" fmla="*/ 384775 w 384775"/>
+              <a:gd name="connsiteY9" fmla="*/ 845804 h 1014413"/>
+              <a:gd name="connsiteX10" fmla="*/ 384775 w 384775"/>
+              <a:gd name="connsiteY10" fmla="*/ 1014413 h 1014413"/>
+              <a:gd name="connsiteX11" fmla="*/ 0 w 384775"/>
+              <a:gd name="connsiteY11" fmla="*/ 1014413 h 1014413"/>
+            </a:gdLst>
+            <a:ahLst/>
+            <a:cxnLst>
+              <a:cxn ang="0">
+                <a:pos x="connsiteX0" y="connsiteY0"/>
+              </a:cxn>
+              <a:cxn ang="0">
+                <a:pos x="connsiteX1" y="connsiteY1"/>
+              </a:cxn>
+              <a:cxn ang="0">
+                <a:pos x="connsiteX2" y="connsiteY2"/>
+              </a:cxn>
+              <a:cxn ang="0">
+                <a:pos x="connsiteX3" y="connsiteY3"/>
+              </a:cxn>
+              <a:cxn ang="0">
+                <a:pos x="connsiteX4" y="connsiteY4"/>
+              </a:cxn>
+              <a:cxn ang="0">
+                <a:pos x="connsiteX5" y="connsiteY5"/>
+              </a:cxn>
+              <a:cxn ang="0">
+                <a:pos x="connsiteX6" y="connsiteY6"/>
+              </a:cxn>
+              <a:cxn ang="0">
+                <a:pos x="connsiteX7" y="connsiteY7"/>
+              </a:cxn>
+              <a:cxn ang="0">
+                <a:pos x="connsiteX8" y="connsiteY8"/>
+              </a:cxn>
+              <a:cxn ang="0">
+                <a:pos x="connsiteX9" y="connsiteY9"/>
+              </a:cxn>
+              <a:cxn ang="0">
+                <a:pos x="connsiteX10" y="connsiteY10"/>
+              </a:cxn>
+              <a:cxn ang="0">
+                <a:pos x="connsiteX11" y="connsiteY11"/>
+              </a:cxn>
+            </a:cxnLst>
+            <a:rect l="l" t="t" r="r" b="b"/>
+            <a:pathLst>
+              <a:path w="384775" h="1014413">
+                <a:moveTo>
+                  <a:pt x="0" y="0"/>
+                </a:moveTo>
+                <a:lnTo>
+                  <a:pt x="384775" y="0"/>
+                </a:lnTo>
+                <a:lnTo>
+                  <a:pt x="384775" y="168608"/>
+                </a:lnTo>
+                <a:lnTo>
+                  <a:pt x="336678" y="168608"/>
+                </a:lnTo>
+                <a:lnTo>
+                  <a:pt x="336678" y="48097"/>
+                </a:lnTo>
+                <a:lnTo>
+                  <a:pt x="48097" y="48097"/>
+                </a:lnTo>
+                <a:lnTo>
+                  <a:pt x="48097" y="966316"/>
+                </a:lnTo>
+                <a:lnTo>
+                  <a:pt x="336678" y="966316"/>
+                </a:lnTo>
+                <a:lnTo>
+                  <a:pt x="336678" y="845804"/>
+                </a:lnTo>
+                <a:lnTo>
+                  <a:pt x="384775" y="845804"/>
+                </a:lnTo>
+                <a:lnTo>
+                  <a:pt x="384775" y="1014413"/>
+                </a:lnTo>
+                <a:lnTo>
+                  <a:pt x="0" y="1014413"/>
+                </a:lnTo>
+                <a:close/>
+              </a:path>
+            </a:pathLst>
+          </a:custGeom>
+          <a:solidFill>
+            <a:srgbClr val="0070C0"/>
+          </a:solidFill>
+          <a:ln>
+            <a:noFill/>
+          </a:ln>
+        </p:spPr>
+        <p:style>
+          <a:lnRef idx="2">
+            <a:schemeClr val="accent1">
+              <a:shade val="50000"/>
+            </a:schemeClr>
+          </a:lnRef>
+          <a:fillRef idx="1">
+            <a:schemeClr val="accent1"/>
+          </a:fillRef>
+          <a:effectRef idx="0">
+            <a:schemeClr val="accent1"/>
+          </a:effectRef>
+          <a:fontRef idx="minor">
+            <a:schemeClr val="lt1"/>
+          </a:fontRef>
+        </p:style>
+        <p:txBody>
+          <a:bodyPr rtlCol="0" anchor="ctr"/>
+          <a:lstStyle/>
+          <a:p>
+            <a:pPr algn="ctr"/>
+            <a:endParaRPr lang="zh-CN" altLang="en-US" sz="6376" dirty="0">
+              <a:solidFill>
+                <a:schemeClr val="tx1"/>
+              </a:solidFill>
+              <a:ea typeface="微软雅黑" panose="020B0503020204020204" pitchFamily="34" charset="-122"/>
+            </a:endParaRPr>
+          </a:p>
+        </p:txBody>
+      </p:sp>
+    </p:spTree>
+    <p:extLst>
+      <p:ext uri="{BB962C8B-B14F-4D97-AF65-F5344CB8AC3E}">
+        <p14:creationId xmlns:p14="http://schemas.microsoft.com/office/powerpoint/2010/main" val="2882175178"/>
+      </p:ext>
+    </p:extLst>
+  </p:cSld>
+  <p:clrMapOvr>
+    <a:masterClrMapping/>
+  </p:clrMapOvr>
+  <p:timing>
+    <p:tnLst>
+      <p:par>
+        <p:cTn id="1" dur="indefinite" restart="never" nodeType="tmRoot"/>
+      </p:par>
+    </p:tnLst>
+  </p:timing>
+</p:sld>
+</file>
+
+<file path=ppt/slides/slide22.xml><?xml version="1.0" encoding="utf-8"?>
+<p:sld xmlns:a="http://schemas.openxmlformats.org/drawingml/2006/main" xmlns:r="http://schemas.openxmlformats.org/officeDocument/2006/relationships" xmlns:p="http://schemas.openxmlformats.org/presentationml/2006/main">
+  <p:cSld>
+    <p:spTree>
+      <p:nvGrpSpPr>
+        <p:cNvPr id="1" name=""/>
+        <p:cNvGrpSpPr/>
+        <p:nvPr/>
+      </p:nvGrpSpPr>
+      <p:grpSpPr>
+        <a:xfrm>
+          <a:off x="0" y="0"/>
+          <a:ext cx="0" cy="0"/>
+          <a:chOff x="0" y="0"/>
+          <a:chExt cx="0" cy="0"/>
+        </a:xfrm>
+      </p:grpSpPr>
+      <p:sp>
+        <p:nvSpPr>
+          <p:cNvPr id="2" name="日期占位符 1"/>
+          <p:cNvSpPr>
+            <a:spLocks noGrp="1"/>
+          </p:cNvSpPr>
+          <p:nvPr>
+            <p:ph type="dt" sz="half" idx="10"/>
+          </p:nvPr>
+        </p:nvSpPr>
+        <p:spPr/>
+        <p:txBody>
+          <a:bodyPr/>
+          <a:lstStyle/>
+          <a:p>
+            <a:fld id="{8B47802C-DADE-4776-BB66-49217BD812D0}" type="datetime1">
+              <a:rPr lang="zh-CN" altLang="en-US" smtClean="0"/>
+              <a:t>2021/1/20</a:t>
+            </a:fld>
+            <a:endParaRPr lang="zh-CN" altLang="en-US"/>
+          </a:p>
+        </p:txBody>
+      </p:sp>
+      <p:sp>
+        <p:nvSpPr>
+          <p:cNvPr id="3" name="灯片编号占位符 2"/>
+          <p:cNvSpPr>
+            <a:spLocks noGrp="1"/>
+          </p:cNvSpPr>
+          <p:nvPr>
+            <p:ph type="sldNum" sz="quarter" idx="12"/>
+          </p:nvPr>
+        </p:nvSpPr>
+        <p:spPr/>
+        <p:txBody>
+          <a:bodyPr/>
+          <a:lstStyle/>
+          <a:p>
+            <a:fld id="{F3C09F5B-C591-49A2-9090-D775AF8A5EB6}" type="slidenum">
+              <a:rPr lang="zh-CN" altLang="en-US" smtClean="0"/>
+              <a:t>22</a:t>
+            </a:fld>
+            <a:endParaRPr lang="zh-CN" altLang="en-US"/>
+          </a:p>
+        </p:txBody>
+      </p:sp>
+      <p:pic>
+        <p:nvPicPr>
+          <p:cNvPr id="4" name="图片 3"/>
+          <p:cNvPicPr>
+            <a:picLocks noChangeAspect="1"/>
+          </p:cNvPicPr>
+          <p:nvPr/>
+        </p:nvPicPr>
+        <p:blipFill>
+          <a:blip r:embed="rId2"/>
+          <a:stretch>
+            <a:fillRect/>
+          </a:stretch>
+        </p:blipFill>
+        <p:spPr>
+          <a:xfrm>
+            <a:off x="727030" y="1330259"/>
+            <a:ext cx="8255361" cy="4186973"/>
+          </a:xfrm>
+          <a:prstGeom prst="rect">
+            <a:avLst/>
+          </a:prstGeom>
+        </p:spPr>
+      </p:pic>
+      <p:sp>
+        <p:nvSpPr>
+          <p:cNvPr id="5" name="文本框 4"/>
+          <p:cNvSpPr txBox="1"/>
+          <p:nvPr/>
+        </p:nvSpPr>
+        <p:spPr>
+          <a:xfrm>
+            <a:off x="727030" y="260648"/>
+            <a:ext cx="8105274" cy="830997"/>
+          </a:xfrm>
+          <a:prstGeom prst="rect">
+            <a:avLst/>
+          </a:prstGeom>
+          <a:noFill/>
+        </p:spPr>
+        <p:txBody>
+          <a:bodyPr wrap="square" rtlCol="0">
+            <a:spAutoFit/>
+            <a:scene3d>
+              <a:camera prst="orthographicFront"/>
+              <a:lightRig rig="threePt" dir="t"/>
+            </a:scene3d>
+            <a:sp3d contourW="12700"/>
+          </a:bodyPr>
+          <a:lstStyle>
+            <a:defPPr>
+              <a:defRPr lang="en-US"/>
+            </a:defPPr>
+            <a:lvl1pPr algn="ctr">
+              <a:defRPr sz="2800" b="1">
+                <a:solidFill>
+                  <a:schemeClr val="tx1">
+                    <a:lumMod val="75000"/>
+                    <a:lumOff val="25000"/>
+                  </a:schemeClr>
+                </a:solidFill>
+                <a:latin typeface="Century Gothic" panose="020B0502020202020204" pitchFamily="34" charset="0"/>
+              </a:defRPr>
+            </a:lvl1pPr>
+          </a:lstStyle>
+          <a:p>
+            <a:pPr algn="l"/>
+            <a:r>
+              <a:rPr lang="zh-CN" altLang="en-US" sz="2400" dirty="0" smtClean="0">
+                <a:solidFill>
+                  <a:schemeClr val="bg1"/>
+                </a:solidFill>
+                <a:latin typeface="微软雅黑" panose="020B0503020204020204" pitchFamily="34" charset="-122"/>
+                <a:ea typeface="微软雅黑" panose="020B0503020204020204" pitchFamily="34" charset="-122"/>
+              </a:rPr>
+              <a:t>浪潮</a:t>
+            </a:r>
+            <a:r>
+              <a:rPr lang="zh-CN" altLang="en-US" sz="2400" dirty="0" smtClean="0">
+                <a:solidFill>
+                  <a:schemeClr val="bg1"/>
+                </a:solidFill>
+                <a:latin typeface="微软雅黑" panose="020B0503020204020204" pitchFamily="34" charset="-122"/>
+                <a:ea typeface="微软雅黑" panose="020B0503020204020204" pitchFamily="34" charset="-122"/>
+              </a:rPr>
+              <a:t>云海</a:t>
+            </a:r>
+            <a:r>
+              <a:rPr lang="en-US" altLang="zh-CN" sz="2400" dirty="0" smtClean="0">
+                <a:solidFill>
+                  <a:schemeClr val="bg1"/>
+                </a:solidFill>
+                <a:latin typeface="微软雅黑" panose="020B0503020204020204" pitchFamily="34" charset="-122"/>
+                <a:ea typeface="微软雅黑" panose="020B0503020204020204" pitchFamily="34" charset="-122"/>
+              </a:rPr>
+              <a:t>·</a:t>
+            </a:r>
+            <a:r>
+              <a:rPr lang="en-US" altLang="zh-CN" sz="2400" dirty="0" err="1" smtClean="0">
+                <a:solidFill>
+                  <a:schemeClr val="bg1"/>
+                </a:solidFill>
+                <a:latin typeface="微软雅黑" panose="020B0503020204020204" pitchFamily="34" charset="-122"/>
+                <a:ea typeface="微软雅黑" panose="020B0503020204020204" pitchFamily="34" charset="-122"/>
+              </a:rPr>
+              <a:t>Alluxio</a:t>
+            </a:r>
+            <a:r>
+              <a:rPr lang="en-US" altLang="zh-CN" sz="2400" dirty="0" smtClean="0">
+                <a:solidFill>
+                  <a:schemeClr val="bg1"/>
+                </a:solidFill>
+                <a:latin typeface="微软雅黑" panose="020B0503020204020204" pitchFamily="34" charset="-122"/>
+                <a:ea typeface="微软雅黑" panose="020B0503020204020204" pitchFamily="34" charset="-122"/>
+              </a:rPr>
+              <a:t>-FUSE </a:t>
+            </a:r>
+            <a:r>
+              <a:rPr lang="zh-CN" altLang="en-US" sz="2400" dirty="0" smtClean="0">
+                <a:solidFill>
+                  <a:schemeClr val="bg1"/>
+                </a:solidFill>
+                <a:latin typeface="微软雅黑" panose="020B0503020204020204" pitchFamily="34" charset="-122"/>
+                <a:ea typeface="微软雅黑" panose="020B0503020204020204" pitchFamily="34" charset="-122"/>
+              </a:rPr>
+              <a:t>未来展望 </a:t>
+            </a:r>
+            <a:r>
+              <a:rPr lang="en-US" altLang="zh-CN" sz="2400" dirty="0" smtClean="0">
+                <a:solidFill>
+                  <a:schemeClr val="bg1"/>
+                </a:solidFill>
+                <a:latin typeface="微软雅黑" panose="020B0503020204020204" pitchFamily="34" charset="-122"/>
+                <a:ea typeface="微软雅黑" panose="020B0503020204020204" pitchFamily="34" charset="-122"/>
+              </a:rPr>
+              <a:t>– </a:t>
+            </a:r>
+            <a:r>
+              <a:rPr lang="zh-CN" altLang="en-US" sz="2400" dirty="0" smtClean="0">
+                <a:solidFill>
+                  <a:schemeClr val="bg1"/>
+                </a:solidFill>
+                <a:latin typeface="微软雅黑" panose="020B0503020204020204" pitchFamily="34" charset="-122"/>
+                <a:ea typeface="微软雅黑" panose="020B0503020204020204" pitchFamily="34" charset="-122"/>
+              </a:rPr>
+              <a:t>可优化的四个方向</a:t>
+            </a:r>
+            <a:endParaRPr lang="en-US" altLang="zh-CN" sz="2400" dirty="0">
+              <a:solidFill>
+                <a:schemeClr val="bg1"/>
+              </a:solidFill>
+              <a:latin typeface="微软雅黑" panose="020B0503020204020204" pitchFamily="34" charset="-122"/>
+              <a:ea typeface="微软雅黑" panose="020B0503020204020204" pitchFamily="34" charset="-122"/>
+            </a:endParaRPr>
+          </a:p>
+          <a:p>
+            <a:pPr algn="l"/>
+            <a:endParaRPr lang="zh-CN" altLang="en-US" sz="2400" dirty="0">
+              <a:solidFill>
+                <a:schemeClr val="bg1"/>
+              </a:solidFill>
+              <a:latin typeface="微软雅黑" panose="020B0503020204020204" pitchFamily="34" charset="-122"/>
+              <a:ea typeface="微软雅黑" panose="020B0503020204020204" pitchFamily="34" charset="-122"/>
+            </a:endParaRPr>
+          </a:p>
+        </p:txBody>
+      </p:sp>
+      <p:sp>
+        <p:nvSpPr>
+          <p:cNvPr id="6" name="任意多边形 38"/>
+          <p:cNvSpPr/>
+          <p:nvPr/>
+        </p:nvSpPr>
+        <p:spPr>
+          <a:xfrm>
+            <a:off x="565095" y="129684"/>
+            <a:ext cx="384759" cy="742802"/>
+          </a:xfrm>
+          <a:custGeom>
+            <a:avLst/>
+            <a:gdLst>
+              <a:gd name="connsiteX0" fmla="*/ 0 w 384775"/>
+              <a:gd name="connsiteY0" fmla="*/ 0 h 1014413"/>
+              <a:gd name="connsiteX1" fmla="*/ 384775 w 384775"/>
+              <a:gd name="connsiteY1" fmla="*/ 0 h 1014413"/>
+              <a:gd name="connsiteX2" fmla="*/ 384775 w 384775"/>
+              <a:gd name="connsiteY2" fmla="*/ 168608 h 1014413"/>
+              <a:gd name="connsiteX3" fmla="*/ 336678 w 384775"/>
+              <a:gd name="connsiteY3" fmla="*/ 168608 h 1014413"/>
+              <a:gd name="connsiteX4" fmla="*/ 336678 w 384775"/>
+              <a:gd name="connsiteY4" fmla="*/ 48097 h 1014413"/>
+              <a:gd name="connsiteX5" fmla="*/ 48097 w 384775"/>
+              <a:gd name="connsiteY5" fmla="*/ 48097 h 1014413"/>
+              <a:gd name="connsiteX6" fmla="*/ 48097 w 384775"/>
+              <a:gd name="connsiteY6" fmla="*/ 966316 h 1014413"/>
+              <a:gd name="connsiteX7" fmla="*/ 336678 w 384775"/>
+              <a:gd name="connsiteY7" fmla="*/ 966316 h 1014413"/>
+              <a:gd name="connsiteX8" fmla="*/ 336678 w 384775"/>
+              <a:gd name="connsiteY8" fmla="*/ 845804 h 1014413"/>
+              <a:gd name="connsiteX9" fmla="*/ 384775 w 384775"/>
+              <a:gd name="connsiteY9" fmla="*/ 845804 h 1014413"/>
+              <a:gd name="connsiteX10" fmla="*/ 384775 w 384775"/>
+              <a:gd name="connsiteY10" fmla="*/ 1014413 h 1014413"/>
+              <a:gd name="connsiteX11" fmla="*/ 0 w 384775"/>
+              <a:gd name="connsiteY11" fmla="*/ 1014413 h 1014413"/>
+            </a:gdLst>
+            <a:ahLst/>
+            <a:cxnLst>
+              <a:cxn ang="0">
+                <a:pos x="connsiteX0" y="connsiteY0"/>
+              </a:cxn>
+              <a:cxn ang="0">
+                <a:pos x="connsiteX1" y="connsiteY1"/>
+              </a:cxn>
+              <a:cxn ang="0">
+                <a:pos x="connsiteX2" y="connsiteY2"/>
+              </a:cxn>
+              <a:cxn ang="0">
+                <a:pos x="connsiteX3" y="connsiteY3"/>
+              </a:cxn>
+              <a:cxn ang="0">
+                <a:pos x="connsiteX4" y="connsiteY4"/>
+              </a:cxn>
+              <a:cxn ang="0">
+                <a:pos x="connsiteX5" y="connsiteY5"/>
+              </a:cxn>
+              <a:cxn ang="0">
+                <a:pos x="connsiteX6" y="connsiteY6"/>
+              </a:cxn>
+              <a:cxn ang="0">
+                <a:pos x="connsiteX7" y="connsiteY7"/>
+              </a:cxn>
+              <a:cxn ang="0">
+                <a:pos x="connsiteX8" y="connsiteY8"/>
+              </a:cxn>
+              <a:cxn ang="0">
+                <a:pos x="connsiteX9" y="connsiteY9"/>
+              </a:cxn>
+              <a:cxn ang="0">
+                <a:pos x="connsiteX10" y="connsiteY10"/>
+              </a:cxn>
+              <a:cxn ang="0">
+                <a:pos x="connsiteX11" y="connsiteY11"/>
+              </a:cxn>
+            </a:cxnLst>
+            <a:rect l="l" t="t" r="r" b="b"/>
+            <a:pathLst>
+              <a:path w="384775" h="1014413">
+                <a:moveTo>
+                  <a:pt x="0" y="0"/>
+                </a:moveTo>
+                <a:lnTo>
+                  <a:pt x="384775" y="0"/>
+                </a:lnTo>
+                <a:lnTo>
+                  <a:pt x="384775" y="168608"/>
+                </a:lnTo>
+                <a:lnTo>
+                  <a:pt x="336678" y="168608"/>
+                </a:lnTo>
+                <a:lnTo>
+                  <a:pt x="336678" y="48097"/>
+                </a:lnTo>
+                <a:lnTo>
+                  <a:pt x="48097" y="48097"/>
+                </a:lnTo>
+                <a:lnTo>
+                  <a:pt x="48097" y="966316"/>
+                </a:lnTo>
+                <a:lnTo>
+                  <a:pt x="336678" y="966316"/>
+                </a:lnTo>
+                <a:lnTo>
+                  <a:pt x="336678" y="845804"/>
+                </a:lnTo>
+                <a:lnTo>
+                  <a:pt x="384775" y="845804"/>
+                </a:lnTo>
+                <a:lnTo>
+                  <a:pt x="384775" y="1014413"/>
+                </a:lnTo>
+                <a:lnTo>
+                  <a:pt x="0" y="1014413"/>
+                </a:lnTo>
+                <a:close/>
+              </a:path>
+            </a:pathLst>
+          </a:custGeom>
+          <a:solidFill>
+            <a:srgbClr val="0070C0"/>
+          </a:solidFill>
+          <a:ln>
+            <a:noFill/>
+          </a:ln>
+        </p:spPr>
+        <p:style>
+          <a:lnRef idx="2">
+            <a:schemeClr val="accent1">
+              <a:shade val="50000"/>
+            </a:schemeClr>
+          </a:lnRef>
+          <a:fillRef idx="1">
+            <a:schemeClr val="accent1"/>
+          </a:fillRef>
+          <a:effectRef idx="0">
+            <a:schemeClr val="accent1"/>
+          </a:effectRef>
+          <a:fontRef idx="minor">
+            <a:schemeClr val="lt1"/>
+          </a:fontRef>
+        </p:style>
+        <p:txBody>
+          <a:bodyPr rtlCol="0" anchor="ctr"/>
+          <a:lstStyle/>
+          <a:p>
+            <a:pPr algn="ctr"/>
+            <a:endParaRPr lang="zh-CN" altLang="en-US" sz="6376" dirty="0">
+              <a:solidFill>
+                <a:schemeClr val="tx1"/>
+              </a:solidFill>
+              <a:ea typeface="微软雅黑" panose="020B0503020204020204" pitchFamily="34" charset="-122"/>
+            </a:endParaRPr>
+          </a:p>
+        </p:txBody>
+      </p:sp>
+      <p:sp>
+        <p:nvSpPr>
+          <p:cNvPr id="7" name="文本框 6"/>
+          <p:cNvSpPr txBox="1"/>
+          <p:nvPr/>
+        </p:nvSpPr>
+        <p:spPr>
+          <a:xfrm>
+            <a:off x="8610663" y="1330259"/>
+            <a:ext cx="2855639" cy="1477328"/>
+          </a:xfrm>
+          <a:prstGeom prst="rect">
+            <a:avLst/>
+          </a:prstGeom>
+          <a:noFill/>
+        </p:spPr>
+        <p:txBody>
+          <a:bodyPr wrap="square" rtlCol="0">
+            <a:spAutoFit/>
+          </a:bodyPr>
+          <a:lstStyle/>
+          <a:p>
+            <a:pPr marL="857250" indent="-360000">
+              <a:buFont typeface="Wingdings" panose="05000000000000000000" charset="0"/>
+              <a:buChar char="Ø"/>
+            </a:pPr>
+            <a:r>
+              <a:rPr lang="zh-CN" altLang="en-US" sz="1800" dirty="0" smtClean="0">
+                <a:solidFill>
+                  <a:schemeClr val="bg1"/>
+                </a:solidFill>
+                <a:latin typeface="华文中宋" panose="02010600040101010101" charset="-122"/>
+                <a:ea typeface="华文中宋" panose="02010600040101010101" charset="-122"/>
+                <a:cs typeface="华文中宋" panose="02010600040101010101" charset="-122"/>
+                <a:sym typeface="+mn-ea"/>
+              </a:rPr>
+              <a:t>新功能开发</a:t>
+            </a:r>
+            <a:endParaRPr lang="zh-CN" altLang="en-US" sz="1800" dirty="0">
+              <a:solidFill>
+                <a:schemeClr val="bg1"/>
+              </a:solidFill>
+              <a:latin typeface="华文中宋" panose="02010600040101010101" charset="-122"/>
+              <a:ea typeface="华文中宋" panose="02010600040101010101" charset="-122"/>
+              <a:cs typeface="华文中宋" panose="02010600040101010101" charset="-122"/>
+              <a:sym typeface="+mn-ea"/>
+            </a:endParaRPr>
+          </a:p>
+          <a:p>
+            <a:pPr marL="857250" indent="-360000">
+              <a:buFont typeface="Wingdings" panose="05000000000000000000" charset="0"/>
+              <a:buChar char="Ø"/>
+            </a:pPr>
+            <a:r>
+              <a:rPr lang="zh-CN" altLang="en-US" sz="1800" dirty="0" smtClean="0">
+                <a:solidFill>
+                  <a:schemeClr val="bg1"/>
+                </a:solidFill>
+                <a:latin typeface="华文中宋" panose="02010600040101010101" charset="-122"/>
+                <a:ea typeface="华文中宋" panose="02010600040101010101" charset="-122"/>
+                <a:cs typeface="华文中宋" panose="02010600040101010101" charset="-122"/>
+                <a:sym typeface="+mn-ea"/>
+              </a:rPr>
+              <a:t>兼容性提升</a:t>
+            </a:r>
+            <a:endParaRPr lang="zh-CN" altLang="en-US" sz="1800" dirty="0">
+              <a:solidFill>
+                <a:schemeClr val="bg1"/>
+              </a:solidFill>
+              <a:latin typeface="华文中宋" panose="02010600040101010101" charset="-122"/>
+              <a:ea typeface="华文中宋" panose="02010600040101010101" charset="-122"/>
+              <a:cs typeface="华文中宋" panose="02010600040101010101" charset="-122"/>
+              <a:sym typeface="+mn-ea"/>
+            </a:endParaRPr>
+          </a:p>
+          <a:p>
+            <a:pPr marL="857250" indent="-360000">
+              <a:buFont typeface="Wingdings" panose="05000000000000000000" charset="0"/>
+              <a:buChar char="Ø"/>
+            </a:pPr>
+            <a:r>
+              <a:rPr lang="zh-CN" altLang="en-US" sz="1800" dirty="0" smtClean="0">
+                <a:solidFill>
+                  <a:schemeClr val="bg1"/>
+                </a:solidFill>
+                <a:latin typeface="华文中宋" panose="02010600040101010101" charset="-122"/>
+                <a:ea typeface="华文中宋" panose="02010600040101010101" charset="-122"/>
+                <a:cs typeface="华文中宋" panose="02010600040101010101" charset="-122"/>
+                <a:sym typeface="+mn-ea"/>
+              </a:rPr>
+              <a:t>技术分享</a:t>
+            </a:r>
+            <a:endParaRPr lang="zh-CN" altLang="en-US" sz="1800" dirty="0">
+              <a:solidFill>
+                <a:schemeClr val="bg1"/>
+              </a:solidFill>
+              <a:latin typeface="华文中宋" panose="02010600040101010101" charset="-122"/>
+              <a:ea typeface="华文中宋" panose="02010600040101010101" charset="-122"/>
+              <a:cs typeface="华文中宋" panose="02010600040101010101" charset="-122"/>
+              <a:sym typeface="+mn-ea"/>
+            </a:endParaRPr>
+          </a:p>
+          <a:p>
+            <a:pPr marL="857250" indent="-360000">
+              <a:buFont typeface="Wingdings" panose="05000000000000000000" charset="0"/>
+              <a:buChar char="Ø"/>
+            </a:pPr>
+            <a:r>
+              <a:rPr lang="zh-CN" altLang="en-US" sz="1800" dirty="0" smtClean="0">
+                <a:solidFill>
+                  <a:schemeClr val="bg1"/>
+                </a:solidFill>
+                <a:latin typeface="华文中宋" panose="02010600040101010101" charset="-122"/>
+                <a:ea typeface="华文中宋" panose="02010600040101010101" charset="-122"/>
+                <a:cs typeface="华文中宋" panose="02010600040101010101" charset="-122"/>
+                <a:sym typeface="+mn-ea"/>
+              </a:rPr>
+              <a:t>社区合作</a:t>
+            </a:r>
+            <a:endParaRPr lang="zh-CN" altLang="en-US" sz="1800" dirty="0">
+              <a:solidFill>
+                <a:schemeClr val="bg1"/>
+              </a:solidFill>
+              <a:latin typeface="华文中宋" panose="02010600040101010101" charset="-122"/>
+              <a:ea typeface="华文中宋" panose="02010600040101010101" charset="-122"/>
+              <a:cs typeface="华文中宋" panose="02010600040101010101" charset="-122"/>
+              <a:sym typeface="+mn-ea"/>
+            </a:endParaRPr>
+          </a:p>
+          <a:p>
+            <a:pPr marL="497250"/>
+            <a:endParaRPr lang="zh-CN" altLang="en-US" sz="1800" dirty="0">
+              <a:solidFill>
+                <a:schemeClr val="bg1"/>
+              </a:solidFill>
+              <a:latin typeface="华文中宋" panose="02010600040101010101" charset="-122"/>
+              <a:ea typeface="华文中宋" panose="02010600040101010101" charset="-122"/>
+              <a:cs typeface="华文中宋" panose="02010600040101010101" charset="-122"/>
+              <a:sym typeface="+mn-ea"/>
+            </a:endParaRPr>
+          </a:p>
+        </p:txBody>
+      </p:sp>
+    </p:spTree>
+    <p:extLst>
+      <p:ext uri="{BB962C8B-B14F-4D97-AF65-F5344CB8AC3E}">
+        <p14:creationId xmlns:p14="http://schemas.microsoft.com/office/powerpoint/2010/main" val="3673285302"/>
+      </p:ext>
+    </p:extLst>
+  </p:cSld>
+  <p:clrMapOvr>
+    <a:masterClrMapping/>
+  </p:clrMapOvr>
+  <p:timing>
+    <p:tnLst>
+      <p:par>
+        <p:cTn id="1" dur="indefinite" restart="never" nodeType="tmRoot"/>
+      </p:par>
+    </p:tnLst>
+  </p:timing>
+</p:sld>
+</file>
+
+<file path=ppt/slides/slide23.xml><?xml version="1.0" encoding="utf-8"?>
+<p:sld xmlns:a="http://schemas.openxmlformats.org/drawingml/2006/main" xmlns:r="http://schemas.openxmlformats.org/officeDocument/2006/relationships" xmlns:p="http://schemas.openxmlformats.org/presentationml/2006/main">
+  <p:cSld>
+    <p:spTree>
+      <p:nvGrpSpPr>
+        <p:cNvPr id="1" name=""/>
+        <p:cNvGrpSpPr/>
+        <p:nvPr/>
+      </p:nvGrpSpPr>
+      <p:grpSpPr>
+        <a:xfrm>
+          <a:off x="0" y="0"/>
+          <a:ext cx="0" cy="0"/>
+          <a:chOff x="0" y="0"/>
+          <a:chExt cx="0" cy="0"/>
+        </a:xfrm>
+      </p:grpSpPr>
+      <p:sp>
+        <p:nvSpPr>
+          <p:cNvPr id="2" name="日期占位符 1"/>
+          <p:cNvSpPr>
+            <a:spLocks noGrp="1"/>
+          </p:cNvSpPr>
+          <p:nvPr>
+            <p:ph type="dt" sz="half" idx="10"/>
+          </p:nvPr>
+        </p:nvSpPr>
+        <p:spPr/>
+        <p:txBody>
+          <a:bodyPr/>
+          <a:lstStyle/>
+          <a:p>
+            <a:fld id="{063B93FD-7836-458C-95C4-D20051899224}" type="datetime1">
+              <a:rPr lang="zh-CN" altLang="en-US" smtClean="0"/>
+              <a:t>2021/1/20</a:t>
+            </a:fld>
+            <a:endParaRPr lang="zh-CN" altLang="en-US"/>
+          </a:p>
+        </p:txBody>
+      </p:sp>
+      <p:sp>
+        <p:nvSpPr>
+          <p:cNvPr id="3" name="灯片编号占位符 2"/>
+          <p:cNvSpPr>
+            <a:spLocks noGrp="1"/>
+          </p:cNvSpPr>
+          <p:nvPr>
+            <p:ph type="sldNum" sz="quarter" idx="12"/>
+          </p:nvPr>
+        </p:nvSpPr>
+        <p:spPr/>
+        <p:txBody>
+          <a:bodyPr/>
+          <a:lstStyle/>
+          <a:p>
+            <a:fld id="{F3C09F5B-C591-49A2-9090-D775AF8A5EB6}" type="slidenum">
+              <a:rPr lang="zh-CN" altLang="en-US" smtClean="0"/>
+              <a:t>23</a:t>
+            </a:fld>
+            <a:endParaRPr lang="zh-CN" altLang="en-US"/>
+          </a:p>
+        </p:txBody>
+      </p:sp>
+      <p:sp>
+        <p:nvSpPr>
+          <p:cNvPr id="4" name="矩形 3"/>
+          <p:cNvSpPr/>
+          <p:nvPr/>
+        </p:nvSpPr>
+        <p:spPr>
+          <a:xfrm>
+            <a:off x="4151784" y="2793702"/>
+            <a:ext cx="3679213" cy="923330"/>
+          </a:xfrm>
+          <a:prstGeom prst="rect">
+            <a:avLst/>
+          </a:prstGeom>
+          <a:noFill/>
+        </p:spPr>
+        <p:txBody>
+          <a:bodyPr wrap="none" lIns="91440" tIns="45720" rIns="91440" bIns="45720">
+            <a:spAutoFit/>
+          </a:bodyPr>
+          <a:lstStyle/>
+          <a:p>
+            <a:pPr algn="ctr"/>
+            <a:r>
+              <a:rPr lang="en-US" altLang="zh-CN" sz="5400" b="1" cap="none" spc="0" dirty="0" smtClean="0">
+                <a:ln w="22225">
+                  <a:solidFill>
+                    <a:schemeClr val="accent2"/>
+                  </a:solidFill>
+                  <a:prstDash val="solid"/>
+                </a:ln>
+                <a:solidFill>
+                  <a:schemeClr val="accent2">
+                    <a:lumMod val="40000"/>
+                    <a:lumOff val="60000"/>
+                  </a:schemeClr>
+                </a:solidFill>
+                <a:effectLst/>
+              </a:rPr>
+              <a:t>Thank </a:t>
+            </a:r>
+            <a:r>
+              <a:rPr lang="en-US" altLang="zh-CN" sz="5400" dirty="0" smtClean="0">
+                <a:ln w="22225">
+                  <a:solidFill>
+                    <a:schemeClr val="accent2"/>
+                  </a:solidFill>
+                  <a:prstDash val="solid"/>
+                </a:ln>
+                <a:solidFill>
+                  <a:schemeClr val="accent2">
+                    <a:lumMod val="40000"/>
+                    <a:lumOff val="60000"/>
+                  </a:schemeClr>
+                </a:solidFill>
+              </a:rPr>
+              <a:t>you!</a:t>
+            </a:r>
+            <a:endParaRPr lang="zh-CN" altLang="en-US" sz="5400" b="1" cap="none" spc="0" dirty="0">
+              <a:ln w="22225">
+                <a:solidFill>
+                  <a:schemeClr val="accent2"/>
+                </a:solidFill>
+                <a:prstDash val="solid"/>
+              </a:ln>
+              <a:solidFill>
+                <a:schemeClr val="accent2">
+                  <a:lumMod val="40000"/>
+                  <a:lumOff val="60000"/>
+                </a:schemeClr>
+              </a:solidFill>
+              <a:effectLst/>
+            </a:endParaRPr>
+          </a:p>
+        </p:txBody>
+      </p:sp>
+    </p:spTree>
+    <p:extLst>
+      <p:ext uri="{BB962C8B-B14F-4D97-AF65-F5344CB8AC3E}">
+        <p14:creationId xmlns:p14="http://schemas.microsoft.com/office/powerpoint/2010/main" val="2030136389"/>
+      </p:ext>
+    </p:extLst>
   </p:cSld>
   <p:clrMapOvr>
     <a:masterClrMapping/>
